--- a/Group O-1-6/Final Presentation.pptx
+++ b/Group O-1-6/Final Presentation.pptx
@@ -12,7 +12,8 @@
     <p:sldId id="263" r:id="rId6"/>
     <p:sldId id="260" r:id="rId7"/>
     <p:sldId id="261" r:id="rId8"/>
-    <p:sldId id="264" r:id="rId9"/>
+    <p:sldId id="265" r:id="rId9"/>
+    <p:sldId id="264" r:id="rId10"/>
   </p:sldIdLst>
   <p:sldSz cx="12192000" cy="6858000"/>
   <p:notesSz cx="6858000" cy="9144000"/>
@@ -3624,6 +3625,753 @@
     <dgm:fillClrLst meth="repeat">
       <a:schemeClr val="accent2">
         <a:tint val="40000"/>
+      </a:schemeClr>
+    </dgm:fillClrLst>
+    <dgm:linClrLst meth="repeat">
+      <a:schemeClr val="lt1"/>
+    </dgm:linClrLst>
+    <dgm:effectClrLst/>
+    <dgm:txLinClrLst/>
+    <dgm:txFillClrLst meth="repeat">
+      <a:schemeClr val="dk1"/>
+    </dgm:txFillClrLst>
+    <dgm:txEffectClrLst/>
+  </dgm:styleLbl>
+  <dgm:styleLbl name="revTx">
+    <dgm:fillClrLst meth="repeat">
+      <a:schemeClr val="lt1">
+        <a:alpha val="0"/>
+      </a:schemeClr>
+    </dgm:fillClrLst>
+    <dgm:linClrLst meth="repeat">
+      <a:schemeClr val="dk1">
+        <a:alpha val="0"/>
+      </a:schemeClr>
+    </dgm:linClrLst>
+    <dgm:effectClrLst/>
+    <dgm:txLinClrLst/>
+    <dgm:txFillClrLst meth="repeat">
+      <a:schemeClr val="tx1"/>
+    </dgm:txFillClrLst>
+    <dgm:txEffectClrLst/>
+  </dgm:styleLbl>
+</dgm:colorsDef>
+</file>
+
+<file path=ppt/diagrams/colors5.xml><?xml version="1.0" encoding="utf-8"?>
+<dgm:colorsDef xmlns:dgm="http://schemas.openxmlformats.org/drawingml/2006/diagram" xmlns:a="http://schemas.openxmlformats.org/drawingml/2006/main" uniqueId="urn:microsoft.com/office/officeart/2005/8/colors/accent1_2">
+  <dgm:title val=""/>
+  <dgm:desc val=""/>
+  <dgm:catLst>
+    <dgm:cat type="accent1" pri="11200"/>
+  </dgm:catLst>
+  <dgm:styleLbl name="node0">
+    <dgm:fillClrLst meth="repeat">
+      <a:schemeClr val="accent1"/>
+    </dgm:fillClrLst>
+    <dgm:linClrLst meth="repeat">
+      <a:schemeClr val="lt1"/>
+    </dgm:linClrLst>
+    <dgm:effectClrLst/>
+    <dgm:txLinClrLst/>
+    <dgm:txFillClrLst/>
+    <dgm:txEffectClrLst/>
+  </dgm:styleLbl>
+  <dgm:styleLbl name="alignNode1">
+    <dgm:fillClrLst meth="repeat">
+      <a:schemeClr val="accent1"/>
+    </dgm:fillClrLst>
+    <dgm:linClrLst meth="repeat">
+      <a:schemeClr val="accent1"/>
+    </dgm:linClrLst>
+    <dgm:effectClrLst/>
+    <dgm:txLinClrLst/>
+    <dgm:txFillClrLst/>
+    <dgm:txEffectClrLst/>
+  </dgm:styleLbl>
+  <dgm:styleLbl name="node1">
+    <dgm:fillClrLst meth="repeat">
+      <a:schemeClr val="accent1"/>
+    </dgm:fillClrLst>
+    <dgm:linClrLst meth="repeat">
+      <a:schemeClr val="lt1"/>
+    </dgm:linClrLst>
+    <dgm:effectClrLst/>
+    <dgm:txLinClrLst/>
+    <dgm:txFillClrLst/>
+    <dgm:txEffectClrLst/>
+  </dgm:styleLbl>
+  <dgm:styleLbl name="lnNode1">
+    <dgm:fillClrLst meth="repeat">
+      <a:schemeClr val="accent1"/>
+    </dgm:fillClrLst>
+    <dgm:linClrLst meth="repeat">
+      <a:schemeClr val="lt1"/>
+    </dgm:linClrLst>
+    <dgm:effectClrLst/>
+    <dgm:txLinClrLst/>
+    <dgm:txFillClrLst/>
+    <dgm:txEffectClrLst/>
+  </dgm:styleLbl>
+  <dgm:styleLbl name="vennNode1">
+    <dgm:fillClrLst meth="repeat">
+      <a:schemeClr val="accent1">
+        <a:alpha val="50000"/>
+      </a:schemeClr>
+    </dgm:fillClrLst>
+    <dgm:linClrLst meth="repeat">
+      <a:schemeClr val="lt1"/>
+    </dgm:linClrLst>
+    <dgm:effectClrLst/>
+    <dgm:txLinClrLst/>
+    <dgm:txFillClrLst/>
+    <dgm:txEffectClrLst/>
+  </dgm:styleLbl>
+  <dgm:styleLbl name="node2">
+    <dgm:fillClrLst meth="repeat">
+      <a:schemeClr val="accent1"/>
+    </dgm:fillClrLst>
+    <dgm:linClrLst meth="repeat">
+      <a:schemeClr val="lt1"/>
+    </dgm:linClrLst>
+    <dgm:effectClrLst/>
+    <dgm:txLinClrLst/>
+    <dgm:txFillClrLst/>
+    <dgm:txEffectClrLst/>
+  </dgm:styleLbl>
+  <dgm:styleLbl name="node3">
+    <dgm:fillClrLst meth="repeat">
+      <a:schemeClr val="accent1"/>
+    </dgm:fillClrLst>
+    <dgm:linClrLst meth="repeat">
+      <a:schemeClr val="lt1"/>
+    </dgm:linClrLst>
+    <dgm:effectClrLst/>
+    <dgm:txLinClrLst/>
+    <dgm:txFillClrLst/>
+    <dgm:txEffectClrLst/>
+  </dgm:styleLbl>
+  <dgm:styleLbl name="node4">
+    <dgm:fillClrLst meth="repeat">
+      <a:schemeClr val="accent1"/>
+    </dgm:fillClrLst>
+    <dgm:linClrLst meth="repeat">
+      <a:schemeClr val="lt1"/>
+    </dgm:linClrLst>
+    <dgm:effectClrLst/>
+    <dgm:txLinClrLst/>
+    <dgm:txFillClrLst/>
+    <dgm:txEffectClrLst/>
+  </dgm:styleLbl>
+  <dgm:styleLbl name="fgImgPlace1">
+    <dgm:fillClrLst meth="repeat">
+      <a:schemeClr val="accent1">
+        <a:tint val="50000"/>
+      </a:schemeClr>
+    </dgm:fillClrLst>
+    <dgm:linClrLst meth="repeat">
+      <a:schemeClr val="lt1"/>
+    </dgm:linClrLst>
+    <dgm:effectClrLst/>
+    <dgm:txLinClrLst/>
+    <dgm:txFillClrLst meth="repeat">
+      <a:schemeClr val="lt1"/>
+    </dgm:txFillClrLst>
+    <dgm:txEffectClrLst/>
+  </dgm:styleLbl>
+  <dgm:styleLbl name="alignImgPlace1">
+    <dgm:fillClrLst meth="repeat">
+      <a:schemeClr val="accent1">
+        <a:tint val="50000"/>
+      </a:schemeClr>
+    </dgm:fillClrLst>
+    <dgm:linClrLst meth="repeat">
+      <a:schemeClr val="lt1"/>
+    </dgm:linClrLst>
+    <dgm:effectClrLst/>
+    <dgm:txLinClrLst/>
+    <dgm:txFillClrLst meth="repeat">
+      <a:schemeClr val="lt1"/>
+    </dgm:txFillClrLst>
+    <dgm:txEffectClrLst/>
+  </dgm:styleLbl>
+  <dgm:styleLbl name="bgImgPlace1">
+    <dgm:fillClrLst meth="repeat">
+      <a:schemeClr val="accent1">
+        <a:tint val="50000"/>
+      </a:schemeClr>
+    </dgm:fillClrLst>
+    <dgm:linClrLst meth="repeat">
+      <a:schemeClr val="lt1"/>
+    </dgm:linClrLst>
+    <dgm:effectClrLst/>
+    <dgm:txLinClrLst/>
+    <dgm:txFillClrLst meth="repeat">
+      <a:schemeClr val="lt1"/>
+    </dgm:txFillClrLst>
+    <dgm:txEffectClrLst/>
+  </dgm:styleLbl>
+  <dgm:styleLbl name="sibTrans2D1">
+    <dgm:fillClrLst meth="repeat">
+      <a:schemeClr val="accent1">
+        <a:tint val="60000"/>
+      </a:schemeClr>
+    </dgm:fillClrLst>
+    <dgm:linClrLst meth="repeat">
+      <a:schemeClr val="accent1">
+        <a:tint val="60000"/>
+      </a:schemeClr>
+    </dgm:linClrLst>
+    <dgm:effectClrLst/>
+    <dgm:txLinClrLst/>
+    <dgm:txFillClrLst/>
+    <dgm:txEffectClrLst/>
+  </dgm:styleLbl>
+  <dgm:styleLbl name="fgSibTrans2D1">
+    <dgm:fillClrLst meth="repeat">
+      <a:schemeClr val="accent1">
+        <a:tint val="60000"/>
+      </a:schemeClr>
+    </dgm:fillClrLst>
+    <dgm:linClrLst meth="repeat">
+      <a:schemeClr val="accent1">
+        <a:tint val="60000"/>
+      </a:schemeClr>
+    </dgm:linClrLst>
+    <dgm:effectClrLst/>
+    <dgm:txLinClrLst/>
+    <dgm:txFillClrLst/>
+    <dgm:txEffectClrLst/>
+  </dgm:styleLbl>
+  <dgm:styleLbl name="bgSibTrans2D1">
+    <dgm:fillClrLst meth="repeat">
+      <a:schemeClr val="accent1">
+        <a:tint val="60000"/>
+      </a:schemeClr>
+    </dgm:fillClrLst>
+    <dgm:linClrLst meth="repeat">
+      <a:schemeClr val="accent1">
+        <a:tint val="60000"/>
+      </a:schemeClr>
+    </dgm:linClrLst>
+    <dgm:effectClrLst/>
+    <dgm:txLinClrLst/>
+    <dgm:txFillClrLst/>
+    <dgm:txEffectClrLst/>
+  </dgm:styleLbl>
+  <dgm:styleLbl name="sibTrans1D1">
+    <dgm:fillClrLst meth="repeat">
+      <a:schemeClr val="accent1"/>
+    </dgm:fillClrLst>
+    <dgm:linClrLst meth="repeat">
+      <a:schemeClr val="accent1"/>
+    </dgm:linClrLst>
+    <dgm:effectClrLst/>
+    <dgm:txLinClrLst/>
+    <dgm:txFillClrLst meth="repeat">
+      <a:schemeClr val="tx1"/>
+    </dgm:txFillClrLst>
+    <dgm:txEffectClrLst/>
+  </dgm:styleLbl>
+  <dgm:styleLbl name="callout">
+    <dgm:fillClrLst meth="repeat">
+      <a:schemeClr val="accent1"/>
+    </dgm:fillClrLst>
+    <dgm:linClrLst meth="repeat">
+      <a:schemeClr val="accent1">
+        <a:tint val="50000"/>
+      </a:schemeClr>
+    </dgm:linClrLst>
+    <dgm:effectClrLst/>
+    <dgm:txLinClrLst/>
+    <dgm:txFillClrLst meth="repeat">
+      <a:schemeClr val="tx1"/>
+    </dgm:txFillClrLst>
+    <dgm:txEffectClrLst/>
+  </dgm:styleLbl>
+  <dgm:styleLbl name="asst0">
+    <dgm:fillClrLst meth="repeat">
+      <a:schemeClr val="accent1"/>
+    </dgm:fillClrLst>
+    <dgm:linClrLst meth="repeat">
+      <a:schemeClr val="lt1"/>
+    </dgm:linClrLst>
+    <dgm:effectClrLst/>
+    <dgm:txLinClrLst/>
+    <dgm:txFillClrLst/>
+    <dgm:txEffectClrLst/>
+  </dgm:styleLbl>
+  <dgm:styleLbl name="asst1">
+    <dgm:fillClrLst meth="repeat">
+      <a:schemeClr val="accent1"/>
+    </dgm:fillClrLst>
+    <dgm:linClrLst meth="repeat">
+      <a:schemeClr val="lt1"/>
+    </dgm:linClrLst>
+    <dgm:effectClrLst/>
+    <dgm:txLinClrLst/>
+    <dgm:txFillClrLst/>
+    <dgm:txEffectClrLst/>
+  </dgm:styleLbl>
+  <dgm:styleLbl name="asst2">
+    <dgm:fillClrLst meth="repeat">
+      <a:schemeClr val="accent1"/>
+    </dgm:fillClrLst>
+    <dgm:linClrLst meth="repeat">
+      <a:schemeClr val="lt1"/>
+    </dgm:linClrLst>
+    <dgm:effectClrLst/>
+    <dgm:txLinClrLst/>
+    <dgm:txFillClrLst/>
+    <dgm:txEffectClrLst/>
+  </dgm:styleLbl>
+  <dgm:styleLbl name="asst3">
+    <dgm:fillClrLst meth="repeat">
+      <a:schemeClr val="accent1"/>
+    </dgm:fillClrLst>
+    <dgm:linClrLst meth="repeat">
+      <a:schemeClr val="lt1"/>
+    </dgm:linClrLst>
+    <dgm:effectClrLst/>
+    <dgm:txLinClrLst/>
+    <dgm:txFillClrLst/>
+    <dgm:txEffectClrLst/>
+  </dgm:styleLbl>
+  <dgm:styleLbl name="asst4">
+    <dgm:fillClrLst meth="repeat">
+      <a:schemeClr val="accent1"/>
+    </dgm:fillClrLst>
+    <dgm:linClrLst meth="repeat">
+      <a:schemeClr val="lt1"/>
+    </dgm:linClrLst>
+    <dgm:effectClrLst/>
+    <dgm:txLinClrLst/>
+    <dgm:txFillClrLst/>
+    <dgm:txEffectClrLst/>
+  </dgm:styleLbl>
+  <dgm:styleLbl name="parChTrans2D1">
+    <dgm:fillClrLst meth="repeat">
+      <a:schemeClr val="accent1">
+        <a:tint val="60000"/>
+      </a:schemeClr>
+    </dgm:fillClrLst>
+    <dgm:linClrLst meth="repeat">
+      <a:schemeClr val="accent1">
+        <a:tint val="60000"/>
+      </a:schemeClr>
+    </dgm:linClrLst>
+    <dgm:effectClrLst/>
+    <dgm:txLinClrLst/>
+    <dgm:txFillClrLst meth="repeat">
+      <a:schemeClr val="lt1"/>
+    </dgm:txFillClrLst>
+    <dgm:txEffectClrLst/>
+  </dgm:styleLbl>
+  <dgm:styleLbl name="parChTrans2D2">
+    <dgm:fillClrLst meth="repeat">
+      <a:schemeClr val="accent1"/>
+    </dgm:fillClrLst>
+    <dgm:linClrLst meth="repeat">
+      <a:schemeClr val="accent1"/>
+    </dgm:linClrLst>
+    <dgm:effectClrLst/>
+    <dgm:txLinClrLst/>
+    <dgm:txFillClrLst meth="repeat">
+      <a:schemeClr val="lt1"/>
+    </dgm:txFillClrLst>
+    <dgm:txEffectClrLst/>
+  </dgm:styleLbl>
+  <dgm:styleLbl name="parChTrans2D3">
+    <dgm:fillClrLst meth="repeat">
+      <a:schemeClr val="accent1"/>
+    </dgm:fillClrLst>
+    <dgm:linClrLst meth="repeat">
+      <a:schemeClr val="accent1"/>
+    </dgm:linClrLst>
+    <dgm:effectClrLst/>
+    <dgm:txLinClrLst/>
+    <dgm:txFillClrLst meth="repeat">
+      <a:schemeClr val="lt1"/>
+    </dgm:txFillClrLst>
+    <dgm:txEffectClrLst/>
+  </dgm:styleLbl>
+  <dgm:styleLbl name="parChTrans2D4">
+    <dgm:fillClrLst meth="repeat">
+      <a:schemeClr val="accent1"/>
+    </dgm:fillClrLst>
+    <dgm:linClrLst meth="repeat">
+      <a:schemeClr val="accent1"/>
+    </dgm:linClrLst>
+    <dgm:effectClrLst/>
+    <dgm:txLinClrLst/>
+    <dgm:txFillClrLst meth="repeat">
+      <a:schemeClr val="lt1"/>
+    </dgm:txFillClrLst>
+    <dgm:txEffectClrLst/>
+  </dgm:styleLbl>
+  <dgm:styleLbl name="parChTrans1D1">
+    <dgm:fillClrLst meth="repeat">
+      <a:schemeClr val="accent1"/>
+    </dgm:fillClrLst>
+    <dgm:linClrLst meth="repeat">
+      <a:schemeClr val="accent1">
+        <a:shade val="60000"/>
+      </a:schemeClr>
+    </dgm:linClrLst>
+    <dgm:effectClrLst/>
+    <dgm:txLinClrLst/>
+    <dgm:txFillClrLst meth="repeat">
+      <a:schemeClr val="tx1"/>
+    </dgm:txFillClrLst>
+    <dgm:txEffectClrLst/>
+  </dgm:styleLbl>
+  <dgm:styleLbl name="parChTrans1D2">
+    <dgm:fillClrLst meth="repeat">
+      <a:schemeClr val="accent1"/>
+    </dgm:fillClrLst>
+    <dgm:linClrLst meth="repeat">
+      <a:schemeClr val="accent1">
+        <a:shade val="60000"/>
+      </a:schemeClr>
+    </dgm:linClrLst>
+    <dgm:effectClrLst/>
+    <dgm:txLinClrLst/>
+    <dgm:txFillClrLst meth="repeat">
+      <a:schemeClr val="tx1"/>
+    </dgm:txFillClrLst>
+    <dgm:txEffectClrLst/>
+  </dgm:styleLbl>
+  <dgm:styleLbl name="parChTrans1D3">
+    <dgm:fillClrLst meth="repeat">
+      <a:schemeClr val="accent1"/>
+    </dgm:fillClrLst>
+    <dgm:linClrLst meth="repeat">
+      <a:schemeClr val="accent1">
+        <a:shade val="80000"/>
+      </a:schemeClr>
+    </dgm:linClrLst>
+    <dgm:effectClrLst/>
+    <dgm:txLinClrLst/>
+    <dgm:txFillClrLst meth="repeat">
+      <a:schemeClr val="tx1"/>
+    </dgm:txFillClrLst>
+    <dgm:txEffectClrLst/>
+  </dgm:styleLbl>
+  <dgm:styleLbl name="parChTrans1D4">
+    <dgm:fillClrLst meth="repeat">
+      <a:schemeClr val="accent1"/>
+    </dgm:fillClrLst>
+    <dgm:linClrLst meth="repeat">
+      <a:schemeClr val="accent1">
+        <a:shade val="80000"/>
+      </a:schemeClr>
+    </dgm:linClrLst>
+    <dgm:effectClrLst/>
+    <dgm:txLinClrLst/>
+    <dgm:txFillClrLst meth="repeat">
+      <a:schemeClr val="tx1"/>
+    </dgm:txFillClrLst>
+    <dgm:txEffectClrLst/>
+  </dgm:styleLbl>
+  <dgm:styleLbl name="fgAcc1">
+    <dgm:fillClrLst meth="repeat">
+      <a:schemeClr val="lt1">
+        <a:alpha val="90000"/>
+      </a:schemeClr>
+    </dgm:fillClrLst>
+    <dgm:linClrLst meth="repeat">
+      <a:schemeClr val="accent1"/>
+    </dgm:linClrLst>
+    <dgm:effectClrLst/>
+    <dgm:txLinClrLst/>
+    <dgm:txFillClrLst meth="repeat">
+      <a:schemeClr val="dk1"/>
+    </dgm:txFillClrLst>
+    <dgm:txEffectClrLst/>
+  </dgm:styleLbl>
+  <dgm:styleLbl name="conFgAcc1">
+    <dgm:fillClrLst meth="repeat">
+      <a:schemeClr val="lt1">
+        <a:alpha val="90000"/>
+      </a:schemeClr>
+    </dgm:fillClrLst>
+    <dgm:linClrLst meth="repeat">
+      <a:schemeClr val="accent1"/>
+    </dgm:linClrLst>
+    <dgm:effectClrLst/>
+    <dgm:txLinClrLst/>
+    <dgm:txFillClrLst meth="repeat">
+      <a:schemeClr val="dk1"/>
+    </dgm:txFillClrLst>
+    <dgm:txEffectClrLst/>
+  </dgm:styleLbl>
+  <dgm:styleLbl name="alignAcc1">
+    <dgm:fillClrLst meth="repeat">
+      <a:schemeClr val="lt1">
+        <a:alpha val="90000"/>
+      </a:schemeClr>
+    </dgm:fillClrLst>
+    <dgm:linClrLst meth="repeat">
+      <a:schemeClr val="accent1"/>
+    </dgm:linClrLst>
+    <dgm:effectClrLst/>
+    <dgm:txLinClrLst/>
+    <dgm:txFillClrLst meth="repeat">
+      <a:schemeClr val="dk1"/>
+    </dgm:txFillClrLst>
+    <dgm:txEffectClrLst/>
+  </dgm:styleLbl>
+  <dgm:styleLbl name="trAlignAcc1">
+    <dgm:fillClrLst meth="repeat">
+      <a:schemeClr val="lt1">
+        <a:alpha val="40000"/>
+      </a:schemeClr>
+    </dgm:fillClrLst>
+    <dgm:linClrLst meth="repeat">
+      <a:schemeClr val="accent1"/>
+    </dgm:linClrLst>
+    <dgm:effectClrLst/>
+    <dgm:txLinClrLst/>
+    <dgm:txFillClrLst meth="repeat">
+      <a:schemeClr val="dk1"/>
+    </dgm:txFillClrLst>
+    <dgm:txEffectClrLst/>
+  </dgm:styleLbl>
+  <dgm:styleLbl name="bgAcc1">
+    <dgm:fillClrLst meth="repeat">
+      <a:schemeClr val="lt1">
+        <a:alpha val="90000"/>
+      </a:schemeClr>
+    </dgm:fillClrLst>
+    <dgm:linClrLst meth="repeat">
+      <a:schemeClr val="accent1"/>
+    </dgm:linClrLst>
+    <dgm:effectClrLst/>
+    <dgm:txLinClrLst/>
+    <dgm:txFillClrLst meth="repeat">
+      <a:schemeClr val="dk1"/>
+    </dgm:txFillClrLst>
+    <dgm:txEffectClrLst/>
+  </dgm:styleLbl>
+  <dgm:styleLbl name="solidFgAcc1">
+    <dgm:fillClrLst meth="repeat">
+      <a:schemeClr val="lt1"/>
+    </dgm:fillClrLst>
+    <dgm:linClrLst meth="repeat">
+      <a:schemeClr val="accent1"/>
+    </dgm:linClrLst>
+    <dgm:effectClrLst/>
+    <dgm:txLinClrLst/>
+    <dgm:txFillClrLst meth="repeat">
+      <a:schemeClr val="dk1"/>
+    </dgm:txFillClrLst>
+    <dgm:txEffectClrLst/>
+  </dgm:styleLbl>
+  <dgm:styleLbl name="solidAlignAcc1">
+    <dgm:fillClrLst meth="repeat">
+      <a:schemeClr val="lt1"/>
+    </dgm:fillClrLst>
+    <dgm:linClrLst meth="repeat">
+      <a:schemeClr val="accent1"/>
+    </dgm:linClrLst>
+    <dgm:effectClrLst/>
+    <dgm:txLinClrLst/>
+    <dgm:txFillClrLst meth="repeat">
+      <a:schemeClr val="dk1"/>
+    </dgm:txFillClrLst>
+    <dgm:txEffectClrLst/>
+  </dgm:styleLbl>
+  <dgm:styleLbl name="solidBgAcc1">
+    <dgm:fillClrLst meth="repeat">
+      <a:schemeClr val="lt1"/>
+    </dgm:fillClrLst>
+    <dgm:linClrLst meth="repeat">
+      <a:schemeClr val="accent1"/>
+    </dgm:linClrLst>
+    <dgm:effectClrLst/>
+    <dgm:txLinClrLst/>
+    <dgm:txFillClrLst meth="repeat">
+      <a:schemeClr val="dk1"/>
+    </dgm:txFillClrLst>
+    <dgm:txEffectClrLst/>
+  </dgm:styleLbl>
+  <dgm:styleLbl name="fgAccFollowNode1">
+    <dgm:fillClrLst meth="repeat">
+      <a:schemeClr val="accent1">
+        <a:alpha val="90000"/>
+        <a:tint val="40000"/>
+      </a:schemeClr>
+    </dgm:fillClrLst>
+    <dgm:linClrLst meth="repeat">
+      <a:schemeClr val="accent1">
+        <a:alpha val="90000"/>
+        <a:tint val="40000"/>
+      </a:schemeClr>
+    </dgm:linClrLst>
+    <dgm:effectClrLst/>
+    <dgm:txLinClrLst/>
+    <dgm:txFillClrLst meth="repeat">
+      <a:schemeClr val="dk1"/>
+    </dgm:txFillClrLst>
+    <dgm:txEffectClrLst/>
+  </dgm:styleLbl>
+  <dgm:styleLbl name="alignAccFollowNode1">
+    <dgm:fillClrLst meth="repeat">
+      <a:schemeClr val="accent1">
+        <a:alpha val="90000"/>
+        <a:tint val="40000"/>
+      </a:schemeClr>
+    </dgm:fillClrLst>
+    <dgm:linClrLst meth="repeat">
+      <a:schemeClr val="accent1">
+        <a:alpha val="90000"/>
+        <a:tint val="40000"/>
+      </a:schemeClr>
+    </dgm:linClrLst>
+    <dgm:effectClrLst/>
+    <dgm:txLinClrLst/>
+    <dgm:txFillClrLst meth="repeat">
+      <a:schemeClr val="dk1"/>
+    </dgm:txFillClrLst>
+    <dgm:txEffectClrLst/>
+  </dgm:styleLbl>
+  <dgm:styleLbl name="bgAccFollowNode1">
+    <dgm:fillClrLst meth="repeat">
+      <a:schemeClr val="accent1">
+        <a:alpha val="90000"/>
+        <a:tint val="40000"/>
+      </a:schemeClr>
+    </dgm:fillClrLst>
+    <dgm:linClrLst meth="repeat">
+      <a:schemeClr val="accent1">
+        <a:alpha val="90000"/>
+        <a:tint val="40000"/>
+      </a:schemeClr>
+    </dgm:linClrLst>
+    <dgm:effectClrLst/>
+    <dgm:txLinClrLst/>
+    <dgm:txFillClrLst meth="repeat">
+      <a:schemeClr val="dk1"/>
+    </dgm:txFillClrLst>
+    <dgm:txEffectClrLst/>
+  </dgm:styleLbl>
+  <dgm:styleLbl name="fgAcc0">
+    <dgm:fillClrLst meth="repeat">
+      <a:schemeClr val="lt1">
+        <a:alpha val="90000"/>
+      </a:schemeClr>
+    </dgm:fillClrLst>
+    <dgm:linClrLst meth="repeat">
+      <a:schemeClr val="accent1"/>
+    </dgm:linClrLst>
+    <dgm:effectClrLst/>
+    <dgm:txLinClrLst/>
+    <dgm:txFillClrLst meth="repeat">
+      <a:schemeClr val="dk1"/>
+    </dgm:txFillClrLst>
+    <dgm:txEffectClrLst/>
+  </dgm:styleLbl>
+  <dgm:styleLbl name="fgAcc2">
+    <dgm:fillClrLst meth="repeat">
+      <a:schemeClr val="lt1">
+        <a:alpha val="90000"/>
+      </a:schemeClr>
+    </dgm:fillClrLst>
+    <dgm:linClrLst meth="repeat">
+      <a:schemeClr val="accent1"/>
+    </dgm:linClrLst>
+    <dgm:effectClrLst/>
+    <dgm:txLinClrLst/>
+    <dgm:txFillClrLst meth="repeat">
+      <a:schemeClr val="dk1"/>
+    </dgm:txFillClrLst>
+    <dgm:txEffectClrLst/>
+  </dgm:styleLbl>
+  <dgm:styleLbl name="fgAcc3">
+    <dgm:fillClrLst meth="repeat">
+      <a:schemeClr val="lt1">
+        <a:alpha val="90000"/>
+      </a:schemeClr>
+    </dgm:fillClrLst>
+    <dgm:linClrLst meth="repeat">
+      <a:schemeClr val="accent1"/>
+    </dgm:linClrLst>
+    <dgm:effectClrLst/>
+    <dgm:txLinClrLst/>
+    <dgm:txFillClrLst meth="repeat">
+      <a:schemeClr val="dk1"/>
+    </dgm:txFillClrLst>
+    <dgm:txEffectClrLst/>
+  </dgm:styleLbl>
+  <dgm:styleLbl name="fgAcc4">
+    <dgm:fillClrLst meth="repeat">
+      <a:schemeClr val="lt1">
+        <a:alpha val="90000"/>
+      </a:schemeClr>
+    </dgm:fillClrLst>
+    <dgm:linClrLst meth="repeat">
+      <a:schemeClr val="accent1"/>
+    </dgm:linClrLst>
+    <dgm:effectClrLst/>
+    <dgm:txLinClrLst/>
+    <dgm:txFillClrLst meth="repeat">
+      <a:schemeClr val="dk1"/>
+    </dgm:txFillClrLst>
+    <dgm:txEffectClrLst/>
+  </dgm:styleLbl>
+  <dgm:styleLbl name="bgShp">
+    <dgm:fillClrLst meth="repeat">
+      <a:schemeClr val="accent1">
+        <a:tint val="40000"/>
+      </a:schemeClr>
+    </dgm:fillClrLst>
+    <dgm:linClrLst meth="repeat">
+      <a:schemeClr val="accent1"/>
+    </dgm:linClrLst>
+    <dgm:effectClrLst/>
+    <dgm:txLinClrLst/>
+    <dgm:txFillClrLst meth="repeat">
+      <a:schemeClr val="dk1"/>
+    </dgm:txFillClrLst>
+    <dgm:txEffectClrLst/>
+  </dgm:styleLbl>
+  <dgm:styleLbl name="dkBgShp">
+    <dgm:fillClrLst meth="repeat">
+      <a:schemeClr val="accent1">
+        <a:shade val="80000"/>
+      </a:schemeClr>
+    </dgm:fillClrLst>
+    <dgm:linClrLst meth="repeat">
+      <a:schemeClr val="accent1"/>
+    </dgm:linClrLst>
+    <dgm:effectClrLst/>
+    <dgm:txLinClrLst/>
+    <dgm:txFillClrLst meth="repeat">
+      <a:schemeClr val="lt1"/>
+    </dgm:txFillClrLst>
+    <dgm:txEffectClrLst/>
+  </dgm:styleLbl>
+  <dgm:styleLbl name="trBgShp">
+    <dgm:fillClrLst meth="repeat">
+      <a:schemeClr val="accent1">
+        <a:tint val="50000"/>
+        <a:alpha val="40000"/>
+      </a:schemeClr>
+    </dgm:fillClrLst>
+    <dgm:linClrLst meth="repeat">
+      <a:schemeClr val="accent1"/>
+    </dgm:linClrLst>
+    <dgm:effectClrLst/>
+    <dgm:txLinClrLst/>
+    <dgm:txFillClrLst meth="repeat">
+      <a:schemeClr val="lt1"/>
+    </dgm:txFillClrLst>
+    <dgm:txEffectClrLst/>
+  </dgm:styleLbl>
+  <dgm:styleLbl name="fgShp">
+    <dgm:fillClrLst meth="repeat">
+      <a:schemeClr val="accent1">
+        <a:tint val="60000"/>
       </a:schemeClr>
     </dgm:fillClrLst>
     <dgm:linClrLst meth="repeat">
@@ -4348,7 +5096,7 @@
         <a:p>
           <a:r>
             <a:rPr lang="en-US" dirty="0"/>
-            <a:t>Standardize and fix skewness.</a:t>
+            <a:t>Standardize, fix skewness, and clip outliers.</a:t>
           </a:r>
         </a:p>
       </dgm:t>
@@ -5337,6 +6085,1046 @@
 </dgm:dataModel>
 </file>
 
+<file path=ppt/diagrams/data5.xml><?xml version="1.0" encoding="utf-8"?>
+<dgm:dataModel xmlns:dgm="http://schemas.openxmlformats.org/drawingml/2006/diagram" xmlns:a="http://schemas.openxmlformats.org/drawingml/2006/main">
+  <dgm:ptLst>
+    <dgm:pt modelId="{EC155245-BA14-7B45-A51E-477B54E12D5F}" type="doc">
+      <dgm:prSet loTypeId="urn:microsoft.com/office/officeart/2005/8/layout/hierarchy1" loCatId="" qsTypeId="urn:microsoft.com/office/officeart/2005/8/quickstyle/simple1" qsCatId="simple" csTypeId="urn:microsoft.com/office/officeart/2005/8/colors/accent1_2" csCatId="accent1" phldr="1"/>
+      <dgm:spPr/>
+      <dgm:t>
+        <a:bodyPr/>
+        <a:lstStyle/>
+        <a:p>
+          <a:endParaRPr lang="en-US"/>
+        </a:p>
+      </dgm:t>
+    </dgm:pt>
+    <dgm:pt modelId="{52E5491F-1688-104E-A95E-7468435152C4}">
+      <dgm:prSet phldrT="[Text]"/>
+      <dgm:spPr/>
+      <dgm:t>
+        <a:bodyPr/>
+        <a:lstStyle/>
+        <a:p>
+          <a:r>
+            <a:rPr lang="en-US" dirty="0"/>
+            <a:t>Final Meta (Random Forest)</a:t>
+          </a:r>
+        </a:p>
+      </dgm:t>
+    </dgm:pt>
+    <dgm:pt modelId="{1BFF4520-A95E-8B4D-A7B1-161F36E62E39}" type="parTrans" cxnId="{35AF6B17-1358-2046-8089-D649FDE47584}">
+      <dgm:prSet/>
+      <dgm:spPr/>
+      <dgm:t>
+        <a:bodyPr/>
+        <a:lstStyle/>
+        <a:p>
+          <a:endParaRPr lang="en-US"/>
+        </a:p>
+      </dgm:t>
+    </dgm:pt>
+    <dgm:pt modelId="{608F1D72-91D2-3E45-A0F2-CB6B9697C36A}" type="sibTrans" cxnId="{35AF6B17-1358-2046-8089-D649FDE47584}">
+      <dgm:prSet/>
+      <dgm:spPr/>
+      <dgm:t>
+        <a:bodyPr/>
+        <a:lstStyle/>
+        <a:p>
+          <a:endParaRPr lang="en-US"/>
+        </a:p>
+      </dgm:t>
+    </dgm:pt>
+    <dgm:pt modelId="{059345EF-F67A-A845-BE07-E4468854F098}">
+      <dgm:prSet phldrT="[Text]"/>
+      <dgm:spPr/>
+      <dgm:t>
+        <a:bodyPr/>
+        <a:lstStyle/>
+        <a:p>
+          <a:r>
+            <a:rPr lang="en-US" dirty="0"/>
+            <a:t>Functional Probabilities</a:t>
+          </a:r>
+        </a:p>
+      </dgm:t>
+    </dgm:pt>
+    <dgm:pt modelId="{CDF67EF4-A9D6-9C44-BA26-F606B95C5C01}" type="parTrans" cxnId="{E33E3F88-0EFF-B144-AADE-D730B2AF1CC7}">
+      <dgm:prSet/>
+      <dgm:spPr/>
+      <dgm:t>
+        <a:bodyPr/>
+        <a:lstStyle/>
+        <a:p>
+          <a:endParaRPr lang="en-US"/>
+        </a:p>
+      </dgm:t>
+    </dgm:pt>
+    <dgm:pt modelId="{51D8CE72-F9B1-2645-A07F-58463A0AC13B}" type="sibTrans" cxnId="{E33E3F88-0EFF-B144-AADE-D730B2AF1CC7}">
+      <dgm:prSet/>
+      <dgm:spPr/>
+      <dgm:t>
+        <a:bodyPr/>
+        <a:lstStyle/>
+        <a:p>
+          <a:endParaRPr lang="en-US"/>
+        </a:p>
+      </dgm:t>
+    </dgm:pt>
+    <dgm:pt modelId="{D3B2DF03-084C-FA49-9172-F364AE0606E1}">
+      <dgm:prSet phldrT="[Text]"/>
+      <dgm:spPr/>
+      <dgm:t>
+        <a:bodyPr/>
+        <a:lstStyle/>
+        <a:p>
+          <a:r>
+            <a:rPr lang="en-US" dirty="0"/>
+            <a:t>Random Forest</a:t>
+          </a:r>
+        </a:p>
+        <a:p>
+          <a:r>
+            <a:rPr lang="en-US" dirty="0"/>
+            <a:t>Best CV Tuned Score: 0.82</a:t>
+          </a:r>
+        </a:p>
+        <a:p>
+          <a:endParaRPr lang="en-US" dirty="0"/>
+        </a:p>
+      </dgm:t>
+    </dgm:pt>
+    <dgm:pt modelId="{6E3F4D74-7874-EA49-BF16-7BFFD866A2ED}" type="parTrans" cxnId="{332DD47A-F7F1-DF4E-B403-051821045157}">
+      <dgm:prSet/>
+      <dgm:spPr/>
+      <dgm:t>
+        <a:bodyPr/>
+        <a:lstStyle/>
+        <a:p>
+          <a:endParaRPr lang="en-US"/>
+        </a:p>
+      </dgm:t>
+    </dgm:pt>
+    <dgm:pt modelId="{05D6E1B2-93FE-504C-95F5-AEB3B5F3FE05}" type="sibTrans" cxnId="{332DD47A-F7F1-DF4E-B403-051821045157}">
+      <dgm:prSet/>
+      <dgm:spPr/>
+      <dgm:t>
+        <a:bodyPr/>
+        <a:lstStyle/>
+        <a:p>
+          <a:endParaRPr lang="en-US"/>
+        </a:p>
+      </dgm:t>
+    </dgm:pt>
+    <dgm:pt modelId="{29D84D32-61DD-764B-81DA-8B54908781DA}">
+      <dgm:prSet phldrT="[Text]"/>
+      <dgm:spPr/>
+      <dgm:t>
+        <a:bodyPr/>
+        <a:lstStyle/>
+        <a:p>
+          <a:r>
+            <a:rPr lang="en-US" dirty="0"/>
+            <a:t>Gradient Boosting</a:t>
+          </a:r>
+        </a:p>
+        <a:p>
+          <a:r>
+            <a:rPr lang="en-US" dirty="0"/>
+            <a:t>Best CV Tuned Score: 0.81</a:t>
+          </a:r>
+        </a:p>
+      </dgm:t>
+    </dgm:pt>
+    <dgm:pt modelId="{E525C87A-B8DF-C646-9B92-EE9FD13CC79A}" type="parTrans" cxnId="{456568C6-8CE8-194D-9BF8-697CAAB44D86}">
+      <dgm:prSet/>
+      <dgm:spPr/>
+      <dgm:t>
+        <a:bodyPr/>
+        <a:lstStyle/>
+        <a:p>
+          <a:endParaRPr lang="en-US"/>
+        </a:p>
+      </dgm:t>
+    </dgm:pt>
+    <dgm:pt modelId="{AEA49739-56A2-414B-BB6B-253A71906B1B}" type="sibTrans" cxnId="{456568C6-8CE8-194D-9BF8-697CAAB44D86}">
+      <dgm:prSet/>
+      <dgm:spPr/>
+      <dgm:t>
+        <a:bodyPr/>
+        <a:lstStyle/>
+        <a:p>
+          <a:endParaRPr lang="en-US"/>
+        </a:p>
+      </dgm:t>
+    </dgm:pt>
+    <dgm:pt modelId="{E0475AF9-A1FA-7E4D-B7C4-40CB51363249}">
+      <dgm:prSet phldrT="[Text]"/>
+      <dgm:spPr/>
+      <dgm:t>
+        <a:bodyPr/>
+        <a:lstStyle/>
+        <a:p>
+          <a:r>
+            <a:rPr lang="en-US" dirty="0"/>
+            <a:t>Non-Functional Probabilities</a:t>
+          </a:r>
+        </a:p>
+      </dgm:t>
+    </dgm:pt>
+    <dgm:pt modelId="{07ABE853-FF1D-CD40-A4E9-B5418A68330E}" type="parTrans" cxnId="{EBC62E6A-147A-4C46-B7AE-337C54DF37AA}">
+      <dgm:prSet/>
+      <dgm:spPr/>
+      <dgm:t>
+        <a:bodyPr/>
+        <a:lstStyle/>
+        <a:p>
+          <a:endParaRPr lang="en-US"/>
+        </a:p>
+      </dgm:t>
+    </dgm:pt>
+    <dgm:pt modelId="{A1C7433D-1258-C240-A677-296695009F27}" type="sibTrans" cxnId="{EBC62E6A-147A-4C46-B7AE-337C54DF37AA}">
+      <dgm:prSet/>
+      <dgm:spPr/>
+      <dgm:t>
+        <a:bodyPr/>
+        <a:lstStyle/>
+        <a:p>
+          <a:endParaRPr lang="en-US"/>
+        </a:p>
+      </dgm:t>
+    </dgm:pt>
+    <dgm:pt modelId="{B540D865-80E7-5042-A96A-E230732BFA7B}">
+      <dgm:prSet phldrT="[Text]"/>
+      <dgm:spPr/>
+      <dgm:t>
+        <a:bodyPr/>
+        <a:lstStyle/>
+        <a:p>
+          <a:r>
+            <a:rPr lang="en-US" dirty="0"/>
+            <a:t>Random Forest</a:t>
+          </a:r>
+        </a:p>
+        <a:p>
+          <a:r>
+            <a:rPr lang="en-US" dirty="0"/>
+            <a:t>Best CV Tuned Score: 0.86</a:t>
+          </a:r>
+        </a:p>
+      </dgm:t>
+    </dgm:pt>
+    <dgm:pt modelId="{495A89AD-9EB1-EF49-866B-935FEC0D45CD}" type="parTrans" cxnId="{827D391F-1EE3-3944-9AE1-C1ECCF377D16}">
+      <dgm:prSet/>
+      <dgm:spPr/>
+      <dgm:t>
+        <a:bodyPr/>
+        <a:lstStyle/>
+        <a:p>
+          <a:endParaRPr lang="en-US"/>
+        </a:p>
+      </dgm:t>
+    </dgm:pt>
+    <dgm:pt modelId="{FB881F2A-D4DC-904B-A374-E0A9BB3DF286}" type="sibTrans" cxnId="{827D391F-1EE3-3944-9AE1-C1ECCF377D16}">
+      <dgm:prSet/>
+      <dgm:spPr/>
+      <dgm:t>
+        <a:bodyPr/>
+        <a:lstStyle/>
+        <a:p>
+          <a:endParaRPr lang="en-US"/>
+        </a:p>
+      </dgm:t>
+    </dgm:pt>
+    <dgm:pt modelId="{441143C6-00E0-8748-A414-CE7DFB53B755}">
+      <dgm:prSet/>
+      <dgm:spPr/>
+      <dgm:t>
+        <a:bodyPr/>
+        <a:lstStyle/>
+        <a:p>
+          <a:r>
+            <a:rPr lang="en-US" dirty="0"/>
+            <a:t>Functional with Repair Probabilities</a:t>
+          </a:r>
+        </a:p>
+      </dgm:t>
+    </dgm:pt>
+    <dgm:pt modelId="{23485B0F-6CB7-964C-8D6A-D03C22948AD4}" type="parTrans" cxnId="{08506217-F015-6742-82FC-C2AC7AFE3F17}">
+      <dgm:prSet/>
+      <dgm:spPr/>
+      <dgm:t>
+        <a:bodyPr/>
+        <a:lstStyle/>
+        <a:p>
+          <a:endParaRPr lang="en-US"/>
+        </a:p>
+      </dgm:t>
+    </dgm:pt>
+    <dgm:pt modelId="{C1C6AD82-3241-C04B-9548-2EB4F2BC96A1}" type="sibTrans" cxnId="{08506217-F015-6742-82FC-C2AC7AFE3F17}">
+      <dgm:prSet/>
+      <dgm:spPr/>
+      <dgm:t>
+        <a:bodyPr/>
+        <a:lstStyle/>
+        <a:p>
+          <a:endParaRPr lang="en-US"/>
+        </a:p>
+      </dgm:t>
+    </dgm:pt>
+    <dgm:pt modelId="{8854433D-6C69-F84E-9EE9-8312EF4D1815}">
+      <dgm:prSet/>
+      <dgm:spPr/>
+      <dgm:t>
+        <a:bodyPr/>
+        <a:lstStyle/>
+        <a:p>
+          <a:r>
+            <a:rPr lang="en-US" dirty="0"/>
+            <a:t>KNN</a:t>
+          </a:r>
+        </a:p>
+        <a:p>
+          <a:r>
+            <a:rPr lang="en-US" dirty="0"/>
+            <a:t>Best CV Tuned Score: 0.80</a:t>
+          </a:r>
+        </a:p>
+      </dgm:t>
+    </dgm:pt>
+    <dgm:pt modelId="{31F8FF6D-DBE1-6942-94E6-FFDF0C4901BF}" type="parTrans" cxnId="{60B569C7-3CDA-6446-B6AA-DB3095FBE46D}">
+      <dgm:prSet/>
+      <dgm:spPr/>
+      <dgm:t>
+        <a:bodyPr/>
+        <a:lstStyle/>
+        <a:p>
+          <a:endParaRPr lang="en-US"/>
+        </a:p>
+      </dgm:t>
+    </dgm:pt>
+    <dgm:pt modelId="{26A41129-68F2-854B-ACDB-53DA3F9B2F25}" type="sibTrans" cxnId="{60B569C7-3CDA-6446-B6AA-DB3095FBE46D}">
+      <dgm:prSet/>
+      <dgm:spPr/>
+      <dgm:t>
+        <a:bodyPr/>
+        <a:lstStyle/>
+        <a:p>
+          <a:endParaRPr lang="en-US"/>
+        </a:p>
+      </dgm:t>
+    </dgm:pt>
+    <dgm:pt modelId="{1A082D10-B620-1C4A-977A-EF76A11BD457}">
+      <dgm:prSet/>
+      <dgm:spPr/>
+      <dgm:t>
+        <a:bodyPr/>
+        <a:lstStyle/>
+        <a:p>
+          <a:r>
+            <a:rPr lang="en-US" dirty="0"/>
+            <a:t>KNN</a:t>
+          </a:r>
+        </a:p>
+        <a:p>
+          <a:r>
+            <a:rPr lang="en-US" dirty="0"/>
+            <a:t>Best CV Tuned Score: 0.83</a:t>
+          </a:r>
+        </a:p>
+      </dgm:t>
+    </dgm:pt>
+    <dgm:pt modelId="{E873C420-A7C1-964A-A04C-4C716A58503F}" type="parTrans" cxnId="{5EEE985A-6907-574E-9861-28F53E40447D}">
+      <dgm:prSet/>
+      <dgm:spPr/>
+      <dgm:t>
+        <a:bodyPr/>
+        <a:lstStyle/>
+        <a:p>
+          <a:endParaRPr lang="en-US"/>
+        </a:p>
+      </dgm:t>
+    </dgm:pt>
+    <dgm:pt modelId="{54422A24-E13A-5E42-B54E-B5DEF9F4666B}" type="sibTrans" cxnId="{5EEE985A-6907-574E-9861-28F53E40447D}">
+      <dgm:prSet/>
+      <dgm:spPr/>
+      <dgm:t>
+        <a:bodyPr/>
+        <a:lstStyle/>
+        <a:p>
+          <a:endParaRPr lang="en-US"/>
+        </a:p>
+      </dgm:t>
+    </dgm:pt>
+    <dgm:pt modelId="{10AEB823-038A-E748-BE80-EC8BF0727BFC}">
+      <dgm:prSet/>
+      <dgm:spPr/>
+      <dgm:t>
+        <a:bodyPr/>
+        <a:lstStyle/>
+        <a:p>
+          <a:r>
+            <a:rPr lang="en-US" dirty="0"/>
+            <a:t>Gradient Boosting</a:t>
+          </a:r>
+        </a:p>
+        <a:p>
+          <a:r>
+            <a:rPr lang="en-US" dirty="0"/>
+            <a:t>Best CV Tuned Score: 0.84</a:t>
+          </a:r>
+        </a:p>
+      </dgm:t>
+    </dgm:pt>
+    <dgm:pt modelId="{68E5B845-8E53-2940-8CD0-A95F1F9B7A03}" type="parTrans" cxnId="{D1C4E9C1-DC1E-C24C-8279-B41010B0C240}">
+      <dgm:prSet/>
+      <dgm:spPr/>
+      <dgm:t>
+        <a:bodyPr/>
+        <a:lstStyle/>
+        <a:p>
+          <a:endParaRPr lang="en-US"/>
+        </a:p>
+      </dgm:t>
+    </dgm:pt>
+    <dgm:pt modelId="{8C44A463-7A6C-7B41-A9E3-994E3C7CB735}" type="sibTrans" cxnId="{D1C4E9C1-DC1E-C24C-8279-B41010B0C240}">
+      <dgm:prSet/>
+      <dgm:spPr/>
+      <dgm:t>
+        <a:bodyPr/>
+        <a:lstStyle/>
+        <a:p>
+          <a:endParaRPr lang="en-US"/>
+        </a:p>
+      </dgm:t>
+    </dgm:pt>
+    <dgm:pt modelId="{7133567C-83C0-B24C-B430-FE4D93B83DBB}">
+      <dgm:prSet/>
+      <dgm:spPr/>
+      <dgm:t>
+        <a:bodyPr/>
+        <a:lstStyle/>
+        <a:p>
+          <a:r>
+            <a:rPr lang="en-US" dirty="0"/>
+            <a:t>Random Forest</a:t>
+          </a:r>
+        </a:p>
+        <a:p>
+          <a:r>
+            <a:rPr lang="en-US" dirty="0"/>
+            <a:t>Best CV Tuned Score: 0.93</a:t>
+          </a:r>
+        </a:p>
+      </dgm:t>
+    </dgm:pt>
+    <dgm:pt modelId="{14530C8A-9D8D-9A4D-8228-A416FFD9BF9E}" type="parTrans" cxnId="{B99795CA-A83B-524F-AF17-4E074CEAF874}">
+      <dgm:prSet/>
+      <dgm:spPr/>
+      <dgm:t>
+        <a:bodyPr/>
+        <a:lstStyle/>
+        <a:p>
+          <a:endParaRPr lang="en-US"/>
+        </a:p>
+      </dgm:t>
+    </dgm:pt>
+    <dgm:pt modelId="{84EB6AB7-6F80-5543-A59A-FD6D996F4AF0}" type="sibTrans" cxnId="{B99795CA-A83B-524F-AF17-4E074CEAF874}">
+      <dgm:prSet/>
+      <dgm:spPr/>
+      <dgm:t>
+        <a:bodyPr/>
+        <a:lstStyle/>
+        <a:p>
+          <a:endParaRPr lang="en-US"/>
+        </a:p>
+      </dgm:t>
+    </dgm:pt>
+    <dgm:pt modelId="{48FE8C2E-345A-6345-BF18-E95A69D1CDC7}">
+      <dgm:prSet/>
+      <dgm:spPr/>
+      <dgm:t>
+        <a:bodyPr/>
+        <a:lstStyle/>
+        <a:p>
+          <a:r>
+            <a:rPr lang="en-US" dirty="0"/>
+            <a:t>KNN</a:t>
+          </a:r>
+        </a:p>
+        <a:p>
+          <a:r>
+            <a:rPr lang="en-US" dirty="0"/>
+            <a:t>Best CV Tuned Score: 0.93</a:t>
+          </a:r>
+        </a:p>
+      </dgm:t>
+    </dgm:pt>
+    <dgm:pt modelId="{AF724DA7-F52D-CC49-825E-99E4A804FA12}" type="parTrans" cxnId="{6AD5013F-1365-944D-B572-0FFDFAA5DCFF}">
+      <dgm:prSet/>
+      <dgm:spPr/>
+      <dgm:t>
+        <a:bodyPr/>
+        <a:lstStyle/>
+        <a:p>
+          <a:endParaRPr lang="en-US"/>
+        </a:p>
+      </dgm:t>
+    </dgm:pt>
+    <dgm:pt modelId="{FAEEC46B-C97C-4942-846E-E67642461D0B}" type="sibTrans" cxnId="{6AD5013F-1365-944D-B572-0FFDFAA5DCFF}">
+      <dgm:prSet/>
+      <dgm:spPr/>
+      <dgm:t>
+        <a:bodyPr/>
+        <a:lstStyle/>
+        <a:p>
+          <a:endParaRPr lang="en-US"/>
+        </a:p>
+      </dgm:t>
+    </dgm:pt>
+    <dgm:pt modelId="{9C859531-2DD1-FE4B-B40C-7E6706EE0F1E}">
+      <dgm:prSet/>
+      <dgm:spPr/>
+      <dgm:t>
+        <a:bodyPr/>
+        <a:lstStyle/>
+        <a:p>
+          <a:r>
+            <a:rPr lang="en-US" dirty="0"/>
+            <a:t>Gradient Boosting Trees</a:t>
+          </a:r>
+        </a:p>
+        <a:p>
+          <a:r>
+            <a:rPr lang="en-US" dirty="0"/>
+            <a:t>Best CV Tuned Score: 0.94</a:t>
+          </a:r>
+        </a:p>
+      </dgm:t>
+    </dgm:pt>
+    <dgm:pt modelId="{746CA542-A0D9-E540-9AFF-9E57E2A6606A}" type="parTrans" cxnId="{A02CFB9E-3441-3943-B3AE-B6E5078730A2}">
+      <dgm:prSet/>
+      <dgm:spPr/>
+      <dgm:t>
+        <a:bodyPr/>
+        <a:lstStyle/>
+        <a:p>
+          <a:endParaRPr lang="en-US"/>
+        </a:p>
+      </dgm:t>
+    </dgm:pt>
+    <dgm:pt modelId="{76191F59-A4C9-DF4F-8DAE-518D5774D3B9}" type="sibTrans" cxnId="{A02CFB9E-3441-3943-B3AE-B6E5078730A2}">
+      <dgm:prSet/>
+      <dgm:spPr/>
+      <dgm:t>
+        <a:bodyPr/>
+        <a:lstStyle/>
+        <a:p>
+          <a:endParaRPr lang="en-US"/>
+        </a:p>
+      </dgm:t>
+    </dgm:pt>
+    <dgm:pt modelId="{2B8A8C22-02D3-E04A-92D2-DDEC49F9C060}" type="pres">
+      <dgm:prSet presAssocID="{EC155245-BA14-7B45-A51E-477B54E12D5F}" presName="hierChild1" presStyleCnt="0">
+        <dgm:presLayoutVars>
+          <dgm:chPref val="1"/>
+          <dgm:dir/>
+          <dgm:animOne val="branch"/>
+          <dgm:animLvl val="lvl"/>
+          <dgm:resizeHandles/>
+        </dgm:presLayoutVars>
+      </dgm:prSet>
+      <dgm:spPr/>
+    </dgm:pt>
+    <dgm:pt modelId="{6809D99F-F51B-BB4C-9B10-BFDDA28858DC}" type="pres">
+      <dgm:prSet presAssocID="{52E5491F-1688-104E-A95E-7468435152C4}" presName="hierRoot1" presStyleCnt="0"/>
+      <dgm:spPr/>
+    </dgm:pt>
+    <dgm:pt modelId="{D25763EB-3028-924A-83DC-C8E48A7774D7}" type="pres">
+      <dgm:prSet presAssocID="{52E5491F-1688-104E-A95E-7468435152C4}" presName="composite" presStyleCnt="0"/>
+      <dgm:spPr/>
+    </dgm:pt>
+    <dgm:pt modelId="{594CEE1B-C9C9-B14F-A4D7-BB7A532ED2D2}" type="pres">
+      <dgm:prSet presAssocID="{52E5491F-1688-104E-A95E-7468435152C4}" presName="background" presStyleLbl="node0" presStyleIdx="0" presStyleCnt="1"/>
+      <dgm:spPr/>
+    </dgm:pt>
+    <dgm:pt modelId="{F0256042-93B2-7C4D-9272-2EAE59863D8D}" type="pres">
+      <dgm:prSet presAssocID="{52E5491F-1688-104E-A95E-7468435152C4}" presName="text" presStyleLbl="fgAcc0" presStyleIdx="0" presStyleCnt="1" custLinFactNeighborX="-16173" custLinFactNeighborY="-66734">
+        <dgm:presLayoutVars>
+          <dgm:chPref val="3"/>
+        </dgm:presLayoutVars>
+      </dgm:prSet>
+      <dgm:spPr/>
+    </dgm:pt>
+    <dgm:pt modelId="{9EFF17AE-8942-014B-8814-F8FA839DF931}" type="pres">
+      <dgm:prSet presAssocID="{52E5491F-1688-104E-A95E-7468435152C4}" presName="hierChild2" presStyleCnt="0"/>
+      <dgm:spPr/>
+    </dgm:pt>
+    <dgm:pt modelId="{695EB03D-A76C-C74A-8B29-B0C048F94D39}" type="pres">
+      <dgm:prSet presAssocID="{CDF67EF4-A9D6-9C44-BA26-F606B95C5C01}" presName="Name10" presStyleLbl="parChTrans1D2" presStyleIdx="0" presStyleCnt="3"/>
+      <dgm:spPr/>
+    </dgm:pt>
+    <dgm:pt modelId="{943D05F8-4A46-9440-92EB-C7F348DC9FB9}" type="pres">
+      <dgm:prSet presAssocID="{059345EF-F67A-A845-BE07-E4468854F098}" presName="hierRoot2" presStyleCnt="0"/>
+      <dgm:spPr/>
+    </dgm:pt>
+    <dgm:pt modelId="{D2438411-C78B-2845-BD5B-5325119C0290}" type="pres">
+      <dgm:prSet presAssocID="{059345EF-F67A-A845-BE07-E4468854F098}" presName="composite2" presStyleCnt="0"/>
+      <dgm:spPr/>
+    </dgm:pt>
+    <dgm:pt modelId="{A773D581-B7A0-D948-8821-E8EF4A713759}" type="pres">
+      <dgm:prSet presAssocID="{059345EF-F67A-A845-BE07-E4468854F098}" presName="background2" presStyleLbl="node2" presStyleIdx="0" presStyleCnt="3"/>
+      <dgm:spPr/>
+    </dgm:pt>
+    <dgm:pt modelId="{C068B677-A4DD-6944-8F45-70B5902E0866}" type="pres">
+      <dgm:prSet presAssocID="{059345EF-F67A-A845-BE07-E4468854F098}" presName="text2" presStyleLbl="fgAcc2" presStyleIdx="0" presStyleCnt="3" custLinFactNeighborX="-16311" custLinFactNeighborY="-37668">
+        <dgm:presLayoutVars>
+          <dgm:chPref val="3"/>
+        </dgm:presLayoutVars>
+      </dgm:prSet>
+      <dgm:spPr/>
+    </dgm:pt>
+    <dgm:pt modelId="{2CF7EA00-7B8E-7844-8B95-96967F1E7E36}" type="pres">
+      <dgm:prSet presAssocID="{059345EF-F67A-A845-BE07-E4468854F098}" presName="hierChild3" presStyleCnt="0"/>
+      <dgm:spPr/>
+    </dgm:pt>
+    <dgm:pt modelId="{EB26B336-2EE0-F34A-A89F-EB35D51F808C}" type="pres">
+      <dgm:prSet presAssocID="{6E3F4D74-7874-EA49-BF16-7BFFD866A2ED}" presName="Name17" presStyleLbl="parChTrans1D3" presStyleIdx="0" presStyleCnt="9"/>
+      <dgm:spPr/>
+    </dgm:pt>
+    <dgm:pt modelId="{E17AEDC2-BE37-2B47-A0E1-64B1231BE997}" type="pres">
+      <dgm:prSet presAssocID="{D3B2DF03-084C-FA49-9172-F364AE0606E1}" presName="hierRoot3" presStyleCnt="0"/>
+      <dgm:spPr/>
+    </dgm:pt>
+    <dgm:pt modelId="{CB27974E-6E17-F145-B03B-B82467E90D0D}" type="pres">
+      <dgm:prSet presAssocID="{D3B2DF03-084C-FA49-9172-F364AE0606E1}" presName="composite3" presStyleCnt="0"/>
+      <dgm:spPr/>
+    </dgm:pt>
+    <dgm:pt modelId="{747B9D55-CC83-5B43-8FA0-6C2316B3F451}" type="pres">
+      <dgm:prSet presAssocID="{D3B2DF03-084C-FA49-9172-F364AE0606E1}" presName="background3" presStyleLbl="node3" presStyleIdx="0" presStyleCnt="9"/>
+      <dgm:spPr/>
+    </dgm:pt>
+    <dgm:pt modelId="{90E41B06-EC1E-0947-927B-BE4A9C8D285F}" type="pres">
+      <dgm:prSet presAssocID="{D3B2DF03-084C-FA49-9172-F364AE0606E1}" presName="text3" presStyleLbl="fgAcc3" presStyleIdx="0" presStyleCnt="9" custLinFactX="-35150" custLinFactNeighborX="-100000" custLinFactNeighborY="-3702">
+        <dgm:presLayoutVars>
+          <dgm:chPref val="3"/>
+        </dgm:presLayoutVars>
+      </dgm:prSet>
+      <dgm:spPr/>
+    </dgm:pt>
+    <dgm:pt modelId="{6ABD6E53-91AF-3347-A24D-809411142399}" type="pres">
+      <dgm:prSet presAssocID="{D3B2DF03-084C-FA49-9172-F364AE0606E1}" presName="hierChild4" presStyleCnt="0"/>
+      <dgm:spPr/>
+    </dgm:pt>
+    <dgm:pt modelId="{AC46DC17-940F-3A4F-B128-A52587E907B2}" type="pres">
+      <dgm:prSet presAssocID="{31F8FF6D-DBE1-6942-94E6-FFDF0C4901BF}" presName="Name17" presStyleLbl="parChTrans1D3" presStyleIdx="1" presStyleCnt="9"/>
+      <dgm:spPr/>
+    </dgm:pt>
+    <dgm:pt modelId="{0F0371E1-3526-974B-ABF4-3EF2ABE1627B}" type="pres">
+      <dgm:prSet presAssocID="{8854433D-6C69-F84E-9EE9-8312EF4D1815}" presName="hierRoot3" presStyleCnt="0"/>
+      <dgm:spPr/>
+    </dgm:pt>
+    <dgm:pt modelId="{10123F0A-5ECF-7A42-B8EF-B9E16842707C}" type="pres">
+      <dgm:prSet presAssocID="{8854433D-6C69-F84E-9EE9-8312EF4D1815}" presName="composite3" presStyleCnt="0"/>
+      <dgm:spPr/>
+    </dgm:pt>
+    <dgm:pt modelId="{452FA07C-DCCD-DE42-8BAC-A2DBE228B883}" type="pres">
+      <dgm:prSet presAssocID="{8854433D-6C69-F84E-9EE9-8312EF4D1815}" presName="background3" presStyleLbl="node3" presStyleIdx="1" presStyleCnt="9"/>
+      <dgm:spPr/>
+    </dgm:pt>
+    <dgm:pt modelId="{7435881F-5803-7A4C-95EB-10BE88DCD765}" type="pres">
+      <dgm:prSet presAssocID="{8854433D-6C69-F84E-9EE9-8312EF4D1815}" presName="text3" presStyleLbl="fgAcc3" presStyleIdx="1" presStyleCnt="9" custLinFactNeighborX="-12862" custLinFactNeighborY="-754">
+        <dgm:presLayoutVars>
+          <dgm:chPref val="3"/>
+        </dgm:presLayoutVars>
+      </dgm:prSet>
+      <dgm:spPr/>
+    </dgm:pt>
+    <dgm:pt modelId="{9821C8E5-5FDB-8348-BB8B-FCF1118BC335}" type="pres">
+      <dgm:prSet presAssocID="{8854433D-6C69-F84E-9EE9-8312EF4D1815}" presName="hierChild4" presStyleCnt="0"/>
+      <dgm:spPr/>
+    </dgm:pt>
+    <dgm:pt modelId="{EEA98504-6F10-5F41-89A3-BE985AD6B11E}" type="pres">
+      <dgm:prSet presAssocID="{E525C87A-B8DF-C646-9B92-EE9FD13CC79A}" presName="Name17" presStyleLbl="parChTrans1D3" presStyleIdx="2" presStyleCnt="9"/>
+      <dgm:spPr/>
+    </dgm:pt>
+    <dgm:pt modelId="{8A1EF8B2-5457-794D-9FEA-FDD62A20D8B0}" type="pres">
+      <dgm:prSet presAssocID="{29D84D32-61DD-764B-81DA-8B54908781DA}" presName="hierRoot3" presStyleCnt="0"/>
+      <dgm:spPr/>
+    </dgm:pt>
+    <dgm:pt modelId="{CD96CF17-BA24-044C-A0D3-AD7AAC4A4CBB}" type="pres">
+      <dgm:prSet presAssocID="{29D84D32-61DD-764B-81DA-8B54908781DA}" presName="composite3" presStyleCnt="0"/>
+      <dgm:spPr/>
+    </dgm:pt>
+    <dgm:pt modelId="{FE66FC28-44F1-8842-9BBE-CBC9ED5BE292}" type="pres">
+      <dgm:prSet presAssocID="{29D84D32-61DD-764B-81DA-8B54908781DA}" presName="background3" presStyleLbl="node3" presStyleIdx="2" presStyleCnt="9"/>
+      <dgm:spPr/>
+    </dgm:pt>
+    <dgm:pt modelId="{1BD03DFA-7B98-F64D-BA38-34E9A7D7420B}" type="pres">
+      <dgm:prSet presAssocID="{29D84D32-61DD-764B-81DA-8B54908781DA}" presName="text3" presStyleLbl="fgAcc3" presStyleIdx="2" presStyleCnt="9" custLinFactNeighborX="-21732" custLinFactNeighborY="784">
+        <dgm:presLayoutVars>
+          <dgm:chPref val="3"/>
+        </dgm:presLayoutVars>
+      </dgm:prSet>
+      <dgm:spPr/>
+    </dgm:pt>
+    <dgm:pt modelId="{547C154A-FE82-BA44-AB10-D1C34D28804B}" type="pres">
+      <dgm:prSet presAssocID="{29D84D32-61DD-764B-81DA-8B54908781DA}" presName="hierChild4" presStyleCnt="0"/>
+      <dgm:spPr/>
+    </dgm:pt>
+    <dgm:pt modelId="{D6D1FA19-9798-9E44-9EF1-DE9991F72026}" type="pres">
+      <dgm:prSet presAssocID="{07ABE853-FF1D-CD40-A4E9-B5418A68330E}" presName="Name10" presStyleLbl="parChTrans1D2" presStyleIdx="1" presStyleCnt="3"/>
+      <dgm:spPr/>
+    </dgm:pt>
+    <dgm:pt modelId="{63FEB05D-862F-3249-BB11-851B1CE87A6B}" type="pres">
+      <dgm:prSet presAssocID="{E0475AF9-A1FA-7E4D-B7C4-40CB51363249}" presName="hierRoot2" presStyleCnt="0"/>
+      <dgm:spPr/>
+    </dgm:pt>
+    <dgm:pt modelId="{2CFDE2EB-8DD3-4C48-96B2-CDBA9DA39233}" type="pres">
+      <dgm:prSet presAssocID="{E0475AF9-A1FA-7E4D-B7C4-40CB51363249}" presName="composite2" presStyleCnt="0"/>
+      <dgm:spPr/>
+    </dgm:pt>
+    <dgm:pt modelId="{47BFCC72-DA7E-5049-A1DC-ECD3465E9F5A}" type="pres">
+      <dgm:prSet presAssocID="{E0475AF9-A1FA-7E4D-B7C4-40CB51363249}" presName="background2" presStyleLbl="node2" presStyleIdx="1" presStyleCnt="3"/>
+      <dgm:spPr/>
+    </dgm:pt>
+    <dgm:pt modelId="{30A94DFD-6A70-884A-BDB2-8BDAFD0D10EE}" type="pres">
+      <dgm:prSet presAssocID="{E0475AF9-A1FA-7E4D-B7C4-40CB51363249}" presName="text2" presStyleLbl="fgAcc2" presStyleIdx="1" presStyleCnt="3" custLinFactNeighborX="-5556" custLinFactNeighborY="-29386">
+        <dgm:presLayoutVars>
+          <dgm:chPref val="3"/>
+        </dgm:presLayoutVars>
+      </dgm:prSet>
+      <dgm:spPr/>
+    </dgm:pt>
+    <dgm:pt modelId="{F82535F1-2850-4449-AC8E-07CED93729C0}" type="pres">
+      <dgm:prSet presAssocID="{E0475AF9-A1FA-7E4D-B7C4-40CB51363249}" presName="hierChild3" presStyleCnt="0"/>
+      <dgm:spPr/>
+    </dgm:pt>
+    <dgm:pt modelId="{B37F1DCD-C527-8C41-82E5-3144A608E76E}" type="pres">
+      <dgm:prSet presAssocID="{495A89AD-9EB1-EF49-866B-935FEC0D45CD}" presName="Name17" presStyleLbl="parChTrans1D3" presStyleIdx="3" presStyleCnt="9"/>
+      <dgm:spPr/>
+    </dgm:pt>
+    <dgm:pt modelId="{8A193DC5-F10E-8D48-8905-B1977143DA7C}" type="pres">
+      <dgm:prSet presAssocID="{B540D865-80E7-5042-A96A-E230732BFA7B}" presName="hierRoot3" presStyleCnt="0"/>
+      <dgm:spPr/>
+    </dgm:pt>
+    <dgm:pt modelId="{549EF14A-D03D-E642-97BE-E26F962B5B1B}" type="pres">
+      <dgm:prSet presAssocID="{B540D865-80E7-5042-A96A-E230732BFA7B}" presName="composite3" presStyleCnt="0"/>
+      <dgm:spPr/>
+    </dgm:pt>
+    <dgm:pt modelId="{D4A50654-84CE-D34A-95C5-CD94B7B5EE96}" type="pres">
+      <dgm:prSet presAssocID="{B540D865-80E7-5042-A96A-E230732BFA7B}" presName="background3" presStyleLbl="node3" presStyleIdx="3" presStyleCnt="9"/>
+      <dgm:spPr/>
+    </dgm:pt>
+    <dgm:pt modelId="{BB9887FB-58CC-814F-909E-55D3C88D82D6}" type="pres">
+      <dgm:prSet presAssocID="{B540D865-80E7-5042-A96A-E230732BFA7B}" presName="text3" presStyleLbl="fgAcc3" presStyleIdx="3" presStyleCnt="9" custLinFactNeighborX="-16667" custLinFactNeighborY="-1619">
+        <dgm:presLayoutVars>
+          <dgm:chPref val="3"/>
+        </dgm:presLayoutVars>
+      </dgm:prSet>
+      <dgm:spPr/>
+    </dgm:pt>
+    <dgm:pt modelId="{40277FE9-2058-E74E-9173-D4AEC8CDE39C}" type="pres">
+      <dgm:prSet presAssocID="{B540D865-80E7-5042-A96A-E230732BFA7B}" presName="hierChild4" presStyleCnt="0"/>
+      <dgm:spPr/>
+    </dgm:pt>
+    <dgm:pt modelId="{0A156C11-8E11-F640-9B0F-32CC999103CF}" type="pres">
+      <dgm:prSet presAssocID="{E873C420-A7C1-964A-A04C-4C716A58503F}" presName="Name17" presStyleLbl="parChTrans1D3" presStyleIdx="4" presStyleCnt="9"/>
+      <dgm:spPr/>
+    </dgm:pt>
+    <dgm:pt modelId="{240CA30F-7B52-F946-83E4-9BD05D744ADB}" type="pres">
+      <dgm:prSet presAssocID="{1A082D10-B620-1C4A-977A-EF76A11BD457}" presName="hierRoot3" presStyleCnt="0"/>
+      <dgm:spPr/>
+    </dgm:pt>
+    <dgm:pt modelId="{2FF01C4A-8D37-A542-A2F4-30CBC269048E}" type="pres">
+      <dgm:prSet presAssocID="{1A082D10-B620-1C4A-977A-EF76A11BD457}" presName="composite3" presStyleCnt="0"/>
+      <dgm:spPr/>
+    </dgm:pt>
+    <dgm:pt modelId="{34D44816-F0E0-8941-BF1A-92FCB9328EA8}" type="pres">
+      <dgm:prSet presAssocID="{1A082D10-B620-1C4A-977A-EF76A11BD457}" presName="background3" presStyleLbl="node3" presStyleIdx="4" presStyleCnt="9"/>
+      <dgm:spPr/>
+    </dgm:pt>
+    <dgm:pt modelId="{0212D4A0-516E-FE46-8C07-3163A9540F60}" type="pres">
+      <dgm:prSet presAssocID="{1A082D10-B620-1C4A-977A-EF76A11BD457}" presName="text3" presStyleLbl="fgAcc3" presStyleIdx="4" presStyleCnt="9" custLinFactNeighborX="-27036">
+        <dgm:presLayoutVars>
+          <dgm:chPref val="3"/>
+        </dgm:presLayoutVars>
+      </dgm:prSet>
+      <dgm:spPr/>
+    </dgm:pt>
+    <dgm:pt modelId="{0D2274C7-CEE1-954D-8D15-6C49E35BE28E}" type="pres">
+      <dgm:prSet presAssocID="{1A082D10-B620-1C4A-977A-EF76A11BD457}" presName="hierChild4" presStyleCnt="0"/>
+      <dgm:spPr/>
+    </dgm:pt>
+    <dgm:pt modelId="{5E873EB7-C68A-424D-967B-A854CADD35BE}" type="pres">
+      <dgm:prSet presAssocID="{68E5B845-8E53-2940-8CD0-A95F1F9B7A03}" presName="Name17" presStyleLbl="parChTrans1D3" presStyleIdx="5" presStyleCnt="9"/>
+      <dgm:spPr/>
+    </dgm:pt>
+    <dgm:pt modelId="{FA794790-D95E-9542-A636-AB5BF7967B6D}" type="pres">
+      <dgm:prSet presAssocID="{10AEB823-038A-E748-BE80-EC8BF0727BFC}" presName="hierRoot3" presStyleCnt="0"/>
+      <dgm:spPr/>
+    </dgm:pt>
+    <dgm:pt modelId="{88D3DEA7-A9C9-1843-9B64-48C6676E7B2A}" type="pres">
+      <dgm:prSet presAssocID="{10AEB823-038A-E748-BE80-EC8BF0727BFC}" presName="composite3" presStyleCnt="0"/>
+      <dgm:spPr/>
+    </dgm:pt>
+    <dgm:pt modelId="{5AD6FADD-2A24-284B-9FB9-D8F4970CFD62}" type="pres">
+      <dgm:prSet presAssocID="{10AEB823-038A-E748-BE80-EC8BF0727BFC}" presName="background3" presStyleLbl="node3" presStyleIdx="5" presStyleCnt="9"/>
+      <dgm:spPr/>
+    </dgm:pt>
+    <dgm:pt modelId="{CC8AD274-B544-0E4A-AB16-D99D6C07316A}" type="pres">
+      <dgm:prSet presAssocID="{10AEB823-038A-E748-BE80-EC8BF0727BFC}" presName="text3" presStyleLbl="fgAcc3" presStyleIdx="5" presStyleCnt="9" custLinFactNeighborX="-24668" custLinFactNeighborY="-929">
+        <dgm:presLayoutVars>
+          <dgm:chPref val="3"/>
+        </dgm:presLayoutVars>
+      </dgm:prSet>
+      <dgm:spPr/>
+    </dgm:pt>
+    <dgm:pt modelId="{5F845202-63F1-BA47-BCBF-4ABC3FFAD76F}" type="pres">
+      <dgm:prSet presAssocID="{10AEB823-038A-E748-BE80-EC8BF0727BFC}" presName="hierChild4" presStyleCnt="0"/>
+      <dgm:spPr/>
+    </dgm:pt>
+    <dgm:pt modelId="{83262887-EA99-7249-AAE7-F498A17599C6}" type="pres">
+      <dgm:prSet presAssocID="{23485B0F-6CB7-964C-8D6A-D03C22948AD4}" presName="Name10" presStyleLbl="parChTrans1D2" presStyleIdx="2" presStyleCnt="3"/>
+      <dgm:spPr/>
+    </dgm:pt>
+    <dgm:pt modelId="{1855F5B9-75F0-4A4F-842C-9B7DAEF45E8B}" type="pres">
+      <dgm:prSet presAssocID="{441143C6-00E0-8748-A414-CE7DFB53B755}" presName="hierRoot2" presStyleCnt="0"/>
+      <dgm:spPr/>
+    </dgm:pt>
+    <dgm:pt modelId="{736ACA0F-846D-D345-8D4F-FE438DA2878F}" type="pres">
+      <dgm:prSet presAssocID="{441143C6-00E0-8748-A414-CE7DFB53B755}" presName="composite2" presStyleCnt="0"/>
+      <dgm:spPr/>
+    </dgm:pt>
+    <dgm:pt modelId="{E3FBF221-4539-D549-A633-F0256F0574CD}" type="pres">
+      <dgm:prSet presAssocID="{441143C6-00E0-8748-A414-CE7DFB53B755}" presName="background2" presStyleLbl="node2" presStyleIdx="2" presStyleCnt="3"/>
+      <dgm:spPr/>
+    </dgm:pt>
+    <dgm:pt modelId="{FA440118-0D7C-174C-BC31-6E19B68F917D}" type="pres">
+      <dgm:prSet presAssocID="{441143C6-00E0-8748-A414-CE7DFB53B755}" presName="text2" presStyleLbl="fgAcc2" presStyleIdx="2" presStyleCnt="3" custLinFactNeighborX="3916" custLinFactNeighborY="-36157">
+        <dgm:presLayoutVars>
+          <dgm:chPref val="3"/>
+        </dgm:presLayoutVars>
+      </dgm:prSet>
+      <dgm:spPr/>
+    </dgm:pt>
+    <dgm:pt modelId="{0BC68025-7A0A-134E-8C04-926911A96672}" type="pres">
+      <dgm:prSet presAssocID="{441143C6-00E0-8748-A414-CE7DFB53B755}" presName="hierChild3" presStyleCnt="0"/>
+      <dgm:spPr/>
+    </dgm:pt>
+    <dgm:pt modelId="{23B2CA0A-B17A-0749-AF21-446E8E6E2FEA}" type="pres">
+      <dgm:prSet presAssocID="{14530C8A-9D8D-9A4D-8228-A416FFD9BF9E}" presName="Name17" presStyleLbl="parChTrans1D3" presStyleIdx="6" presStyleCnt="9"/>
+      <dgm:spPr/>
+    </dgm:pt>
+    <dgm:pt modelId="{048BBFE1-E237-0D4B-8226-B9EB598F7F18}" type="pres">
+      <dgm:prSet presAssocID="{7133567C-83C0-B24C-B430-FE4D93B83DBB}" presName="hierRoot3" presStyleCnt="0"/>
+      <dgm:spPr/>
+    </dgm:pt>
+    <dgm:pt modelId="{FF3054A0-BF4D-8745-86C4-7273EDEF706B}" type="pres">
+      <dgm:prSet presAssocID="{7133567C-83C0-B24C-B430-FE4D93B83DBB}" presName="composite3" presStyleCnt="0"/>
+      <dgm:spPr/>
+    </dgm:pt>
+    <dgm:pt modelId="{3EAA42E1-6A37-1C43-A32D-17541C65A781}" type="pres">
+      <dgm:prSet presAssocID="{7133567C-83C0-B24C-B430-FE4D93B83DBB}" presName="background3" presStyleLbl="node3" presStyleIdx="6" presStyleCnt="9"/>
+      <dgm:spPr/>
+    </dgm:pt>
+    <dgm:pt modelId="{BD436B64-5CDB-B040-972E-038C36AA763C}" type="pres">
+      <dgm:prSet presAssocID="{7133567C-83C0-B24C-B430-FE4D93B83DBB}" presName="text3" presStyleLbl="fgAcc3" presStyleIdx="6" presStyleCnt="9">
+        <dgm:presLayoutVars>
+          <dgm:chPref val="3"/>
+        </dgm:presLayoutVars>
+      </dgm:prSet>
+      <dgm:spPr/>
+    </dgm:pt>
+    <dgm:pt modelId="{D4CAE7CC-6E3D-CB4B-8C15-A7E2FD8B91FE}" type="pres">
+      <dgm:prSet presAssocID="{7133567C-83C0-B24C-B430-FE4D93B83DBB}" presName="hierChild4" presStyleCnt="0"/>
+      <dgm:spPr/>
+    </dgm:pt>
+    <dgm:pt modelId="{17F14C7E-13A8-F24B-894B-5F6F9A64DEA3}" type="pres">
+      <dgm:prSet presAssocID="{AF724DA7-F52D-CC49-825E-99E4A804FA12}" presName="Name17" presStyleLbl="parChTrans1D3" presStyleIdx="7" presStyleCnt="9"/>
+      <dgm:spPr/>
+    </dgm:pt>
+    <dgm:pt modelId="{888CCCF1-5FCB-0C45-8BBD-04F97AD2A716}" type="pres">
+      <dgm:prSet presAssocID="{48FE8C2E-345A-6345-BF18-E95A69D1CDC7}" presName="hierRoot3" presStyleCnt="0"/>
+      <dgm:spPr/>
+    </dgm:pt>
+    <dgm:pt modelId="{653D5E85-8360-2D49-9A87-8C90D21BE8BC}" type="pres">
+      <dgm:prSet presAssocID="{48FE8C2E-345A-6345-BF18-E95A69D1CDC7}" presName="composite3" presStyleCnt="0"/>
+      <dgm:spPr/>
+    </dgm:pt>
+    <dgm:pt modelId="{F108ADC7-99C0-A545-9C0D-BAB25462C50F}" type="pres">
+      <dgm:prSet presAssocID="{48FE8C2E-345A-6345-BF18-E95A69D1CDC7}" presName="background3" presStyleLbl="node3" presStyleIdx="7" presStyleCnt="9"/>
+      <dgm:spPr/>
+    </dgm:pt>
+    <dgm:pt modelId="{F4AA22A8-18C4-FA40-A05B-0B1A3E87A24A}" type="pres">
+      <dgm:prSet presAssocID="{48FE8C2E-345A-6345-BF18-E95A69D1CDC7}" presName="text3" presStyleLbl="fgAcc3" presStyleIdx="7" presStyleCnt="9" custLinFactNeighborX="1765">
+        <dgm:presLayoutVars>
+          <dgm:chPref val="3"/>
+        </dgm:presLayoutVars>
+      </dgm:prSet>
+      <dgm:spPr/>
+    </dgm:pt>
+    <dgm:pt modelId="{E45E4F95-57D9-6244-A81C-8FE6354FC1B7}" type="pres">
+      <dgm:prSet presAssocID="{48FE8C2E-345A-6345-BF18-E95A69D1CDC7}" presName="hierChild4" presStyleCnt="0"/>
+      <dgm:spPr/>
+    </dgm:pt>
+    <dgm:pt modelId="{E91D6155-FD7F-B443-9E30-D38FA41A8BF6}" type="pres">
+      <dgm:prSet presAssocID="{746CA542-A0D9-E540-9AFF-9E57E2A6606A}" presName="Name17" presStyleLbl="parChTrans1D3" presStyleIdx="8" presStyleCnt="9"/>
+      <dgm:spPr/>
+    </dgm:pt>
+    <dgm:pt modelId="{FE76F20F-BA3F-6848-AB66-0594837E03CF}" type="pres">
+      <dgm:prSet presAssocID="{9C859531-2DD1-FE4B-B40C-7E6706EE0F1E}" presName="hierRoot3" presStyleCnt="0"/>
+      <dgm:spPr/>
+    </dgm:pt>
+    <dgm:pt modelId="{8353C954-0546-864C-A407-1183E44B04B2}" type="pres">
+      <dgm:prSet presAssocID="{9C859531-2DD1-FE4B-B40C-7E6706EE0F1E}" presName="composite3" presStyleCnt="0"/>
+      <dgm:spPr/>
+    </dgm:pt>
+    <dgm:pt modelId="{3CD5120D-56CC-B846-9157-FFDB7E6507E9}" type="pres">
+      <dgm:prSet presAssocID="{9C859531-2DD1-FE4B-B40C-7E6706EE0F1E}" presName="background3" presStyleLbl="node3" presStyleIdx="8" presStyleCnt="9"/>
+      <dgm:spPr/>
+    </dgm:pt>
+    <dgm:pt modelId="{0CBC4522-F01E-4D45-B06F-8BC40646D449}" type="pres">
+      <dgm:prSet presAssocID="{9C859531-2DD1-FE4B-B40C-7E6706EE0F1E}" presName="text3" presStyleLbl="fgAcc3" presStyleIdx="8" presStyleCnt="9">
+        <dgm:presLayoutVars>
+          <dgm:chPref val="3"/>
+        </dgm:presLayoutVars>
+      </dgm:prSet>
+      <dgm:spPr/>
+    </dgm:pt>
+    <dgm:pt modelId="{D53491C4-A214-BB4A-936A-84E458D86068}" type="pres">
+      <dgm:prSet presAssocID="{9C859531-2DD1-FE4B-B40C-7E6706EE0F1E}" presName="hierChild4" presStyleCnt="0"/>
+      <dgm:spPr/>
+    </dgm:pt>
+  </dgm:ptLst>
+  <dgm:cxnLst>
+    <dgm:cxn modelId="{40F2DA06-65B0-BC40-A59F-B5A1A5E18D72}" type="presOf" srcId="{29D84D32-61DD-764B-81DA-8B54908781DA}" destId="{1BD03DFA-7B98-F64D-BA38-34E9A7D7420B}" srcOrd="0" destOrd="0" presId="urn:microsoft.com/office/officeart/2005/8/layout/hierarchy1"/>
+    <dgm:cxn modelId="{49155F0D-A554-6D4A-9E96-224B018D9E2D}" type="presOf" srcId="{B540D865-80E7-5042-A96A-E230732BFA7B}" destId="{BB9887FB-58CC-814F-909E-55D3C88D82D6}" srcOrd="0" destOrd="0" presId="urn:microsoft.com/office/officeart/2005/8/layout/hierarchy1"/>
+    <dgm:cxn modelId="{0941F80E-CFF7-CB4B-B330-FF1679A7926F}" type="presOf" srcId="{E873C420-A7C1-964A-A04C-4C716A58503F}" destId="{0A156C11-8E11-F640-9B0F-32CC999103CF}" srcOrd="0" destOrd="0" presId="urn:microsoft.com/office/officeart/2005/8/layout/hierarchy1"/>
+    <dgm:cxn modelId="{A427FD0F-CE52-7C48-A94A-3FD2B3F618AA}" type="presOf" srcId="{D3B2DF03-084C-FA49-9172-F364AE0606E1}" destId="{90E41B06-EC1E-0947-927B-BE4A9C8D285F}" srcOrd="0" destOrd="0" presId="urn:microsoft.com/office/officeart/2005/8/layout/hierarchy1"/>
+    <dgm:cxn modelId="{388A4F16-E29F-BD4D-BB1F-B45E06929E19}" type="presOf" srcId="{14530C8A-9D8D-9A4D-8228-A416FFD9BF9E}" destId="{23B2CA0A-B17A-0749-AF21-446E8E6E2FEA}" srcOrd="0" destOrd="0" presId="urn:microsoft.com/office/officeart/2005/8/layout/hierarchy1"/>
+    <dgm:cxn modelId="{E8309516-8EEE-6C47-A208-32813F2BEEAD}" type="presOf" srcId="{07ABE853-FF1D-CD40-A4E9-B5418A68330E}" destId="{D6D1FA19-9798-9E44-9EF1-DE9991F72026}" srcOrd="0" destOrd="0" presId="urn:microsoft.com/office/officeart/2005/8/layout/hierarchy1"/>
+    <dgm:cxn modelId="{08506217-F015-6742-82FC-C2AC7AFE3F17}" srcId="{52E5491F-1688-104E-A95E-7468435152C4}" destId="{441143C6-00E0-8748-A414-CE7DFB53B755}" srcOrd="2" destOrd="0" parTransId="{23485B0F-6CB7-964C-8D6A-D03C22948AD4}" sibTransId="{C1C6AD82-3241-C04B-9548-2EB4F2BC96A1}"/>
+    <dgm:cxn modelId="{35AF6B17-1358-2046-8089-D649FDE47584}" srcId="{EC155245-BA14-7B45-A51E-477B54E12D5F}" destId="{52E5491F-1688-104E-A95E-7468435152C4}" srcOrd="0" destOrd="0" parTransId="{1BFF4520-A95E-8B4D-A7B1-161F36E62E39}" sibTransId="{608F1D72-91D2-3E45-A0F2-CB6B9697C36A}"/>
+    <dgm:cxn modelId="{827D391F-1EE3-3944-9AE1-C1ECCF377D16}" srcId="{E0475AF9-A1FA-7E4D-B7C4-40CB51363249}" destId="{B540D865-80E7-5042-A96A-E230732BFA7B}" srcOrd="0" destOrd="0" parTransId="{495A89AD-9EB1-EF49-866B-935FEC0D45CD}" sibTransId="{FB881F2A-D4DC-904B-A374-E0A9BB3DF286}"/>
+    <dgm:cxn modelId="{28591E24-5A92-304B-9887-AA93759D113E}" type="presOf" srcId="{68E5B845-8E53-2940-8CD0-A95F1F9B7A03}" destId="{5E873EB7-C68A-424D-967B-A854CADD35BE}" srcOrd="0" destOrd="0" presId="urn:microsoft.com/office/officeart/2005/8/layout/hierarchy1"/>
+    <dgm:cxn modelId="{FE8BB526-DB92-2449-AC83-6ED1016F3E7E}" type="presOf" srcId="{495A89AD-9EB1-EF49-866B-935FEC0D45CD}" destId="{B37F1DCD-C527-8C41-82E5-3144A608E76E}" srcOrd="0" destOrd="0" presId="urn:microsoft.com/office/officeart/2005/8/layout/hierarchy1"/>
+    <dgm:cxn modelId="{DDFEF931-C1A8-8A4B-9A6E-709C33D2C2CD}" type="presOf" srcId="{52E5491F-1688-104E-A95E-7468435152C4}" destId="{F0256042-93B2-7C4D-9272-2EAE59863D8D}" srcOrd="0" destOrd="0" presId="urn:microsoft.com/office/officeart/2005/8/layout/hierarchy1"/>
+    <dgm:cxn modelId="{0F295D32-6929-BF4B-9BE6-7BD7AB77C05D}" type="presOf" srcId="{6E3F4D74-7874-EA49-BF16-7BFFD866A2ED}" destId="{EB26B336-2EE0-F34A-A89F-EB35D51F808C}" srcOrd="0" destOrd="0" presId="urn:microsoft.com/office/officeart/2005/8/layout/hierarchy1"/>
+    <dgm:cxn modelId="{A97AEB35-79E2-1245-AEB3-1DC57AFF3F32}" type="presOf" srcId="{1A082D10-B620-1C4A-977A-EF76A11BD457}" destId="{0212D4A0-516E-FE46-8C07-3163A9540F60}" srcOrd="0" destOrd="0" presId="urn:microsoft.com/office/officeart/2005/8/layout/hierarchy1"/>
+    <dgm:cxn modelId="{6AD5013F-1365-944D-B572-0FFDFAA5DCFF}" srcId="{441143C6-00E0-8748-A414-CE7DFB53B755}" destId="{48FE8C2E-345A-6345-BF18-E95A69D1CDC7}" srcOrd="1" destOrd="0" parTransId="{AF724DA7-F52D-CC49-825E-99E4A804FA12}" sibTransId="{FAEEC46B-C97C-4942-846E-E67642461D0B}"/>
+    <dgm:cxn modelId="{F2EF7542-B1F6-4548-936F-3AAF5A70A56B}" type="presOf" srcId="{EC155245-BA14-7B45-A51E-477B54E12D5F}" destId="{2B8A8C22-02D3-E04A-92D2-DDEC49F9C060}" srcOrd="0" destOrd="0" presId="urn:microsoft.com/office/officeart/2005/8/layout/hierarchy1"/>
+    <dgm:cxn modelId="{0D82CE47-9D84-7744-ABBB-2957436EE14A}" type="presOf" srcId="{E0475AF9-A1FA-7E4D-B7C4-40CB51363249}" destId="{30A94DFD-6A70-884A-BDB2-8BDAFD0D10EE}" srcOrd="0" destOrd="0" presId="urn:microsoft.com/office/officeart/2005/8/layout/hierarchy1"/>
+    <dgm:cxn modelId="{E719204B-295A-AF4C-BA93-30A1DE13C9A6}" type="presOf" srcId="{746CA542-A0D9-E540-9AFF-9E57E2A6606A}" destId="{E91D6155-FD7F-B443-9E30-D38FA41A8BF6}" srcOrd="0" destOrd="0" presId="urn:microsoft.com/office/officeart/2005/8/layout/hierarchy1"/>
+    <dgm:cxn modelId="{55CF8E4B-BA7C-2D49-9C05-971FCDB282EC}" type="presOf" srcId="{10AEB823-038A-E748-BE80-EC8BF0727BFC}" destId="{CC8AD274-B544-0E4A-AB16-D99D6C07316A}" srcOrd="0" destOrd="0" presId="urn:microsoft.com/office/officeart/2005/8/layout/hierarchy1"/>
+    <dgm:cxn modelId="{5EEE985A-6907-574E-9861-28F53E40447D}" srcId="{E0475AF9-A1FA-7E4D-B7C4-40CB51363249}" destId="{1A082D10-B620-1C4A-977A-EF76A11BD457}" srcOrd="1" destOrd="0" parTransId="{E873C420-A7C1-964A-A04C-4C716A58503F}" sibTransId="{54422A24-E13A-5E42-B54E-B5DEF9F4666B}"/>
+    <dgm:cxn modelId="{F45DE262-C485-AB45-94A3-4997F51D2CD7}" type="presOf" srcId="{23485B0F-6CB7-964C-8D6A-D03C22948AD4}" destId="{83262887-EA99-7249-AAE7-F498A17599C6}" srcOrd="0" destOrd="0" presId="urn:microsoft.com/office/officeart/2005/8/layout/hierarchy1"/>
+    <dgm:cxn modelId="{A62EFA65-8E1B-4B46-BBE4-0F1C93610D13}" type="presOf" srcId="{441143C6-00E0-8748-A414-CE7DFB53B755}" destId="{FA440118-0D7C-174C-BC31-6E19B68F917D}" srcOrd="0" destOrd="0" presId="urn:microsoft.com/office/officeart/2005/8/layout/hierarchy1"/>
+    <dgm:cxn modelId="{EBC62E6A-147A-4C46-B7AE-337C54DF37AA}" srcId="{52E5491F-1688-104E-A95E-7468435152C4}" destId="{E0475AF9-A1FA-7E4D-B7C4-40CB51363249}" srcOrd="1" destOrd="0" parTransId="{07ABE853-FF1D-CD40-A4E9-B5418A68330E}" sibTransId="{A1C7433D-1258-C240-A677-296695009F27}"/>
+    <dgm:cxn modelId="{B69EDB76-B988-D744-9053-F73DE0791A90}" type="presOf" srcId="{CDF67EF4-A9D6-9C44-BA26-F606B95C5C01}" destId="{695EB03D-A76C-C74A-8B29-B0C048F94D39}" srcOrd="0" destOrd="0" presId="urn:microsoft.com/office/officeart/2005/8/layout/hierarchy1"/>
+    <dgm:cxn modelId="{332DD47A-F7F1-DF4E-B403-051821045157}" srcId="{059345EF-F67A-A845-BE07-E4468854F098}" destId="{D3B2DF03-084C-FA49-9172-F364AE0606E1}" srcOrd="0" destOrd="0" parTransId="{6E3F4D74-7874-EA49-BF16-7BFFD866A2ED}" sibTransId="{05D6E1B2-93FE-504C-95F5-AEB3B5F3FE05}"/>
+    <dgm:cxn modelId="{D753F97F-F20A-0E40-B455-ED4470943AD6}" type="presOf" srcId="{31F8FF6D-DBE1-6942-94E6-FFDF0C4901BF}" destId="{AC46DC17-940F-3A4F-B128-A52587E907B2}" srcOrd="0" destOrd="0" presId="urn:microsoft.com/office/officeart/2005/8/layout/hierarchy1"/>
+    <dgm:cxn modelId="{E33E3F88-0EFF-B144-AADE-D730B2AF1CC7}" srcId="{52E5491F-1688-104E-A95E-7468435152C4}" destId="{059345EF-F67A-A845-BE07-E4468854F098}" srcOrd="0" destOrd="0" parTransId="{CDF67EF4-A9D6-9C44-BA26-F606B95C5C01}" sibTransId="{51D8CE72-F9B1-2645-A07F-58463A0AC13B}"/>
+    <dgm:cxn modelId="{E54ECB8D-83CA-A94A-A49E-DE90E76ED179}" type="presOf" srcId="{48FE8C2E-345A-6345-BF18-E95A69D1CDC7}" destId="{F4AA22A8-18C4-FA40-A05B-0B1A3E87A24A}" srcOrd="0" destOrd="0" presId="urn:microsoft.com/office/officeart/2005/8/layout/hierarchy1"/>
+    <dgm:cxn modelId="{BDF03793-B12A-5441-81A2-9E6AC2205E17}" type="presOf" srcId="{7133567C-83C0-B24C-B430-FE4D93B83DBB}" destId="{BD436B64-5CDB-B040-972E-038C36AA763C}" srcOrd="0" destOrd="0" presId="urn:microsoft.com/office/officeart/2005/8/layout/hierarchy1"/>
+    <dgm:cxn modelId="{19D0D495-4A69-B143-B515-244C5CD3119E}" type="presOf" srcId="{AF724DA7-F52D-CC49-825E-99E4A804FA12}" destId="{17F14C7E-13A8-F24B-894B-5F6F9A64DEA3}" srcOrd="0" destOrd="0" presId="urn:microsoft.com/office/officeart/2005/8/layout/hierarchy1"/>
+    <dgm:cxn modelId="{A02CFB9E-3441-3943-B3AE-B6E5078730A2}" srcId="{441143C6-00E0-8748-A414-CE7DFB53B755}" destId="{9C859531-2DD1-FE4B-B40C-7E6706EE0F1E}" srcOrd="2" destOrd="0" parTransId="{746CA542-A0D9-E540-9AFF-9E57E2A6606A}" sibTransId="{76191F59-A4C9-DF4F-8DAE-518D5774D3B9}"/>
+    <dgm:cxn modelId="{EC0E92BD-F80C-E14D-9651-64EA387B0D86}" type="presOf" srcId="{9C859531-2DD1-FE4B-B40C-7E6706EE0F1E}" destId="{0CBC4522-F01E-4D45-B06F-8BC40646D449}" srcOrd="0" destOrd="0" presId="urn:microsoft.com/office/officeart/2005/8/layout/hierarchy1"/>
+    <dgm:cxn modelId="{D1C4E9C1-DC1E-C24C-8279-B41010B0C240}" srcId="{E0475AF9-A1FA-7E4D-B7C4-40CB51363249}" destId="{10AEB823-038A-E748-BE80-EC8BF0727BFC}" srcOrd="2" destOrd="0" parTransId="{68E5B845-8E53-2940-8CD0-A95F1F9B7A03}" sibTransId="{8C44A463-7A6C-7B41-A9E3-994E3C7CB735}"/>
+    <dgm:cxn modelId="{456568C6-8CE8-194D-9BF8-697CAAB44D86}" srcId="{059345EF-F67A-A845-BE07-E4468854F098}" destId="{29D84D32-61DD-764B-81DA-8B54908781DA}" srcOrd="2" destOrd="0" parTransId="{E525C87A-B8DF-C646-9B92-EE9FD13CC79A}" sibTransId="{AEA49739-56A2-414B-BB6B-253A71906B1B}"/>
+    <dgm:cxn modelId="{60B569C7-3CDA-6446-B6AA-DB3095FBE46D}" srcId="{059345EF-F67A-A845-BE07-E4468854F098}" destId="{8854433D-6C69-F84E-9EE9-8312EF4D1815}" srcOrd="1" destOrd="0" parTransId="{31F8FF6D-DBE1-6942-94E6-FFDF0C4901BF}" sibTransId="{26A41129-68F2-854B-ACDB-53DA3F9B2F25}"/>
+    <dgm:cxn modelId="{B99795CA-A83B-524F-AF17-4E074CEAF874}" srcId="{441143C6-00E0-8748-A414-CE7DFB53B755}" destId="{7133567C-83C0-B24C-B430-FE4D93B83DBB}" srcOrd="0" destOrd="0" parTransId="{14530C8A-9D8D-9A4D-8228-A416FFD9BF9E}" sibTransId="{84EB6AB7-6F80-5543-A59A-FD6D996F4AF0}"/>
+    <dgm:cxn modelId="{B35878D7-B873-8749-8CC8-21F46AFDB031}" type="presOf" srcId="{8854433D-6C69-F84E-9EE9-8312EF4D1815}" destId="{7435881F-5803-7A4C-95EB-10BE88DCD765}" srcOrd="0" destOrd="0" presId="urn:microsoft.com/office/officeart/2005/8/layout/hierarchy1"/>
+    <dgm:cxn modelId="{04389DFA-5AF4-214D-B9BB-7F3FB111B897}" type="presOf" srcId="{059345EF-F67A-A845-BE07-E4468854F098}" destId="{C068B677-A4DD-6944-8F45-70B5902E0866}" srcOrd="0" destOrd="0" presId="urn:microsoft.com/office/officeart/2005/8/layout/hierarchy1"/>
+    <dgm:cxn modelId="{4EE02BFB-DE2E-C54F-B168-ED7C4B6FF06B}" type="presOf" srcId="{E525C87A-B8DF-C646-9B92-EE9FD13CC79A}" destId="{EEA98504-6F10-5F41-89A3-BE985AD6B11E}" srcOrd="0" destOrd="0" presId="urn:microsoft.com/office/officeart/2005/8/layout/hierarchy1"/>
+    <dgm:cxn modelId="{615215B6-2F98-254D-93E9-8A104FCE0427}" type="presParOf" srcId="{2B8A8C22-02D3-E04A-92D2-DDEC49F9C060}" destId="{6809D99F-F51B-BB4C-9B10-BFDDA28858DC}" srcOrd="0" destOrd="0" presId="urn:microsoft.com/office/officeart/2005/8/layout/hierarchy1"/>
+    <dgm:cxn modelId="{875413F2-CCA2-FB41-82B3-9128A98BF58B}" type="presParOf" srcId="{6809D99F-F51B-BB4C-9B10-BFDDA28858DC}" destId="{D25763EB-3028-924A-83DC-C8E48A7774D7}" srcOrd="0" destOrd="0" presId="urn:microsoft.com/office/officeart/2005/8/layout/hierarchy1"/>
+    <dgm:cxn modelId="{4C22C959-B635-2B4C-9336-5062DA785B9C}" type="presParOf" srcId="{D25763EB-3028-924A-83DC-C8E48A7774D7}" destId="{594CEE1B-C9C9-B14F-A4D7-BB7A532ED2D2}" srcOrd="0" destOrd="0" presId="urn:microsoft.com/office/officeart/2005/8/layout/hierarchy1"/>
+    <dgm:cxn modelId="{9FF83564-B80D-1E4E-B689-0A0098F83C76}" type="presParOf" srcId="{D25763EB-3028-924A-83DC-C8E48A7774D7}" destId="{F0256042-93B2-7C4D-9272-2EAE59863D8D}" srcOrd="1" destOrd="0" presId="urn:microsoft.com/office/officeart/2005/8/layout/hierarchy1"/>
+    <dgm:cxn modelId="{0456169D-5EA0-B840-84ED-FC5AB73684D8}" type="presParOf" srcId="{6809D99F-F51B-BB4C-9B10-BFDDA28858DC}" destId="{9EFF17AE-8942-014B-8814-F8FA839DF931}" srcOrd="1" destOrd="0" presId="urn:microsoft.com/office/officeart/2005/8/layout/hierarchy1"/>
+    <dgm:cxn modelId="{C82A6DA8-D626-F741-8996-C08F5D2E36E0}" type="presParOf" srcId="{9EFF17AE-8942-014B-8814-F8FA839DF931}" destId="{695EB03D-A76C-C74A-8B29-B0C048F94D39}" srcOrd="0" destOrd="0" presId="urn:microsoft.com/office/officeart/2005/8/layout/hierarchy1"/>
+    <dgm:cxn modelId="{CD3E5488-6AC1-7148-957E-583A2FB17FCC}" type="presParOf" srcId="{9EFF17AE-8942-014B-8814-F8FA839DF931}" destId="{943D05F8-4A46-9440-92EB-C7F348DC9FB9}" srcOrd="1" destOrd="0" presId="urn:microsoft.com/office/officeart/2005/8/layout/hierarchy1"/>
+    <dgm:cxn modelId="{59155243-82D6-694B-86BA-FECB3AF00BE2}" type="presParOf" srcId="{943D05F8-4A46-9440-92EB-C7F348DC9FB9}" destId="{D2438411-C78B-2845-BD5B-5325119C0290}" srcOrd="0" destOrd="0" presId="urn:microsoft.com/office/officeart/2005/8/layout/hierarchy1"/>
+    <dgm:cxn modelId="{ACAEE16C-B9DC-8741-B714-8567CA45F31A}" type="presParOf" srcId="{D2438411-C78B-2845-BD5B-5325119C0290}" destId="{A773D581-B7A0-D948-8821-E8EF4A713759}" srcOrd="0" destOrd="0" presId="urn:microsoft.com/office/officeart/2005/8/layout/hierarchy1"/>
+    <dgm:cxn modelId="{0666A967-2630-034F-B655-F0DB608E9616}" type="presParOf" srcId="{D2438411-C78B-2845-BD5B-5325119C0290}" destId="{C068B677-A4DD-6944-8F45-70B5902E0866}" srcOrd="1" destOrd="0" presId="urn:microsoft.com/office/officeart/2005/8/layout/hierarchy1"/>
+    <dgm:cxn modelId="{8C20A1E6-3821-B146-A757-728F68CBBCD6}" type="presParOf" srcId="{943D05F8-4A46-9440-92EB-C7F348DC9FB9}" destId="{2CF7EA00-7B8E-7844-8B95-96967F1E7E36}" srcOrd="1" destOrd="0" presId="urn:microsoft.com/office/officeart/2005/8/layout/hierarchy1"/>
+    <dgm:cxn modelId="{1CCD94C3-572F-C244-B18A-610011E40355}" type="presParOf" srcId="{2CF7EA00-7B8E-7844-8B95-96967F1E7E36}" destId="{EB26B336-2EE0-F34A-A89F-EB35D51F808C}" srcOrd="0" destOrd="0" presId="urn:microsoft.com/office/officeart/2005/8/layout/hierarchy1"/>
+    <dgm:cxn modelId="{7C02B008-91CE-8943-A92A-44A4415909DA}" type="presParOf" srcId="{2CF7EA00-7B8E-7844-8B95-96967F1E7E36}" destId="{E17AEDC2-BE37-2B47-A0E1-64B1231BE997}" srcOrd="1" destOrd="0" presId="urn:microsoft.com/office/officeart/2005/8/layout/hierarchy1"/>
+    <dgm:cxn modelId="{03B6A51E-9635-0543-A2E8-6D11184DD9BD}" type="presParOf" srcId="{E17AEDC2-BE37-2B47-A0E1-64B1231BE997}" destId="{CB27974E-6E17-F145-B03B-B82467E90D0D}" srcOrd="0" destOrd="0" presId="urn:microsoft.com/office/officeart/2005/8/layout/hierarchy1"/>
+    <dgm:cxn modelId="{8122FDDD-6B37-1A4C-8E61-018EF4A36656}" type="presParOf" srcId="{CB27974E-6E17-F145-B03B-B82467E90D0D}" destId="{747B9D55-CC83-5B43-8FA0-6C2316B3F451}" srcOrd="0" destOrd="0" presId="urn:microsoft.com/office/officeart/2005/8/layout/hierarchy1"/>
+    <dgm:cxn modelId="{ACB15A5C-B7D8-724B-B3CB-365C9A58B62E}" type="presParOf" srcId="{CB27974E-6E17-F145-B03B-B82467E90D0D}" destId="{90E41B06-EC1E-0947-927B-BE4A9C8D285F}" srcOrd="1" destOrd="0" presId="urn:microsoft.com/office/officeart/2005/8/layout/hierarchy1"/>
+    <dgm:cxn modelId="{FC3107AC-5962-F240-827E-4D671A3F7169}" type="presParOf" srcId="{E17AEDC2-BE37-2B47-A0E1-64B1231BE997}" destId="{6ABD6E53-91AF-3347-A24D-809411142399}" srcOrd="1" destOrd="0" presId="urn:microsoft.com/office/officeart/2005/8/layout/hierarchy1"/>
+    <dgm:cxn modelId="{92C99A42-ECAA-4F47-9361-3D6687EFF206}" type="presParOf" srcId="{2CF7EA00-7B8E-7844-8B95-96967F1E7E36}" destId="{AC46DC17-940F-3A4F-B128-A52587E907B2}" srcOrd="2" destOrd="0" presId="urn:microsoft.com/office/officeart/2005/8/layout/hierarchy1"/>
+    <dgm:cxn modelId="{DF5FF849-8C67-684B-976B-6B36425E1DF0}" type="presParOf" srcId="{2CF7EA00-7B8E-7844-8B95-96967F1E7E36}" destId="{0F0371E1-3526-974B-ABF4-3EF2ABE1627B}" srcOrd="3" destOrd="0" presId="urn:microsoft.com/office/officeart/2005/8/layout/hierarchy1"/>
+    <dgm:cxn modelId="{DB9166A4-5E1F-434D-88A0-4092519780DB}" type="presParOf" srcId="{0F0371E1-3526-974B-ABF4-3EF2ABE1627B}" destId="{10123F0A-5ECF-7A42-B8EF-B9E16842707C}" srcOrd="0" destOrd="0" presId="urn:microsoft.com/office/officeart/2005/8/layout/hierarchy1"/>
+    <dgm:cxn modelId="{BF04989C-64D6-A549-A41D-1C029D352770}" type="presParOf" srcId="{10123F0A-5ECF-7A42-B8EF-B9E16842707C}" destId="{452FA07C-DCCD-DE42-8BAC-A2DBE228B883}" srcOrd="0" destOrd="0" presId="urn:microsoft.com/office/officeart/2005/8/layout/hierarchy1"/>
+    <dgm:cxn modelId="{9AF39847-BFA2-CD41-8995-C5153ACE0F76}" type="presParOf" srcId="{10123F0A-5ECF-7A42-B8EF-B9E16842707C}" destId="{7435881F-5803-7A4C-95EB-10BE88DCD765}" srcOrd="1" destOrd="0" presId="urn:microsoft.com/office/officeart/2005/8/layout/hierarchy1"/>
+    <dgm:cxn modelId="{084B5F6F-C891-734B-85C5-6078C82278C4}" type="presParOf" srcId="{0F0371E1-3526-974B-ABF4-3EF2ABE1627B}" destId="{9821C8E5-5FDB-8348-BB8B-FCF1118BC335}" srcOrd="1" destOrd="0" presId="urn:microsoft.com/office/officeart/2005/8/layout/hierarchy1"/>
+    <dgm:cxn modelId="{BB25489B-50A4-C642-8AF2-9D1F038FF441}" type="presParOf" srcId="{2CF7EA00-7B8E-7844-8B95-96967F1E7E36}" destId="{EEA98504-6F10-5F41-89A3-BE985AD6B11E}" srcOrd="4" destOrd="0" presId="urn:microsoft.com/office/officeart/2005/8/layout/hierarchy1"/>
+    <dgm:cxn modelId="{CD9E8885-BC36-5547-8CE0-AF3A26BBAD8F}" type="presParOf" srcId="{2CF7EA00-7B8E-7844-8B95-96967F1E7E36}" destId="{8A1EF8B2-5457-794D-9FEA-FDD62A20D8B0}" srcOrd="5" destOrd="0" presId="urn:microsoft.com/office/officeart/2005/8/layout/hierarchy1"/>
+    <dgm:cxn modelId="{DFA57604-5073-8D43-802C-7BF945B7A75A}" type="presParOf" srcId="{8A1EF8B2-5457-794D-9FEA-FDD62A20D8B0}" destId="{CD96CF17-BA24-044C-A0D3-AD7AAC4A4CBB}" srcOrd="0" destOrd="0" presId="urn:microsoft.com/office/officeart/2005/8/layout/hierarchy1"/>
+    <dgm:cxn modelId="{D133FE98-D07F-1F44-9B84-2C42E658809B}" type="presParOf" srcId="{CD96CF17-BA24-044C-A0D3-AD7AAC4A4CBB}" destId="{FE66FC28-44F1-8842-9BBE-CBC9ED5BE292}" srcOrd="0" destOrd="0" presId="urn:microsoft.com/office/officeart/2005/8/layout/hierarchy1"/>
+    <dgm:cxn modelId="{71EC0895-F80F-5E47-87B3-8B553ECF85A2}" type="presParOf" srcId="{CD96CF17-BA24-044C-A0D3-AD7AAC4A4CBB}" destId="{1BD03DFA-7B98-F64D-BA38-34E9A7D7420B}" srcOrd="1" destOrd="0" presId="urn:microsoft.com/office/officeart/2005/8/layout/hierarchy1"/>
+    <dgm:cxn modelId="{489A0D6B-0D13-7844-BCFA-3E7F7868BEE5}" type="presParOf" srcId="{8A1EF8B2-5457-794D-9FEA-FDD62A20D8B0}" destId="{547C154A-FE82-BA44-AB10-D1C34D28804B}" srcOrd="1" destOrd="0" presId="urn:microsoft.com/office/officeart/2005/8/layout/hierarchy1"/>
+    <dgm:cxn modelId="{E9087293-864E-9744-89A8-C2DC3F119BCF}" type="presParOf" srcId="{9EFF17AE-8942-014B-8814-F8FA839DF931}" destId="{D6D1FA19-9798-9E44-9EF1-DE9991F72026}" srcOrd="2" destOrd="0" presId="urn:microsoft.com/office/officeart/2005/8/layout/hierarchy1"/>
+    <dgm:cxn modelId="{CAE6E6F6-646B-B247-B542-26E35551203E}" type="presParOf" srcId="{9EFF17AE-8942-014B-8814-F8FA839DF931}" destId="{63FEB05D-862F-3249-BB11-851B1CE87A6B}" srcOrd="3" destOrd="0" presId="urn:microsoft.com/office/officeart/2005/8/layout/hierarchy1"/>
+    <dgm:cxn modelId="{496174BC-772E-5A4E-A886-E6D637A1179E}" type="presParOf" srcId="{63FEB05D-862F-3249-BB11-851B1CE87A6B}" destId="{2CFDE2EB-8DD3-4C48-96B2-CDBA9DA39233}" srcOrd="0" destOrd="0" presId="urn:microsoft.com/office/officeart/2005/8/layout/hierarchy1"/>
+    <dgm:cxn modelId="{52BA39FA-C09B-AD42-8B42-1D4ABADAD94C}" type="presParOf" srcId="{2CFDE2EB-8DD3-4C48-96B2-CDBA9DA39233}" destId="{47BFCC72-DA7E-5049-A1DC-ECD3465E9F5A}" srcOrd="0" destOrd="0" presId="urn:microsoft.com/office/officeart/2005/8/layout/hierarchy1"/>
+    <dgm:cxn modelId="{48139FCF-4338-7640-944A-8F1BFEE3763E}" type="presParOf" srcId="{2CFDE2EB-8DD3-4C48-96B2-CDBA9DA39233}" destId="{30A94DFD-6A70-884A-BDB2-8BDAFD0D10EE}" srcOrd="1" destOrd="0" presId="urn:microsoft.com/office/officeart/2005/8/layout/hierarchy1"/>
+    <dgm:cxn modelId="{FDB6B7C9-CD32-C04E-98B8-3706F4123226}" type="presParOf" srcId="{63FEB05D-862F-3249-BB11-851B1CE87A6B}" destId="{F82535F1-2850-4449-AC8E-07CED93729C0}" srcOrd="1" destOrd="0" presId="urn:microsoft.com/office/officeart/2005/8/layout/hierarchy1"/>
+    <dgm:cxn modelId="{367791EA-B6DD-7E4C-8C0E-A1B5FB7A46C3}" type="presParOf" srcId="{F82535F1-2850-4449-AC8E-07CED93729C0}" destId="{B37F1DCD-C527-8C41-82E5-3144A608E76E}" srcOrd="0" destOrd="0" presId="urn:microsoft.com/office/officeart/2005/8/layout/hierarchy1"/>
+    <dgm:cxn modelId="{751EDFCF-2CD9-104B-A64D-5E0D0B068348}" type="presParOf" srcId="{F82535F1-2850-4449-AC8E-07CED93729C0}" destId="{8A193DC5-F10E-8D48-8905-B1977143DA7C}" srcOrd="1" destOrd="0" presId="urn:microsoft.com/office/officeart/2005/8/layout/hierarchy1"/>
+    <dgm:cxn modelId="{BC4DE19E-28D5-D74A-8FBA-FEFA6606B438}" type="presParOf" srcId="{8A193DC5-F10E-8D48-8905-B1977143DA7C}" destId="{549EF14A-D03D-E642-97BE-E26F962B5B1B}" srcOrd="0" destOrd="0" presId="urn:microsoft.com/office/officeart/2005/8/layout/hierarchy1"/>
+    <dgm:cxn modelId="{8F0D5E18-3636-694C-98AF-D9A2034E7B90}" type="presParOf" srcId="{549EF14A-D03D-E642-97BE-E26F962B5B1B}" destId="{D4A50654-84CE-D34A-95C5-CD94B7B5EE96}" srcOrd="0" destOrd="0" presId="urn:microsoft.com/office/officeart/2005/8/layout/hierarchy1"/>
+    <dgm:cxn modelId="{4BFFD7AF-D189-BF41-83A0-8E9A1F80382E}" type="presParOf" srcId="{549EF14A-D03D-E642-97BE-E26F962B5B1B}" destId="{BB9887FB-58CC-814F-909E-55D3C88D82D6}" srcOrd="1" destOrd="0" presId="urn:microsoft.com/office/officeart/2005/8/layout/hierarchy1"/>
+    <dgm:cxn modelId="{06E28A2D-7291-9646-9BF0-202E1B7C0A87}" type="presParOf" srcId="{8A193DC5-F10E-8D48-8905-B1977143DA7C}" destId="{40277FE9-2058-E74E-9173-D4AEC8CDE39C}" srcOrd="1" destOrd="0" presId="urn:microsoft.com/office/officeart/2005/8/layout/hierarchy1"/>
+    <dgm:cxn modelId="{FB2EC5ED-006B-0149-A8F1-87F7EDF94766}" type="presParOf" srcId="{F82535F1-2850-4449-AC8E-07CED93729C0}" destId="{0A156C11-8E11-F640-9B0F-32CC999103CF}" srcOrd="2" destOrd="0" presId="urn:microsoft.com/office/officeart/2005/8/layout/hierarchy1"/>
+    <dgm:cxn modelId="{36AA840C-8B85-B74C-8AD7-4A1710561152}" type="presParOf" srcId="{F82535F1-2850-4449-AC8E-07CED93729C0}" destId="{240CA30F-7B52-F946-83E4-9BD05D744ADB}" srcOrd="3" destOrd="0" presId="urn:microsoft.com/office/officeart/2005/8/layout/hierarchy1"/>
+    <dgm:cxn modelId="{B9895ED2-94BA-D94E-9F45-D2B7268D6D5A}" type="presParOf" srcId="{240CA30F-7B52-F946-83E4-9BD05D744ADB}" destId="{2FF01C4A-8D37-A542-A2F4-30CBC269048E}" srcOrd="0" destOrd="0" presId="urn:microsoft.com/office/officeart/2005/8/layout/hierarchy1"/>
+    <dgm:cxn modelId="{F0D68165-2B35-634B-B413-3379B54ABBA9}" type="presParOf" srcId="{2FF01C4A-8D37-A542-A2F4-30CBC269048E}" destId="{34D44816-F0E0-8941-BF1A-92FCB9328EA8}" srcOrd="0" destOrd="0" presId="urn:microsoft.com/office/officeart/2005/8/layout/hierarchy1"/>
+    <dgm:cxn modelId="{EAD2D3E4-3537-384A-A808-670FC3364373}" type="presParOf" srcId="{2FF01C4A-8D37-A542-A2F4-30CBC269048E}" destId="{0212D4A0-516E-FE46-8C07-3163A9540F60}" srcOrd="1" destOrd="0" presId="urn:microsoft.com/office/officeart/2005/8/layout/hierarchy1"/>
+    <dgm:cxn modelId="{4A4A77D4-1FD5-3543-A408-E3560C93301E}" type="presParOf" srcId="{240CA30F-7B52-F946-83E4-9BD05D744ADB}" destId="{0D2274C7-CEE1-954D-8D15-6C49E35BE28E}" srcOrd="1" destOrd="0" presId="urn:microsoft.com/office/officeart/2005/8/layout/hierarchy1"/>
+    <dgm:cxn modelId="{DA4A6875-B1D3-1840-9560-8FA305CC92C2}" type="presParOf" srcId="{F82535F1-2850-4449-AC8E-07CED93729C0}" destId="{5E873EB7-C68A-424D-967B-A854CADD35BE}" srcOrd="4" destOrd="0" presId="urn:microsoft.com/office/officeart/2005/8/layout/hierarchy1"/>
+    <dgm:cxn modelId="{C3280534-A677-0847-B12D-EC477408FD7D}" type="presParOf" srcId="{F82535F1-2850-4449-AC8E-07CED93729C0}" destId="{FA794790-D95E-9542-A636-AB5BF7967B6D}" srcOrd="5" destOrd="0" presId="urn:microsoft.com/office/officeart/2005/8/layout/hierarchy1"/>
+    <dgm:cxn modelId="{C8B71686-0326-AA40-B4BD-69AA962F15EF}" type="presParOf" srcId="{FA794790-D95E-9542-A636-AB5BF7967B6D}" destId="{88D3DEA7-A9C9-1843-9B64-48C6676E7B2A}" srcOrd="0" destOrd="0" presId="urn:microsoft.com/office/officeart/2005/8/layout/hierarchy1"/>
+    <dgm:cxn modelId="{955316ED-1F47-4C46-A12E-17D92B6A6AFA}" type="presParOf" srcId="{88D3DEA7-A9C9-1843-9B64-48C6676E7B2A}" destId="{5AD6FADD-2A24-284B-9FB9-D8F4970CFD62}" srcOrd="0" destOrd="0" presId="urn:microsoft.com/office/officeart/2005/8/layout/hierarchy1"/>
+    <dgm:cxn modelId="{08B8438E-D49B-6E44-B0FD-2749355D1019}" type="presParOf" srcId="{88D3DEA7-A9C9-1843-9B64-48C6676E7B2A}" destId="{CC8AD274-B544-0E4A-AB16-D99D6C07316A}" srcOrd="1" destOrd="0" presId="urn:microsoft.com/office/officeart/2005/8/layout/hierarchy1"/>
+    <dgm:cxn modelId="{CFCA5D7E-2C62-BB40-9E96-B8D4462F52EC}" type="presParOf" srcId="{FA794790-D95E-9542-A636-AB5BF7967B6D}" destId="{5F845202-63F1-BA47-BCBF-4ABC3FFAD76F}" srcOrd="1" destOrd="0" presId="urn:microsoft.com/office/officeart/2005/8/layout/hierarchy1"/>
+    <dgm:cxn modelId="{F5292001-620D-5345-8A1D-8EF55C54C21A}" type="presParOf" srcId="{9EFF17AE-8942-014B-8814-F8FA839DF931}" destId="{83262887-EA99-7249-AAE7-F498A17599C6}" srcOrd="4" destOrd="0" presId="urn:microsoft.com/office/officeart/2005/8/layout/hierarchy1"/>
+    <dgm:cxn modelId="{A647BC95-A3BC-174B-8B72-12616C06CD26}" type="presParOf" srcId="{9EFF17AE-8942-014B-8814-F8FA839DF931}" destId="{1855F5B9-75F0-4A4F-842C-9B7DAEF45E8B}" srcOrd="5" destOrd="0" presId="urn:microsoft.com/office/officeart/2005/8/layout/hierarchy1"/>
+    <dgm:cxn modelId="{5E03918E-6C3B-2C4F-B2E2-A83BFC0641C5}" type="presParOf" srcId="{1855F5B9-75F0-4A4F-842C-9B7DAEF45E8B}" destId="{736ACA0F-846D-D345-8D4F-FE438DA2878F}" srcOrd="0" destOrd="0" presId="urn:microsoft.com/office/officeart/2005/8/layout/hierarchy1"/>
+    <dgm:cxn modelId="{36B11ABF-6977-4E4A-8E42-00737545A411}" type="presParOf" srcId="{736ACA0F-846D-D345-8D4F-FE438DA2878F}" destId="{E3FBF221-4539-D549-A633-F0256F0574CD}" srcOrd="0" destOrd="0" presId="urn:microsoft.com/office/officeart/2005/8/layout/hierarchy1"/>
+    <dgm:cxn modelId="{A4844B5E-3040-FA49-98C5-5E7BCA21E35C}" type="presParOf" srcId="{736ACA0F-846D-D345-8D4F-FE438DA2878F}" destId="{FA440118-0D7C-174C-BC31-6E19B68F917D}" srcOrd="1" destOrd="0" presId="urn:microsoft.com/office/officeart/2005/8/layout/hierarchy1"/>
+    <dgm:cxn modelId="{01B41F21-F426-1749-ACFF-9606BCD5320A}" type="presParOf" srcId="{1855F5B9-75F0-4A4F-842C-9B7DAEF45E8B}" destId="{0BC68025-7A0A-134E-8C04-926911A96672}" srcOrd="1" destOrd="0" presId="urn:microsoft.com/office/officeart/2005/8/layout/hierarchy1"/>
+    <dgm:cxn modelId="{4E06ED3D-2D61-104A-9691-00A15C2EF49E}" type="presParOf" srcId="{0BC68025-7A0A-134E-8C04-926911A96672}" destId="{23B2CA0A-B17A-0749-AF21-446E8E6E2FEA}" srcOrd="0" destOrd="0" presId="urn:microsoft.com/office/officeart/2005/8/layout/hierarchy1"/>
+    <dgm:cxn modelId="{EB16D0E5-ED51-AE44-9C49-20BEAE38409F}" type="presParOf" srcId="{0BC68025-7A0A-134E-8C04-926911A96672}" destId="{048BBFE1-E237-0D4B-8226-B9EB598F7F18}" srcOrd="1" destOrd="0" presId="urn:microsoft.com/office/officeart/2005/8/layout/hierarchy1"/>
+    <dgm:cxn modelId="{6B250330-6A19-214B-B466-D632E550B18C}" type="presParOf" srcId="{048BBFE1-E237-0D4B-8226-B9EB598F7F18}" destId="{FF3054A0-BF4D-8745-86C4-7273EDEF706B}" srcOrd="0" destOrd="0" presId="urn:microsoft.com/office/officeart/2005/8/layout/hierarchy1"/>
+    <dgm:cxn modelId="{FF622876-D8B1-6F48-A01D-343688DB3FE8}" type="presParOf" srcId="{FF3054A0-BF4D-8745-86C4-7273EDEF706B}" destId="{3EAA42E1-6A37-1C43-A32D-17541C65A781}" srcOrd="0" destOrd="0" presId="urn:microsoft.com/office/officeart/2005/8/layout/hierarchy1"/>
+    <dgm:cxn modelId="{2F8C134C-0BB7-EA4F-8B99-D14188283D2F}" type="presParOf" srcId="{FF3054A0-BF4D-8745-86C4-7273EDEF706B}" destId="{BD436B64-5CDB-B040-972E-038C36AA763C}" srcOrd="1" destOrd="0" presId="urn:microsoft.com/office/officeart/2005/8/layout/hierarchy1"/>
+    <dgm:cxn modelId="{6CBF5DD4-5C1A-864B-BE05-EAEF4123F00C}" type="presParOf" srcId="{048BBFE1-E237-0D4B-8226-B9EB598F7F18}" destId="{D4CAE7CC-6E3D-CB4B-8C15-A7E2FD8B91FE}" srcOrd="1" destOrd="0" presId="urn:microsoft.com/office/officeart/2005/8/layout/hierarchy1"/>
+    <dgm:cxn modelId="{70C5D4B1-6850-E64E-A000-097FB340FEFF}" type="presParOf" srcId="{0BC68025-7A0A-134E-8C04-926911A96672}" destId="{17F14C7E-13A8-F24B-894B-5F6F9A64DEA3}" srcOrd="2" destOrd="0" presId="urn:microsoft.com/office/officeart/2005/8/layout/hierarchy1"/>
+    <dgm:cxn modelId="{CC9525E5-F135-5745-96B3-C6C748579ECD}" type="presParOf" srcId="{0BC68025-7A0A-134E-8C04-926911A96672}" destId="{888CCCF1-5FCB-0C45-8BBD-04F97AD2A716}" srcOrd="3" destOrd="0" presId="urn:microsoft.com/office/officeart/2005/8/layout/hierarchy1"/>
+    <dgm:cxn modelId="{FB1ADA09-04B0-9B40-8A35-6B27CE9F9F47}" type="presParOf" srcId="{888CCCF1-5FCB-0C45-8BBD-04F97AD2A716}" destId="{653D5E85-8360-2D49-9A87-8C90D21BE8BC}" srcOrd="0" destOrd="0" presId="urn:microsoft.com/office/officeart/2005/8/layout/hierarchy1"/>
+    <dgm:cxn modelId="{E5C66383-EE9B-6943-A165-C3141FFF8D38}" type="presParOf" srcId="{653D5E85-8360-2D49-9A87-8C90D21BE8BC}" destId="{F108ADC7-99C0-A545-9C0D-BAB25462C50F}" srcOrd="0" destOrd="0" presId="urn:microsoft.com/office/officeart/2005/8/layout/hierarchy1"/>
+    <dgm:cxn modelId="{A6DAF3AC-F07F-124C-A042-AB0A35BCAAC1}" type="presParOf" srcId="{653D5E85-8360-2D49-9A87-8C90D21BE8BC}" destId="{F4AA22A8-18C4-FA40-A05B-0B1A3E87A24A}" srcOrd="1" destOrd="0" presId="urn:microsoft.com/office/officeart/2005/8/layout/hierarchy1"/>
+    <dgm:cxn modelId="{984EE2F7-5073-5641-A128-670AB1349EB1}" type="presParOf" srcId="{888CCCF1-5FCB-0C45-8BBD-04F97AD2A716}" destId="{E45E4F95-57D9-6244-A81C-8FE6354FC1B7}" srcOrd="1" destOrd="0" presId="urn:microsoft.com/office/officeart/2005/8/layout/hierarchy1"/>
+    <dgm:cxn modelId="{A51BF84A-70CB-944B-B3E2-8FCB85C8D877}" type="presParOf" srcId="{0BC68025-7A0A-134E-8C04-926911A96672}" destId="{E91D6155-FD7F-B443-9E30-D38FA41A8BF6}" srcOrd="4" destOrd="0" presId="urn:microsoft.com/office/officeart/2005/8/layout/hierarchy1"/>
+    <dgm:cxn modelId="{76A368D5-DF7F-4E45-90B5-8FE73FCBA3EF}" type="presParOf" srcId="{0BC68025-7A0A-134E-8C04-926911A96672}" destId="{FE76F20F-BA3F-6848-AB66-0594837E03CF}" srcOrd="5" destOrd="0" presId="urn:microsoft.com/office/officeart/2005/8/layout/hierarchy1"/>
+    <dgm:cxn modelId="{A71917FE-983D-504B-8A9F-E381D176F312}" type="presParOf" srcId="{FE76F20F-BA3F-6848-AB66-0594837E03CF}" destId="{8353C954-0546-864C-A407-1183E44B04B2}" srcOrd="0" destOrd="0" presId="urn:microsoft.com/office/officeart/2005/8/layout/hierarchy1"/>
+    <dgm:cxn modelId="{6B2DAFDA-3921-E942-8875-8EE4D1184BB7}" type="presParOf" srcId="{8353C954-0546-864C-A407-1183E44B04B2}" destId="{3CD5120D-56CC-B846-9157-FFDB7E6507E9}" srcOrd="0" destOrd="0" presId="urn:microsoft.com/office/officeart/2005/8/layout/hierarchy1"/>
+    <dgm:cxn modelId="{A10E277D-5288-3644-85A9-BAB39D3F3793}" type="presParOf" srcId="{8353C954-0546-864C-A407-1183E44B04B2}" destId="{0CBC4522-F01E-4D45-B06F-8BC40646D449}" srcOrd="1" destOrd="0" presId="urn:microsoft.com/office/officeart/2005/8/layout/hierarchy1"/>
+    <dgm:cxn modelId="{BF824A9C-1379-274B-96E4-E8E2ED5512F3}" type="presParOf" srcId="{FE76F20F-BA3F-6848-AB66-0594837E03CF}" destId="{D53491C4-A214-BB4A-936A-84E458D86068}" srcOrd="1" destOrd="0" presId="urn:microsoft.com/office/officeart/2005/8/layout/hierarchy1"/>
+  </dgm:cxnLst>
+  <dgm:bg/>
+  <dgm:whole/>
+  <dgm:extLst>
+    <a:ext uri="http://schemas.microsoft.com/office/drawing/2008/diagram">
+      <dsp:dataModelExt xmlns:dsp="http://schemas.microsoft.com/office/drawing/2008/diagram" relId="rId6" minVer="http://schemas.openxmlformats.org/drawingml/2006/diagram"/>
+    </a:ext>
+  </dgm:extLst>
+</dgm:dataModel>
+</file>
+
 <file path=ppt/diagrams/drawing1.xml><?xml version="1.0" encoding="utf-8"?>
 <dsp:drawing xmlns:dgm="http://schemas.openxmlformats.org/drawingml/2006/diagram" xmlns:dsp="http://schemas.microsoft.com/office/drawing/2008/diagram" xmlns:a="http://schemas.openxmlformats.org/drawingml/2006/main">
   <dsp:spTree>
@@ -6196,7 +7984,7 @@
           </a:pPr>
           <a:r>
             <a:rPr lang="en-US" sz="1900" kern="1200" dirty="0"/>
-            <a:t>Standardize and fix skewness.</a:t>
+            <a:t>Standardize, fix skewness, and clip outliers.</a:t>
           </a:r>
         </a:p>
       </dsp:txBody>
@@ -7610,6 +9398,2604 @@
 </dsp:drawing>
 </file>
 
+<file path=ppt/diagrams/drawing5.xml><?xml version="1.0" encoding="utf-8"?>
+<dsp:drawing xmlns:dgm="http://schemas.openxmlformats.org/drawingml/2006/diagram" xmlns:dsp="http://schemas.microsoft.com/office/drawing/2008/diagram" xmlns:a="http://schemas.openxmlformats.org/drawingml/2006/main">
+  <dsp:spTree>
+    <dsp:nvGrpSpPr>
+      <dsp:cNvPr id="0" name=""/>
+      <dsp:cNvGrpSpPr/>
+    </dsp:nvGrpSpPr>
+    <dsp:grpSpPr/>
+    <dsp:sp modelId="{E91D6155-FD7F-B443-9E30-D38FA41A8BF6}">
+      <dsp:nvSpPr>
+        <dsp:cNvPr id="0" name=""/>
+        <dsp:cNvSpPr/>
+      </dsp:nvSpPr>
+      <dsp:spPr>
+        <a:xfrm>
+          <a:off x="9415224" y="2121812"/>
+          <a:ext cx="1223948" cy="538416"/>
+        </a:xfrm>
+        <a:custGeom>
+          <a:avLst/>
+          <a:gdLst/>
+          <a:ahLst/>
+          <a:cxnLst/>
+          <a:rect l="0" t="0" r="0" b="0"/>
+          <a:pathLst>
+            <a:path>
+              <a:moveTo>
+                <a:pt x="0" y="0"/>
+              </a:moveTo>
+              <a:lnTo>
+                <a:pt x="0" y="442575"/>
+              </a:lnTo>
+              <a:lnTo>
+                <a:pt x="1223948" y="442575"/>
+              </a:lnTo>
+              <a:lnTo>
+                <a:pt x="1223948" y="538416"/>
+              </a:lnTo>
+            </a:path>
+          </a:pathLst>
+        </a:custGeom>
+        <a:noFill/>
+        <a:ln w="15875" cap="flat" cmpd="sng" algn="ctr">
+          <a:solidFill>
+            <a:schemeClr val="accent1">
+              <a:shade val="80000"/>
+              <a:hueOff val="0"/>
+              <a:satOff val="0"/>
+              <a:lumOff val="0"/>
+              <a:alphaOff val="0"/>
+            </a:schemeClr>
+          </a:solidFill>
+          <a:prstDash val="solid"/>
+        </a:ln>
+        <a:effectLst/>
+      </dsp:spPr>
+      <dsp:style>
+        <a:lnRef idx="2">
+          <a:scrgbClr r="0" g="0" b="0"/>
+        </a:lnRef>
+        <a:fillRef idx="0">
+          <a:scrgbClr r="0" g="0" b="0"/>
+        </a:fillRef>
+        <a:effectRef idx="0">
+          <a:scrgbClr r="0" g="0" b="0"/>
+        </a:effectRef>
+        <a:fontRef idx="minor"/>
+      </dsp:style>
+    </dsp:sp>
+    <dsp:sp modelId="{17F14C7E-13A8-F24B-894B-5F6F9A64DEA3}">
+      <dsp:nvSpPr>
+        <dsp:cNvPr id="0" name=""/>
+        <dsp:cNvSpPr/>
+      </dsp:nvSpPr>
+      <dsp:spPr>
+        <a:xfrm>
+          <a:off x="9347251" y="2121812"/>
+          <a:ext cx="91440" cy="538416"/>
+        </a:xfrm>
+        <a:custGeom>
+          <a:avLst/>
+          <a:gdLst/>
+          <a:ahLst/>
+          <a:cxnLst/>
+          <a:rect l="0" t="0" r="0" b="0"/>
+          <a:pathLst>
+            <a:path>
+              <a:moveTo>
+                <a:pt x="67973" y="0"/>
+              </a:moveTo>
+              <a:lnTo>
+                <a:pt x="67973" y="442575"/>
+              </a:lnTo>
+              <a:lnTo>
+                <a:pt x="45720" y="442575"/>
+              </a:lnTo>
+              <a:lnTo>
+                <a:pt x="45720" y="538416"/>
+              </a:lnTo>
+            </a:path>
+          </a:pathLst>
+        </a:custGeom>
+        <a:noFill/>
+        <a:ln w="15875" cap="flat" cmpd="sng" algn="ctr">
+          <a:solidFill>
+            <a:schemeClr val="accent1">
+              <a:shade val="80000"/>
+              <a:hueOff val="0"/>
+              <a:satOff val="0"/>
+              <a:lumOff val="0"/>
+              <a:alphaOff val="0"/>
+            </a:schemeClr>
+          </a:solidFill>
+          <a:prstDash val="solid"/>
+        </a:ln>
+        <a:effectLst/>
+      </dsp:spPr>
+      <dsp:style>
+        <a:lnRef idx="2">
+          <a:scrgbClr r="0" g="0" b="0"/>
+        </a:lnRef>
+        <a:fillRef idx="0">
+          <a:scrgbClr r="0" g="0" b="0"/>
+        </a:fillRef>
+        <a:effectRef idx="0">
+          <a:scrgbClr r="0" g="0" b="0"/>
+        </a:effectRef>
+        <a:fontRef idx="minor"/>
+      </dsp:style>
+    </dsp:sp>
+    <dsp:sp modelId="{23B2CA0A-B17A-0749-AF21-446E8E6E2FEA}">
+      <dsp:nvSpPr>
+        <dsp:cNvPr id="0" name=""/>
+        <dsp:cNvSpPr/>
+      </dsp:nvSpPr>
+      <dsp:spPr>
+        <a:xfrm>
+          <a:off x="8110249" y="2121812"/>
+          <a:ext cx="1304975" cy="538416"/>
+        </a:xfrm>
+        <a:custGeom>
+          <a:avLst/>
+          <a:gdLst/>
+          <a:ahLst/>
+          <a:cxnLst/>
+          <a:rect l="0" t="0" r="0" b="0"/>
+          <a:pathLst>
+            <a:path>
+              <a:moveTo>
+                <a:pt x="1304975" y="0"/>
+              </a:moveTo>
+              <a:lnTo>
+                <a:pt x="1304975" y="442575"/>
+              </a:lnTo>
+              <a:lnTo>
+                <a:pt x="0" y="442575"/>
+              </a:lnTo>
+              <a:lnTo>
+                <a:pt x="0" y="538416"/>
+              </a:lnTo>
+            </a:path>
+          </a:pathLst>
+        </a:custGeom>
+        <a:noFill/>
+        <a:ln w="15875" cap="flat" cmpd="sng" algn="ctr">
+          <a:solidFill>
+            <a:schemeClr val="accent1">
+              <a:shade val="80000"/>
+              <a:hueOff val="0"/>
+              <a:satOff val="0"/>
+              <a:lumOff val="0"/>
+              <a:alphaOff val="0"/>
+            </a:schemeClr>
+          </a:solidFill>
+          <a:prstDash val="solid"/>
+        </a:ln>
+        <a:effectLst/>
+      </dsp:spPr>
+      <dsp:style>
+        <a:lnRef idx="2">
+          <a:scrgbClr r="0" g="0" b="0"/>
+        </a:lnRef>
+        <a:fillRef idx="0">
+          <a:scrgbClr r="0" g="0" b="0"/>
+        </a:fillRef>
+        <a:effectRef idx="0">
+          <a:scrgbClr r="0" g="0" b="0"/>
+        </a:effectRef>
+        <a:fontRef idx="minor"/>
+      </dsp:style>
+    </dsp:sp>
+    <dsp:sp modelId="{83262887-EA99-7249-AAE7-F498A17599C6}">
+      <dsp:nvSpPr>
+        <dsp:cNvPr id="0" name=""/>
+        <dsp:cNvSpPr/>
+      </dsp:nvSpPr>
+      <dsp:spPr>
+        <a:xfrm>
+          <a:off x="5414005" y="963108"/>
+          <a:ext cx="4001219" cy="501758"/>
+        </a:xfrm>
+        <a:custGeom>
+          <a:avLst/>
+          <a:gdLst/>
+          <a:ahLst/>
+          <a:cxnLst/>
+          <a:rect l="0" t="0" r="0" b="0"/>
+          <a:pathLst>
+            <a:path>
+              <a:moveTo>
+                <a:pt x="0" y="0"/>
+              </a:moveTo>
+              <a:lnTo>
+                <a:pt x="0" y="405918"/>
+              </a:lnTo>
+              <a:lnTo>
+                <a:pt x="4001219" y="405918"/>
+              </a:lnTo>
+              <a:lnTo>
+                <a:pt x="4001219" y="501758"/>
+              </a:lnTo>
+            </a:path>
+          </a:pathLst>
+        </a:custGeom>
+        <a:noFill/>
+        <a:ln w="15875" cap="flat" cmpd="sng" algn="ctr">
+          <a:solidFill>
+            <a:schemeClr val="accent1">
+              <a:shade val="60000"/>
+              <a:hueOff val="0"/>
+              <a:satOff val="0"/>
+              <a:lumOff val="0"/>
+              <a:alphaOff val="0"/>
+            </a:schemeClr>
+          </a:solidFill>
+          <a:prstDash val="solid"/>
+        </a:ln>
+        <a:effectLst/>
+      </dsp:spPr>
+      <dsp:style>
+        <a:lnRef idx="2">
+          <a:scrgbClr r="0" g="0" b="0"/>
+        </a:lnRef>
+        <a:fillRef idx="0">
+          <a:scrgbClr r="0" g="0" b="0"/>
+        </a:fillRef>
+        <a:effectRef idx="0">
+          <a:scrgbClr r="0" g="0" b="0"/>
+        </a:effectRef>
+        <a:fontRef idx="minor"/>
+      </dsp:style>
+    </dsp:sp>
+    <dsp:sp modelId="{5E873EB7-C68A-424D-967B-A854CADD35BE}">
+      <dsp:nvSpPr>
+        <dsp:cNvPr id="0" name=""/>
+        <dsp:cNvSpPr/>
+      </dsp:nvSpPr>
+      <dsp:spPr>
+        <a:xfrm>
+          <a:off x="5523844" y="2166294"/>
+          <a:ext cx="1066737" cy="487831"/>
+        </a:xfrm>
+        <a:custGeom>
+          <a:avLst/>
+          <a:gdLst/>
+          <a:ahLst/>
+          <a:cxnLst/>
+          <a:rect l="0" t="0" r="0" b="0"/>
+          <a:pathLst>
+            <a:path>
+              <a:moveTo>
+                <a:pt x="0" y="0"/>
+              </a:moveTo>
+              <a:lnTo>
+                <a:pt x="0" y="391991"/>
+              </a:lnTo>
+              <a:lnTo>
+                <a:pt x="1066737" y="391991"/>
+              </a:lnTo>
+              <a:lnTo>
+                <a:pt x="1066737" y="487831"/>
+              </a:lnTo>
+            </a:path>
+          </a:pathLst>
+        </a:custGeom>
+        <a:noFill/>
+        <a:ln w="15875" cap="flat" cmpd="sng" algn="ctr">
+          <a:solidFill>
+            <a:schemeClr val="accent1">
+              <a:shade val="80000"/>
+              <a:hueOff val="0"/>
+              <a:satOff val="0"/>
+              <a:lumOff val="0"/>
+              <a:alphaOff val="0"/>
+            </a:schemeClr>
+          </a:solidFill>
+          <a:prstDash val="solid"/>
+        </a:ln>
+        <a:effectLst/>
+      </dsp:spPr>
+      <dsp:style>
+        <a:lnRef idx="2">
+          <a:scrgbClr r="0" g="0" b="0"/>
+        </a:lnRef>
+        <a:fillRef idx="0">
+          <a:scrgbClr r="0" g="0" b="0"/>
+        </a:fillRef>
+        <a:effectRef idx="0">
+          <a:scrgbClr r="0" g="0" b="0"/>
+        </a:effectRef>
+        <a:fontRef idx="minor"/>
+      </dsp:style>
+    </dsp:sp>
+    <dsp:sp modelId="{0A156C11-8E11-F640-9B0F-32CC999103CF}">
+      <dsp:nvSpPr>
+        <dsp:cNvPr id="0" name=""/>
+        <dsp:cNvSpPr/>
+      </dsp:nvSpPr>
+      <dsp:spPr>
+        <a:xfrm>
+          <a:off x="5301620" y="2166294"/>
+          <a:ext cx="222223" cy="493934"/>
+        </a:xfrm>
+        <a:custGeom>
+          <a:avLst/>
+          <a:gdLst/>
+          <a:ahLst/>
+          <a:cxnLst/>
+          <a:rect l="0" t="0" r="0" b="0"/>
+          <a:pathLst>
+            <a:path>
+              <a:moveTo>
+                <a:pt x="222223" y="0"/>
+              </a:moveTo>
+              <a:lnTo>
+                <a:pt x="222223" y="398094"/>
+              </a:lnTo>
+              <a:lnTo>
+                <a:pt x="0" y="398094"/>
+              </a:lnTo>
+              <a:lnTo>
+                <a:pt x="0" y="493934"/>
+              </a:lnTo>
+            </a:path>
+          </a:pathLst>
+        </a:custGeom>
+        <a:noFill/>
+        <a:ln w="15875" cap="flat" cmpd="sng" algn="ctr">
+          <a:solidFill>
+            <a:schemeClr val="accent1">
+              <a:shade val="80000"/>
+              <a:hueOff val="0"/>
+              <a:satOff val="0"/>
+              <a:lumOff val="0"/>
+              <a:alphaOff val="0"/>
+            </a:schemeClr>
+          </a:solidFill>
+          <a:prstDash val="solid"/>
+        </a:ln>
+        <a:effectLst/>
+      </dsp:spPr>
+      <dsp:style>
+        <a:lnRef idx="2">
+          <a:scrgbClr r="0" g="0" b="0"/>
+        </a:lnRef>
+        <a:fillRef idx="0">
+          <a:scrgbClr r="0" g="0" b="0"/>
+        </a:fillRef>
+        <a:effectRef idx="0">
+          <a:scrgbClr r="0" g="0" b="0"/>
+        </a:effectRef>
+        <a:fontRef idx="minor"/>
+      </dsp:style>
+    </dsp:sp>
+    <dsp:sp modelId="{B37F1DCD-C527-8C41-82E5-3144A608E76E}">
+      <dsp:nvSpPr>
+        <dsp:cNvPr id="0" name=""/>
+        <dsp:cNvSpPr/>
+      </dsp:nvSpPr>
+      <dsp:spPr>
+        <a:xfrm>
+          <a:off x="4144431" y="2166294"/>
+          <a:ext cx="1379412" cy="483298"/>
+        </a:xfrm>
+        <a:custGeom>
+          <a:avLst/>
+          <a:gdLst/>
+          <a:ahLst/>
+          <a:cxnLst/>
+          <a:rect l="0" t="0" r="0" b="0"/>
+          <a:pathLst>
+            <a:path>
+              <a:moveTo>
+                <a:pt x="1379412" y="0"/>
+              </a:moveTo>
+              <a:lnTo>
+                <a:pt x="1379412" y="387458"/>
+              </a:lnTo>
+              <a:lnTo>
+                <a:pt x="0" y="387458"/>
+              </a:lnTo>
+              <a:lnTo>
+                <a:pt x="0" y="483298"/>
+              </a:lnTo>
+            </a:path>
+          </a:pathLst>
+        </a:custGeom>
+        <a:noFill/>
+        <a:ln w="15875" cap="flat" cmpd="sng" algn="ctr">
+          <a:solidFill>
+            <a:schemeClr val="accent1">
+              <a:shade val="80000"/>
+              <a:hueOff val="0"/>
+              <a:satOff val="0"/>
+              <a:lumOff val="0"/>
+              <a:alphaOff val="0"/>
+            </a:schemeClr>
+          </a:solidFill>
+          <a:prstDash val="solid"/>
+        </a:ln>
+        <a:effectLst/>
+      </dsp:spPr>
+      <dsp:style>
+        <a:lnRef idx="2">
+          <a:scrgbClr r="0" g="0" b="0"/>
+        </a:lnRef>
+        <a:fillRef idx="0">
+          <a:scrgbClr r="0" g="0" b="0"/>
+        </a:fillRef>
+        <a:effectRef idx="0">
+          <a:scrgbClr r="0" g="0" b="0"/>
+        </a:effectRef>
+        <a:fontRef idx="minor"/>
+      </dsp:style>
+    </dsp:sp>
+    <dsp:sp modelId="{D6D1FA19-9798-9E44-9EF1-DE9991F72026}">
+      <dsp:nvSpPr>
+        <dsp:cNvPr id="0" name=""/>
+        <dsp:cNvSpPr/>
+      </dsp:nvSpPr>
+      <dsp:spPr>
+        <a:xfrm>
+          <a:off x="5414005" y="963108"/>
+          <a:ext cx="109839" cy="546240"/>
+        </a:xfrm>
+        <a:custGeom>
+          <a:avLst/>
+          <a:gdLst/>
+          <a:ahLst/>
+          <a:cxnLst/>
+          <a:rect l="0" t="0" r="0" b="0"/>
+          <a:pathLst>
+            <a:path>
+              <a:moveTo>
+                <a:pt x="0" y="0"/>
+              </a:moveTo>
+              <a:lnTo>
+                <a:pt x="0" y="450400"/>
+              </a:lnTo>
+              <a:lnTo>
+                <a:pt x="109839" y="450400"/>
+              </a:lnTo>
+              <a:lnTo>
+                <a:pt x="109839" y="546240"/>
+              </a:lnTo>
+            </a:path>
+          </a:pathLst>
+        </a:custGeom>
+        <a:noFill/>
+        <a:ln w="15875" cap="flat" cmpd="sng" algn="ctr">
+          <a:solidFill>
+            <a:schemeClr val="accent1">
+              <a:shade val="60000"/>
+              <a:hueOff val="0"/>
+              <a:satOff val="0"/>
+              <a:lumOff val="0"/>
+              <a:alphaOff val="0"/>
+            </a:schemeClr>
+          </a:solidFill>
+          <a:prstDash val="solid"/>
+        </a:ln>
+        <a:effectLst/>
+      </dsp:spPr>
+      <dsp:style>
+        <a:lnRef idx="2">
+          <a:scrgbClr r="0" g="0" b="0"/>
+        </a:lnRef>
+        <a:fillRef idx="0">
+          <a:scrgbClr r="0" g="0" b="0"/>
+        </a:fillRef>
+        <a:effectRef idx="0">
+          <a:scrgbClr r="0" g="0" b="0"/>
+        </a:effectRef>
+        <a:fontRef idx="minor"/>
+      </dsp:style>
+    </dsp:sp>
+    <dsp:sp modelId="{EEA98504-6F10-5F41-89A3-BE985AD6B11E}">
+      <dsp:nvSpPr>
+        <dsp:cNvPr id="0" name=""/>
+        <dsp:cNvSpPr/>
+      </dsp:nvSpPr>
+      <dsp:spPr>
+        <a:xfrm>
+          <a:off x="1619190" y="2111886"/>
+          <a:ext cx="1208378" cy="553493"/>
+        </a:xfrm>
+        <a:custGeom>
+          <a:avLst/>
+          <a:gdLst/>
+          <a:ahLst/>
+          <a:cxnLst/>
+          <a:rect l="0" t="0" r="0" b="0"/>
+          <a:pathLst>
+            <a:path>
+              <a:moveTo>
+                <a:pt x="0" y="0"/>
+              </a:moveTo>
+              <a:lnTo>
+                <a:pt x="0" y="457652"/>
+              </a:lnTo>
+              <a:lnTo>
+                <a:pt x="1208378" y="457652"/>
+              </a:lnTo>
+              <a:lnTo>
+                <a:pt x="1208378" y="553493"/>
+              </a:lnTo>
+            </a:path>
+          </a:pathLst>
+        </a:custGeom>
+        <a:noFill/>
+        <a:ln w="15875" cap="flat" cmpd="sng" algn="ctr">
+          <a:solidFill>
+            <a:schemeClr val="accent1">
+              <a:shade val="80000"/>
+              <a:hueOff val="0"/>
+              <a:satOff val="0"/>
+              <a:lumOff val="0"/>
+              <a:alphaOff val="0"/>
+            </a:schemeClr>
+          </a:solidFill>
+          <a:prstDash val="solid"/>
+        </a:ln>
+        <a:effectLst/>
+      </dsp:spPr>
+      <dsp:style>
+        <a:lnRef idx="2">
+          <a:scrgbClr r="0" g="0" b="0"/>
+        </a:lnRef>
+        <a:fillRef idx="0">
+          <a:scrgbClr r="0" g="0" b="0"/>
+        </a:fillRef>
+        <a:effectRef idx="0">
+          <a:scrgbClr r="0" g="0" b="0"/>
+        </a:effectRef>
+        <a:fontRef idx="minor"/>
+      </dsp:style>
+    </dsp:sp>
+    <dsp:sp modelId="{AC46DC17-940F-3A4F-B128-A52587E907B2}">
+      <dsp:nvSpPr>
+        <dsp:cNvPr id="0" name=""/>
+        <dsp:cNvSpPr/>
+      </dsp:nvSpPr>
+      <dsp:spPr>
+        <a:xfrm>
+          <a:off x="1573470" y="2111886"/>
+          <a:ext cx="91440" cy="543389"/>
+        </a:xfrm>
+        <a:custGeom>
+          <a:avLst/>
+          <a:gdLst/>
+          <a:ahLst/>
+          <a:cxnLst/>
+          <a:rect l="0" t="0" r="0" b="0"/>
+          <a:pathLst>
+            <a:path>
+              <a:moveTo>
+                <a:pt x="45720" y="0"/>
+              </a:moveTo>
+              <a:lnTo>
+                <a:pt x="45720" y="447548"/>
+              </a:lnTo>
+              <a:lnTo>
+                <a:pt x="81401" y="447548"/>
+              </a:lnTo>
+              <a:lnTo>
+                <a:pt x="81401" y="543389"/>
+              </a:lnTo>
+            </a:path>
+          </a:pathLst>
+        </a:custGeom>
+        <a:noFill/>
+        <a:ln w="15875" cap="flat" cmpd="sng" algn="ctr">
+          <a:solidFill>
+            <a:schemeClr val="accent1">
+              <a:shade val="80000"/>
+              <a:hueOff val="0"/>
+              <a:satOff val="0"/>
+              <a:lumOff val="0"/>
+              <a:alphaOff val="0"/>
+            </a:schemeClr>
+          </a:solidFill>
+          <a:prstDash val="solid"/>
+        </a:ln>
+        <a:effectLst/>
+      </dsp:spPr>
+      <dsp:style>
+        <a:lnRef idx="2">
+          <a:scrgbClr r="0" g="0" b="0"/>
+        </a:lnRef>
+        <a:fillRef idx="0">
+          <a:scrgbClr r="0" g="0" b="0"/>
+        </a:fillRef>
+        <a:effectRef idx="0">
+          <a:scrgbClr r="0" g="0" b="0"/>
+        </a:effectRef>
+        <a:fontRef idx="minor"/>
+      </dsp:style>
+    </dsp:sp>
+    <dsp:sp modelId="{EB26B336-2EE0-F34A-A89F-EB35D51F808C}">
+      <dsp:nvSpPr>
+        <dsp:cNvPr id="0" name=""/>
+        <dsp:cNvSpPr/>
+      </dsp:nvSpPr>
+      <dsp:spPr>
+        <a:xfrm>
+          <a:off x="402328" y="2111886"/>
+          <a:ext cx="1216861" cy="524022"/>
+        </a:xfrm>
+        <a:custGeom>
+          <a:avLst/>
+          <a:gdLst/>
+          <a:ahLst/>
+          <a:cxnLst/>
+          <a:rect l="0" t="0" r="0" b="0"/>
+          <a:pathLst>
+            <a:path>
+              <a:moveTo>
+                <a:pt x="1216861" y="0"/>
+              </a:moveTo>
+              <a:lnTo>
+                <a:pt x="1216861" y="428182"/>
+              </a:lnTo>
+              <a:lnTo>
+                <a:pt x="0" y="428182"/>
+              </a:lnTo>
+              <a:lnTo>
+                <a:pt x="0" y="524022"/>
+              </a:lnTo>
+            </a:path>
+          </a:pathLst>
+        </a:custGeom>
+        <a:noFill/>
+        <a:ln w="15875" cap="flat" cmpd="sng" algn="ctr">
+          <a:solidFill>
+            <a:schemeClr val="accent1">
+              <a:shade val="80000"/>
+              <a:hueOff val="0"/>
+              <a:satOff val="0"/>
+              <a:lumOff val="0"/>
+              <a:alphaOff val="0"/>
+            </a:schemeClr>
+          </a:solidFill>
+          <a:prstDash val="solid"/>
+        </a:ln>
+        <a:effectLst/>
+      </dsp:spPr>
+      <dsp:style>
+        <a:lnRef idx="2">
+          <a:scrgbClr r="0" g="0" b="0"/>
+        </a:lnRef>
+        <a:fillRef idx="0">
+          <a:scrgbClr r="0" g="0" b="0"/>
+        </a:fillRef>
+        <a:effectRef idx="0">
+          <a:scrgbClr r="0" g="0" b="0"/>
+        </a:effectRef>
+        <a:fontRef idx="minor"/>
+      </dsp:style>
+    </dsp:sp>
+    <dsp:sp modelId="{695EB03D-A76C-C74A-8B29-B0C048F94D39}">
+      <dsp:nvSpPr>
+        <dsp:cNvPr id="0" name=""/>
+        <dsp:cNvSpPr/>
+      </dsp:nvSpPr>
+      <dsp:spPr>
+        <a:xfrm>
+          <a:off x="1619190" y="963108"/>
+          <a:ext cx="3794814" cy="491832"/>
+        </a:xfrm>
+        <a:custGeom>
+          <a:avLst/>
+          <a:gdLst/>
+          <a:ahLst/>
+          <a:cxnLst/>
+          <a:rect l="0" t="0" r="0" b="0"/>
+          <a:pathLst>
+            <a:path>
+              <a:moveTo>
+                <a:pt x="3794814" y="0"/>
+              </a:moveTo>
+              <a:lnTo>
+                <a:pt x="3794814" y="395991"/>
+              </a:lnTo>
+              <a:lnTo>
+                <a:pt x="0" y="395991"/>
+              </a:lnTo>
+              <a:lnTo>
+                <a:pt x="0" y="491832"/>
+              </a:lnTo>
+            </a:path>
+          </a:pathLst>
+        </a:custGeom>
+        <a:noFill/>
+        <a:ln w="15875" cap="flat" cmpd="sng" algn="ctr">
+          <a:solidFill>
+            <a:schemeClr val="accent1">
+              <a:shade val="60000"/>
+              <a:hueOff val="0"/>
+              <a:satOff val="0"/>
+              <a:lumOff val="0"/>
+              <a:alphaOff val="0"/>
+            </a:schemeClr>
+          </a:solidFill>
+          <a:prstDash val="solid"/>
+        </a:ln>
+        <a:effectLst/>
+      </dsp:spPr>
+      <dsp:style>
+        <a:lnRef idx="2">
+          <a:scrgbClr r="0" g="0" b="0"/>
+        </a:lnRef>
+        <a:fillRef idx="0">
+          <a:scrgbClr r="0" g="0" b="0"/>
+        </a:fillRef>
+        <a:effectRef idx="0">
+          <a:scrgbClr r="0" g="0" b="0"/>
+        </a:effectRef>
+        <a:fontRef idx="minor"/>
+      </dsp:style>
+    </dsp:sp>
+    <dsp:sp modelId="{594CEE1B-C9C9-B14F-A4D7-BB7A532ED2D2}">
+      <dsp:nvSpPr>
+        <dsp:cNvPr id="0" name=""/>
+        <dsp:cNvSpPr/>
+      </dsp:nvSpPr>
+      <dsp:spPr>
+        <a:xfrm>
+          <a:off x="4896724" y="306162"/>
+          <a:ext cx="1034560" cy="656945"/>
+        </a:xfrm>
+        <a:prstGeom prst="roundRect">
+          <a:avLst>
+            <a:gd name="adj" fmla="val 10000"/>
+          </a:avLst>
+        </a:prstGeom>
+        <a:solidFill>
+          <a:schemeClr val="accent1">
+            <a:hueOff val="0"/>
+            <a:satOff val="0"/>
+            <a:lumOff val="0"/>
+            <a:alphaOff val="0"/>
+          </a:schemeClr>
+        </a:solidFill>
+        <a:ln w="15875" cap="flat" cmpd="sng" algn="ctr">
+          <a:solidFill>
+            <a:schemeClr val="lt1">
+              <a:hueOff val="0"/>
+              <a:satOff val="0"/>
+              <a:lumOff val="0"/>
+              <a:alphaOff val="0"/>
+            </a:schemeClr>
+          </a:solidFill>
+          <a:prstDash val="solid"/>
+        </a:ln>
+        <a:effectLst/>
+      </dsp:spPr>
+      <dsp:style>
+        <a:lnRef idx="2">
+          <a:scrgbClr r="0" g="0" b="0"/>
+        </a:lnRef>
+        <a:fillRef idx="1">
+          <a:scrgbClr r="0" g="0" b="0"/>
+        </a:fillRef>
+        <a:effectRef idx="0">
+          <a:scrgbClr r="0" g="0" b="0"/>
+        </a:effectRef>
+        <a:fontRef idx="minor">
+          <a:schemeClr val="lt1"/>
+        </a:fontRef>
+      </dsp:style>
+    </dsp:sp>
+    <dsp:sp modelId="{F0256042-93B2-7C4D-9272-2EAE59863D8D}">
+      <dsp:nvSpPr>
+        <dsp:cNvPr id="0" name=""/>
+        <dsp:cNvSpPr/>
+      </dsp:nvSpPr>
+      <dsp:spPr>
+        <a:xfrm>
+          <a:off x="5011676" y="415366"/>
+          <a:ext cx="1034560" cy="656945"/>
+        </a:xfrm>
+        <a:prstGeom prst="roundRect">
+          <a:avLst>
+            <a:gd name="adj" fmla="val 10000"/>
+          </a:avLst>
+        </a:prstGeom>
+        <a:solidFill>
+          <a:schemeClr val="lt1">
+            <a:alpha val="90000"/>
+            <a:hueOff val="0"/>
+            <a:satOff val="0"/>
+            <a:lumOff val="0"/>
+            <a:alphaOff val="0"/>
+          </a:schemeClr>
+        </a:solidFill>
+        <a:ln w="15875" cap="flat" cmpd="sng" algn="ctr">
+          <a:solidFill>
+            <a:schemeClr val="accent1">
+              <a:hueOff val="0"/>
+              <a:satOff val="0"/>
+              <a:lumOff val="0"/>
+              <a:alphaOff val="0"/>
+            </a:schemeClr>
+          </a:solidFill>
+          <a:prstDash val="solid"/>
+        </a:ln>
+        <a:effectLst/>
+      </dsp:spPr>
+      <dsp:style>
+        <a:lnRef idx="2">
+          <a:scrgbClr r="0" g="0" b="0"/>
+        </a:lnRef>
+        <a:fillRef idx="1">
+          <a:scrgbClr r="0" g="0" b="0"/>
+        </a:fillRef>
+        <a:effectRef idx="0">
+          <a:scrgbClr r="0" g="0" b="0"/>
+        </a:effectRef>
+        <a:fontRef idx="minor"/>
+      </dsp:style>
+      <dsp:txBody>
+        <a:bodyPr spcFirstLastPara="0" vert="horz" wrap="square" lIns="34290" tIns="34290" rIns="34290" bIns="34290" numCol="1" spcCol="1270" anchor="ctr" anchorCtr="0">
+          <a:noAutofit/>
+        </a:bodyPr>
+        <a:lstStyle/>
+        <a:p>
+          <a:pPr marL="0" lvl="0" indent="0" algn="ctr" defTabSz="400050">
+            <a:lnSpc>
+              <a:spcPct val="90000"/>
+            </a:lnSpc>
+            <a:spcBef>
+              <a:spcPct val="0"/>
+            </a:spcBef>
+            <a:spcAft>
+              <a:spcPct val="35000"/>
+            </a:spcAft>
+            <a:buNone/>
+          </a:pPr>
+          <a:r>
+            <a:rPr lang="en-US" sz="900" kern="1200" dirty="0"/>
+            <a:t>Final Meta (Random Forest)</a:t>
+          </a:r>
+        </a:p>
+      </dsp:txBody>
+      <dsp:txXfrm>
+        <a:off x="5030917" y="434607"/>
+        <a:ext cx="996078" cy="618463"/>
+      </dsp:txXfrm>
+    </dsp:sp>
+    <dsp:sp modelId="{A773D581-B7A0-D948-8821-E8EF4A713759}">
+      <dsp:nvSpPr>
+        <dsp:cNvPr id="0" name=""/>
+        <dsp:cNvSpPr/>
+      </dsp:nvSpPr>
+      <dsp:spPr>
+        <a:xfrm>
+          <a:off x="1101910" y="1454940"/>
+          <a:ext cx="1034560" cy="656945"/>
+        </a:xfrm>
+        <a:prstGeom prst="roundRect">
+          <a:avLst>
+            <a:gd name="adj" fmla="val 10000"/>
+          </a:avLst>
+        </a:prstGeom>
+        <a:solidFill>
+          <a:schemeClr val="accent1">
+            <a:hueOff val="0"/>
+            <a:satOff val="0"/>
+            <a:lumOff val="0"/>
+            <a:alphaOff val="0"/>
+          </a:schemeClr>
+        </a:solidFill>
+        <a:ln w="15875" cap="flat" cmpd="sng" algn="ctr">
+          <a:solidFill>
+            <a:schemeClr val="lt1">
+              <a:hueOff val="0"/>
+              <a:satOff val="0"/>
+              <a:lumOff val="0"/>
+              <a:alphaOff val="0"/>
+            </a:schemeClr>
+          </a:solidFill>
+          <a:prstDash val="solid"/>
+        </a:ln>
+        <a:effectLst/>
+      </dsp:spPr>
+      <dsp:style>
+        <a:lnRef idx="2">
+          <a:scrgbClr r="0" g="0" b="0"/>
+        </a:lnRef>
+        <a:fillRef idx="1">
+          <a:scrgbClr r="0" g="0" b="0"/>
+        </a:fillRef>
+        <a:effectRef idx="0">
+          <a:scrgbClr r="0" g="0" b="0"/>
+        </a:effectRef>
+        <a:fontRef idx="minor">
+          <a:schemeClr val="lt1"/>
+        </a:fontRef>
+      </dsp:style>
+    </dsp:sp>
+    <dsp:sp modelId="{C068B677-A4DD-6944-8F45-70B5902E0866}">
+      <dsp:nvSpPr>
+        <dsp:cNvPr id="0" name=""/>
+        <dsp:cNvSpPr/>
+      </dsp:nvSpPr>
+      <dsp:spPr>
+        <a:xfrm>
+          <a:off x="1216861" y="1564144"/>
+          <a:ext cx="1034560" cy="656945"/>
+        </a:xfrm>
+        <a:prstGeom prst="roundRect">
+          <a:avLst>
+            <a:gd name="adj" fmla="val 10000"/>
+          </a:avLst>
+        </a:prstGeom>
+        <a:solidFill>
+          <a:schemeClr val="lt1">
+            <a:alpha val="90000"/>
+            <a:hueOff val="0"/>
+            <a:satOff val="0"/>
+            <a:lumOff val="0"/>
+            <a:alphaOff val="0"/>
+          </a:schemeClr>
+        </a:solidFill>
+        <a:ln w="15875" cap="flat" cmpd="sng" algn="ctr">
+          <a:solidFill>
+            <a:schemeClr val="accent1">
+              <a:hueOff val="0"/>
+              <a:satOff val="0"/>
+              <a:lumOff val="0"/>
+              <a:alphaOff val="0"/>
+            </a:schemeClr>
+          </a:solidFill>
+          <a:prstDash val="solid"/>
+        </a:ln>
+        <a:effectLst/>
+      </dsp:spPr>
+      <dsp:style>
+        <a:lnRef idx="2">
+          <a:scrgbClr r="0" g="0" b="0"/>
+        </a:lnRef>
+        <a:fillRef idx="1">
+          <a:scrgbClr r="0" g="0" b="0"/>
+        </a:fillRef>
+        <a:effectRef idx="0">
+          <a:scrgbClr r="0" g="0" b="0"/>
+        </a:effectRef>
+        <a:fontRef idx="minor"/>
+      </dsp:style>
+      <dsp:txBody>
+        <a:bodyPr spcFirstLastPara="0" vert="horz" wrap="square" lIns="34290" tIns="34290" rIns="34290" bIns="34290" numCol="1" spcCol="1270" anchor="ctr" anchorCtr="0">
+          <a:noAutofit/>
+        </a:bodyPr>
+        <a:lstStyle/>
+        <a:p>
+          <a:pPr marL="0" lvl="0" indent="0" algn="ctr" defTabSz="400050">
+            <a:lnSpc>
+              <a:spcPct val="90000"/>
+            </a:lnSpc>
+            <a:spcBef>
+              <a:spcPct val="0"/>
+            </a:spcBef>
+            <a:spcAft>
+              <a:spcPct val="35000"/>
+            </a:spcAft>
+            <a:buNone/>
+          </a:pPr>
+          <a:r>
+            <a:rPr lang="en-US" sz="900" kern="1200" dirty="0"/>
+            <a:t>Functional Probabilities</a:t>
+          </a:r>
+        </a:p>
+      </dsp:txBody>
+      <dsp:txXfrm>
+        <a:off x="1236102" y="1583385"/>
+        <a:ext cx="996078" cy="618463"/>
+      </dsp:txXfrm>
+    </dsp:sp>
+    <dsp:sp modelId="{747B9D55-CC83-5B43-8FA0-6C2316B3F451}">
+      <dsp:nvSpPr>
+        <dsp:cNvPr id="0" name=""/>
+        <dsp:cNvSpPr/>
+      </dsp:nvSpPr>
+      <dsp:spPr>
+        <a:xfrm>
+          <a:off x="-114951" y="2635908"/>
+          <a:ext cx="1034560" cy="656945"/>
+        </a:xfrm>
+        <a:prstGeom prst="roundRect">
+          <a:avLst>
+            <a:gd name="adj" fmla="val 10000"/>
+          </a:avLst>
+        </a:prstGeom>
+        <a:solidFill>
+          <a:schemeClr val="accent1">
+            <a:hueOff val="0"/>
+            <a:satOff val="0"/>
+            <a:lumOff val="0"/>
+            <a:alphaOff val="0"/>
+          </a:schemeClr>
+        </a:solidFill>
+        <a:ln w="15875" cap="flat" cmpd="sng" algn="ctr">
+          <a:solidFill>
+            <a:schemeClr val="lt1">
+              <a:hueOff val="0"/>
+              <a:satOff val="0"/>
+              <a:lumOff val="0"/>
+              <a:alphaOff val="0"/>
+            </a:schemeClr>
+          </a:solidFill>
+          <a:prstDash val="solid"/>
+        </a:ln>
+        <a:effectLst/>
+      </dsp:spPr>
+      <dsp:style>
+        <a:lnRef idx="2">
+          <a:scrgbClr r="0" g="0" b="0"/>
+        </a:lnRef>
+        <a:fillRef idx="1">
+          <a:scrgbClr r="0" g="0" b="0"/>
+        </a:fillRef>
+        <a:effectRef idx="0">
+          <a:scrgbClr r="0" g="0" b="0"/>
+        </a:effectRef>
+        <a:fontRef idx="minor">
+          <a:schemeClr val="lt1"/>
+        </a:fontRef>
+      </dsp:style>
+    </dsp:sp>
+    <dsp:sp modelId="{90E41B06-EC1E-0947-927B-BE4A9C8D285F}">
+      <dsp:nvSpPr>
+        <dsp:cNvPr id="0" name=""/>
+        <dsp:cNvSpPr/>
+      </dsp:nvSpPr>
+      <dsp:spPr>
+        <a:xfrm>
+          <a:off x="0" y="2745112"/>
+          <a:ext cx="1034560" cy="656945"/>
+        </a:xfrm>
+        <a:prstGeom prst="roundRect">
+          <a:avLst>
+            <a:gd name="adj" fmla="val 10000"/>
+          </a:avLst>
+        </a:prstGeom>
+        <a:solidFill>
+          <a:schemeClr val="lt1">
+            <a:alpha val="90000"/>
+            <a:hueOff val="0"/>
+            <a:satOff val="0"/>
+            <a:lumOff val="0"/>
+            <a:alphaOff val="0"/>
+          </a:schemeClr>
+        </a:solidFill>
+        <a:ln w="15875" cap="flat" cmpd="sng" algn="ctr">
+          <a:solidFill>
+            <a:schemeClr val="accent1">
+              <a:hueOff val="0"/>
+              <a:satOff val="0"/>
+              <a:lumOff val="0"/>
+              <a:alphaOff val="0"/>
+            </a:schemeClr>
+          </a:solidFill>
+          <a:prstDash val="solid"/>
+        </a:ln>
+        <a:effectLst/>
+      </dsp:spPr>
+      <dsp:style>
+        <a:lnRef idx="2">
+          <a:scrgbClr r="0" g="0" b="0"/>
+        </a:lnRef>
+        <a:fillRef idx="1">
+          <a:scrgbClr r="0" g="0" b="0"/>
+        </a:fillRef>
+        <a:effectRef idx="0">
+          <a:scrgbClr r="0" g="0" b="0"/>
+        </a:effectRef>
+        <a:fontRef idx="minor"/>
+      </dsp:style>
+      <dsp:txBody>
+        <a:bodyPr spcFirstLastPara="0" vert="horz" wrap="square" lIns="34290" tIns="34290" rIns="34290" bIns="34290" numCol="1" spcCol="1270" anchor="ctr" anchorCtr="0">
+          <a:noAutofit/>
+        </a:bodyPr>
+        <a:lstStyle/>
+        <a:p>
+          <a:pPr marL="0" lvl="0" indent="0" algn="ctr" defTabSz="400050">
+            <a:lnSpc>
+              <a:spcPct val="90000"/>
+            </a:lnSpc>
+            <a:spcBef>
+              <a:spcPct val="0"/>
+            </a:spcBef>
+            <a:spcAft>
+              <a:spcPct val="35000"/>
+            </a:spcAft>
+            <a:buNone/>
+          </a:pPr>
+          <a:r>
+            <a:rPr lang="en-US" sz="900" kern="1200" dirty="0"/>
+            <a:t>Random Forest</a:t>
+          </a:r>
+        </a:p>
+        <a:p>
+          <a:pPr marL="0" lvl="0" indent="0" algn="ctr" defTabSz="400050">
+            <a:lnSpc>
+              <a:spcPct val="90000"/>
+            </a:lnSpc>
+            <a:spcBef>
+              <a:spcPct val="0"/>
+            </a:spcBef>
+            <a:spcAft>
+              <a:spcPct val="35000"/>
+            </a:spcAft>
+            <a:buNone/>
+          </a:pPr>
+          <a:r>
+            <a:rPr lang="en-US" sz="900" kern="1200" dirty="0"/>
+            <a:t>Best CV Tuned Score: 0.82</a:t>
+          </a:r>
+        </a:p>
+        <a:p>
+          <a:pPr marL="0" lvl="0" indent="0" algn="ctr" defTabSz="400050">
+            <a:lnSpc>
+              <a:spcPct val="90000"/>
+            </a:lnSpc>
+            <a:spcBef>
+              <a:spcPct val="0"/>
+            </a:spcBef>
+            <a:spcAft>
+              <a:spcPct val="35000"/>
+            </a:spcAft>
+            <a:buNone/>
+          </a:pPr>
+          <a:endParaRPr lang="en-US" sz="900" kern="1200" dirty="0"/>
+        </a:p>
+      </dsp:txBody>
+      <dsp:txXfrm>
+        <a:off x="19241" y="2764353"/>
+        <a:ext cx="996078" cy="618463"/>
+      </dsp:txXfrm>
+    </dsp:sp>
+    <dsp:sp modelId="{452FA07C-DCCD-DE42-8BAC-A2DBE228B883}">
+      <dsp:nvSpPr>
+        <dsp:cNvPr id="0" name=""/>
+        <dsp:cNvSpPr/>
+      </dsp:nvSpPr>
+      <dsp:spPr>
+        <a:xfrm>
+          <a:off x="1137592" y="2655275"/>
+          <a:ext cx="1034560" cy="656945"/>
+        </a:xfrm>
+        <a:prstGeom prst="roundRect">
+          <a:avLst>
+            <a:gd name="adj" fmla="val 10000"/>
+          </a:avLst>
+        </a:prstGeom>
+        <a:solidFill>
+          <a:schemeClr val="accent1">
+            <a:hueOff val="0"/>
+            <a:satOff val="0"/>
+            <a:lumOff val="0"/>
+            <a:alphaOff val="0"/>
+          </a:schemeClr>
+        </a:solidFill>
+        <a:ln w="15875" cap="flat" cmpd="sng" algn="ctr">
+          <a:solidFill>
+            <a:schemeClr val="lt1">
+              <a:hueOff val="0"/>
+              <a:satOff val="0"/>
+              <a:lumOff val="0"/>
+              <a:alphaOff val="0"/>
+            </a:schemeClr>
+          </a:solidFill>
+          <a:prstDash val="solid"/>
+        </a:ln>
+        <a:effectLst/>
+      </dsp:spPr>
+      <dsp:style>
+        <a:lnRef idx="2">
+          <a:scrgbClr r="0" g="0" b="0"/>
+        </a:lnRef>
+        <a:fillRef idx="1">
+          <a:scrgbClr r="0" g="0" b="0"/>
+        </a:fillRef>
+        <a:effectRef idx="0">
+          <a:scrgbClr r="0" g="0" b="0"/>
+        </a:effectRef>
+        <a:fontRef idx="minor">
+          <a:schemeClr val="lt1"/>
+        </a:fontRef>
+      </dsp:style>
+    </dsp:sp>
+    <dsp:sp modelId="{7435881F-5803-7A4C-95EB-10BE88DCD765}">
+      <dsp:nvSpPr>
+        <dsp:cNvPr id="0" name=""/>
+        <dsp:cNvSpPr/>
+      </dsp:nvSpPr>
+      <dsp:spPr>
+        <a:xfrm>
+          <a:off x="1252543" y="2764479"/>
+          <a:ext cx="1034560" cy="656945"/>
+        </a:xfrm>
+        <a:prstGeom prst="roundRect">
+          <a:avLst>
+            <a:gd name="adj" fmla="val 10000"/>
+          </a:avLst>
+        </a:prstGeom>
+        <a:solidFill>
+          <a:schemeClr val="lt1">
+            <a:alpha val="90000"/>
+            <a:hueOff val="0"/>
+            <a:satOff val="0"/>
+            <a:lumOff val="0"/>
+            <a:alphaOff val="0"/>
+          </a:schemeClr>
+        </a:solidFill>
+        <a:ln w="15875" cap="flat" cmpd="sng" algn="ctr">
+          <a:solidFill>
+            <a:schemeClr val="accent1">
+              <a:hueOff val="0"/>
+              <a:satOff val="0"/>
+              <a:lumOff val="0"/>
+              <a:alphaOff val="0"/>
+            </a:schemeClr>
+          </a:solidFill>
+          <a:prstDash val="solid"/>
+        </a:ln>
+        <a:effectLst/>
+      </dsp:spPr>
+      <dsp:style>
+        <a:lnRef idx="2">
+          <a:scrgbClr r="0" g="0" b="0"/>
+        </a:lnRef>
+        <a:fillRef idx="1">
+          <a:scrgbClr r="0" g="0" b="0"/>
+        </a:fillRef>
+        <a:effectRef idx="0">
+          <a:scrgbClr r="0" g="0" b="0"/>
+        </a:effectRef>
+        <a:fontRef idx="minor"/>
+      </dsp:style>
+      <dsp:txBody>
+        <a:bodyPr spcFirstLastPara="0" vert="horz" wrap="square" lIns="34290" tIns="34290" rIns="34290" bIns="34290" numCol="1" spcCol="1270" anchor="ctr" anchorCtr="0">
+          <a:noAutofit/>
+        </a:bodyPr>
+        <a:lstStyle/>
+        <a:p>
+          <a:pPr marL="0" lvl="0" indent="0" algn="ctr" defTabSz="400050">
+            <a:lnSpc>
+              <a:spcPct val="90000"/>
+            </a:lnSpc>
+            <a:spcBef>
+              <a:spcPct val="0"/>
+            </a:spcBef>
+            <a:spcAft>
+              <a:spcPct val="35000"/>
+            </a:spcAft>
+            <a:buNone/>
+          </a:pPr>
+          <a:r>
+            <a:rPr lang="en-US" sz="900" kern="1200" dirty="0"/>
+            <a:t>KNN</a:t>
+          </a:r>
+        </a:p>
+        <a:p>
+          <a:pPr marL="0" lvl="0" indent="0" algn="ctr" defTabSz="400050">
+            <a:lnSpc>
+              <a:spcPct val="90000"/>
+            </a:lnSpc>
+            <a:spcBef>
+              <a:spcPct val="0"/>
+            </a:spcBef>
+            <a:spcAft>
+              <a:spcPct val="35000"/>
+            </a:spcAft>
+            <a:buNone/>
+          </a:pPr>
+          <a:r>
+            <a:rPr lang="en-US" sz="900" kern="1200" dirty="0"/>
+            <a:t>Best CV Tuned Score: 0.80</a:t>
+          </a:r>
+        </a:p>
+      </dsp:txBody>
+      <dsp:txXfrm>
+        <a:off x="1271784" y="2783720"/>
+        <a:ext cx="996078" cy="618463"/>
+      </dsp:txXfrm>
+    </dsp:sp>
+    <dsp:sp modelId="{FE66FC28-44F1-8842-9BBE-CBC9ED5BE292}">
+      <dsp:nvSpPr>
+        <dsp:cNvPr id="0" name=""/>
+        <dsp:cNvSpPr/>
+      </dsp:nvSpPr>
+      <dsp:spPr>
+        <a:xfrm>
+          <a:off x="2310289" y="2665379"/>
+          <a:ext cx="1034560" cy="656945"/>
+        </a:xfrm>
+        <a:prstGeom prst="roundRect">
+          <a:avLst>
+            <a:gd name="adj" fmla="val 10000"/>
+          </a:avLst>
+        </a:prstGeom>
+        <a:solidFill>
+          <a:schemeClr val="accent1">
+            <a:hueOff val="0"/>
+            <a:satOff val="0"/>
+            <a:lumOff val="0"/>
+            <a:alphaOff val="0"/>
+          </a:schemeClr>
+        </a:solidFill>
+        <a:ln w="15875" cap="flat" cmpd="sng" algn="ctr">
+          <a:solidFill>
+            <a:schemeClr val="lt1">
+              <a:hueOff val="0"/>
+              <a:satOff val="0"/>
+              <a:lumOff val="0"/>
+              <a:alphaOff val="0"/>
+            </a:schemeClr>
+          </a:solidFill>
+          <a:prstDash val="solid"/>
+        </a:ln>
+        <a:effectLst/>
+      </dsp:spPr>
+      <dsp:style>
+        <a:lnRef idx="2">
+          <a:scrgbClr r="0" g="0" b="0"/>
+        </a:lnRef>
+        <a:fillRef idx="1">
+          <a:scrgbClr r="0" g="0" b="0"/>
+        </a:fillRef>
+        <a:effectRef idx="0">
+          <a:scrgbClr r="0" g="0" b="0"/>
+        </a:effectRef>
+        <a:fontRef idx="minor">
+          <a:schemeClr val="lt1"/>
+        </a:fontRef>
+      </dsp:style>
+    </dsp:sp>
+    <dsp:sp modelId="{1BD03DFA-7B98-F64D-BA38-34E9A7D7420B}">
+      <dsp:nvSpPr>
+        <dsp:cNvPr id="0" name=""/>
+        <dsp:cNvSpPr/>
+      </dsp:nvSpPr>
+      <dsp:spPr>
+        <a:xfrm>
+          <a:off x="2425240" y="2774583"/>
+          <a:ext cx="1034560" cy="656945"/>
+        </a:xfrm>
+        <a:prstGeom prst="roundRect">
+          <a:avLst>
+            <a:gd name="adj" fmla="val 10000"/>
+          </a:avLst>
+        </a:prstGeom>
+        <a:solidFill>
+          <a:schemeClr val="lt1">
+            <a:alpha val="90000"/>
+            <a:hueOff val="0"/>
+            <a:satOff val="0"/>
+            <a:lumOff val="0"/>
+            <a:alphaOff val="0"/>
+          </a:schemeClr>
+        </a:solidFill>
+        <a:ln w="15875" cap="flat" cmpd="sng" algn="ctr">
+          <a:solidFill>
+            <a:schemeClr val="accent1">
+              <a:hueOff val="0"/>
+              <a:satOff val="0"/>
+              <a:lumOff val="0"/>
+              <a:alphaOff val="0"/>
+            </a:schemeClr>
+          </a:solidFill>
+          <a:prstDash val="solid"/>
+        </a:ln>
+        <a:effectLst/>
+      </dsp:spPr>
+      <dsp:style>
+        <a:lnRef idx="2">
+          <a:scrgbClr r="0" g="0" b="0"/>
+        </a:lnRef>
+        <a:fillRef idx="1">
+          <a:scrgbClr r="0" g="0" b="0"/>
+        </a:fillRef>
+        <a:effectRef idx="0">
+          <a:scrgbClr r="0" g="0" b="0"/>
+        </a:effectRef>
+        <a:fontRef idx="minor"/>
+      </dsp:style>
+      <dsp:txBody>
+        <a:bodyPr spcFirstLastPara="0" vert="horz" wrap="square" lIns="34290" tIns="34290" rIns="34290" bIns="34290" numCol="1" spcCol="1270" anchor="ctr" anchorCtr="0">
+          <a:noAutofit/>
+        </a:bodyPr>
+        <a:lstStyle/>
+        <a:p>
+          <a:pPr marL="0" lvl="0" indent="0" algn="ctr" defTabSz="400050">
+            <a:lnSpc>
+              <a:spcPct val="90000"/>
+            </a:lnSpc>
+            <a:spcBef>
+              <a:spcPct val="0"/>
+            </a:spcBef>
+            <a:spcAft>
+              <a:spcPct val="35000"/>
+            </a:spcAft>
+            <a:buNone/>
+          </a:pPr>
+          <a:r>
+            <a:rPr lang="en-US" sz="900" kern="1200" dirty="0"/>
+            <a:t>Gradient Boosting</a:t>
+          </a:r>
+        </a:p>
+        <a:p>
+          <a:pPr marL="0" lvl="0" indent="0" algn="ctr" defTabSz="400050">
+            <a:lnSpc>
+              <a:spcPct val="90000"/>
+            </a:lnSpc>
+            <a:spcBef>
+              <a:spcPct val="0"/>
+            </a:spcBef>
+            <a:spcAft>
+              <a:spcPct val="35000"/>
+            </a:spcAft>
+            <a:buNone/>
+          </a:pPr>
+          <a:r>
+            <a:rPr lang="en-US" sz="900" kern="1200" dirty="0"/>
+            <a:t>Best CV Tuned Score: 0.81</a:t>
+          </a:r>
+        </a:p>
+      </dsp:txBody>
+      <dsp:txXfrm>
+        <a:off x="2444481" y="2793824"/>
+        <a:ext cx="996078" cy="618463"/>
+      </dsp:txXfrm>
+    </dsp:sp>
+    <dsp:sp modelId="{47BFCC72-DA7E-5049-A1DC-ECD3465E9F5A}">
+      <dsp:nvSpPr>
+        <dsp:cNvPr id="0" name=""/>
+        <dsp:cNvSpPr/>
+      </dsp:nvSpPr>
+      <dsp:spPr>
+        <a:xfrm>
+          <a:off x="5006564" y="1509348"/>
+          <a:ext cx="1034560" cy="656945"/>
+        </a:xfrm>
+        <a:prstGeom prst="roundRect">
+          <a:avLst>
+            <a:gd name="adj" fmla="val 10000"/>
+          </a:avLst>
+        </a:prstGeom>
+        <a:solidFill>
+          <a:schemeClr val="accent1">
+            <a:hueOff val="0"/>
+            <a:satOff val="0"/>
+            <a:lumOff val="0"/>
+            <a:alphaOff val="0"/>
+          </a:schemeClr>
+        </a:solidFill>
+        <a:ln w="15875" cap="flat" cmpd="sng" algn="ctr">
+          <a:solidFill>
+            <a:schemeClr val="lt1">
+              <a:hueOff val="0"/>
+              <a:satOff val="0"/>
+              <a:lumOff val="0"/>
+              <a:alphaOff val="0"/>
+            </a:schemeClr>
+          </a:solidFill>
+          <a:prstDash val="solid"/>
+        </a:ln>
+        <a:effectLst/>
+      </dsp:spPr>
+      <dsp:style>
+        <a:lnRef idx="2">
+          <a:scrgbClr r="0" g="0" b="0"/>
+        </a:lnRef>
+        <a:fillRef idx="1">
+          <a:scrgbClr r="0" g="0" b="0"/>
+        </a:fillRef>
+        <a:effectRef idx="0">
+          <a:scrgbClr r="0" g="0" b="0"/>
+        </a:effectRef>
+        <a:fontRef idx="minor">
+          <a:schemeClr val="lt1"/>
+        </a:fontRef>
+      </dsp:style>
+    </dsp:sp>
+    <dsp:sp modelId="{30A94DFD-6A70-884A-BDB2-8BDAFD0D10EE}">
+      <dsp:nvSpPr>
+        <dsp:cNvPr id="0" name=""/>
+        <dsp:cNvSpPr/>
+      </dsp:nvSpPr>
+      <dsp:spPr>
+        <a:xfrm>
+          <a:off x="5121515" y="1618552"/>
+          <a:ext cx="1034560" cy="656945"/>
+        </a:xfrm>
+        <a:prstGeom prst="roundRect">
+          <a:avLst>
+            <a:gd name="adj" fmla="val 10000"/>
+          </a:avLst>
+        </a:prstGeom>
+        <a:solidFill>
+          <a:schemeClr val="lt1">
+            <a:alpha val="90000"/>
+            <a:hueOff val="0"/>
+            <a:satOff val="0"/>
+            <a:lumOff val="0"/>
+            <a:alphaOff val="0"/>
+          </a:schemeClr>
+        </a:solidFill>
+        <a:ln w="15875" cap="flat" cmpd="sng" algn="ctr">
+          <a:solidFill>
+            <a:schemeClr val="accent1">
+              <a:hueOff val="0"/>
+              <a:satOff val="0"/>
+              <a:lumOff val="0"/>
+              <a:alphaOff val="0"/>
+            </a:schemeClr>
+          </a:solidFill>
+          <a:prstDash val="solid"/>
+        </a:ln>
+        <a:effectLst/>
+      </dsp:spPr>
+      <dsp:style>
+        <a:lnRef idx="2">
+          <a:scrgbClr r="0" g="0" b="0"/>
+        </a:lnRef>
+        <a:fillRef idx="1">
+          <a:scrgbClr r="0" g="0" b="0"/>
+        </a:fillRef>
+        <a:effectRef idx="0">
+          <a:scrgbClr r="0" g="0" b="0"/>
+        </a:effectRef>
+        <a:fontRef idx="minor"/>
+      </dsp:style>
+      <dsp:txBody>
+        <a:bodyPr spcFirstLastPara="0" vert="horz" wrap="square" lIns="34290" tIns="34290" rIns="34290" bIns="34290" numCol="1" spcCol="1270" anchor="ctr" anchorCtr="0">
+          <a:noAutofit/>
+        </a:bodyPr>
+        <a:lstStyle/>
+        <a:p>
+          <a:pPr marL="0" lvl="0" indent="0" algn="ctr" defTabSz="400050">
+            <a:lnSpc>
+              <a:spcPct val="90000"/>
+            </a:lnSpc>
+            <a:spcBef>
+              <a:spcPct val="0"/>
+            </a:spcBef>
+            <a:spcAft>
+              <a:spcPct val="35000"/>
+            </a:spcAft>
+            <a:buNone/>
+          </a:pPr>
+          <a:r>
+            <a:rPr lang="en-US" sz="900" kern="1200" dirty="0"/>
+            <a:t>Non-Functional Probabilities</a:t>
+          </a:r>
+        </a:p>
+      </dsp:txBody>
+      <dsp:txXfrm>
+        <a:off x="5140756" y="1637793"/>
+        <a:ext cx="996078" cy="618463"/>
+      </dsp:txXfrm>
+    </dsp:sp>
+    <dsp:sp modelId="{D4A50654-84CE-D34A-95C5-CD94B7B5EE96}">
+      <dsp:nvSpPr>
+        <dsp:cNvPr id="0" name=""/>
+        <dsp:cNvSpPr/>
+      </dsp:nvSpPr>
+      <dsp:spPr>
+        <a:xfrm>
+          <a:off x="3627151" y="2649593"/>
+          <a:ext cx="1034560" cy="656945"/>
+        </a:xfrm>
+        <a:prstGeom prst="roundRect">
+          <a:avLst>
+            <a:gd name="adj" fmla="val 10000"/>
+          </a:avLst>
+        </a:prstGeom>
+        <a:solidFill>
+          <a:schemeClr val="accent1">
+            <a:hueOff val="0"/>
+            <a:satOff val="0"/>
+            <a:lumOff val="0"/>
+            <a:alphaOff val="0"/>
+          </a:schemeClr>
+        </a:solidFill>
+        <a:ln w="15875" cap="flat" cmpd="sng" algn="ctr">
+          <a:solidFill>
+            <a:schemeClr val="lt1">
+              <a:hueOff val="0"/>
+              <a:satOff val="0"/>
+              <a:lumOff val="0"/>
+              <a:alphaOff val="0"/>
+            </a:schemeClr>
+          </a:solidFill>
+          <a:prstDash val="solid"/>
+        </a:ln>
+        <a:effectLst/>
+      </dsp:spPr>
+      <dsp:style>
+        <a:lnRef idx="2">
+          <a:scrgbClr r="0" g="0" b="0"/>
+        </a:lnRef>
+        <a:fillRef idx="1">
+          <a:scrgbClr r="0" g="0" b="0"/>
+        </a:fillRef>
+        <a:effectRef idx="0">
+          <a:scrgbClr r="0" g="0" b="0"/>
+        </a:effectRef>
+        <a:fontRef idx="minor">
+          <a:schemeClr val="lt1"/>
+        </a:fontRef>
+      </dsp:style>
+    </dsp:sp>
+    <dsp:sp modelId="{BB9887FB-58CC-814F-909E-55D3C88D82D6}">
+      <dsp:nvSpPr>
+        <dsp:cNvPr id="0" name=""/>
+        <dsp:cNvSpPr/>
+      </dsp:nvSpPr>
+      <dsp:spPr>
+        <a:xfrm>
+          <a:off x="3742103" y="2758796"/>
+          <a:ext cx="1034560" cy="656945"/>
+        </a:xfrm>
+        <a:prstGeom prst="roundRect">
+          <a:avLst>
+            <a:gd name="adj" fmla="val 10000"/>
+          </a:avLst>
+        </a:prstGeom>
+        <a:solidFill>
+          <a:schemeClr val="lt1">
+            <a:alpha val="90000"/>
+            <a:hueOff val="0"/>
+            <a:satOff val="0"/>
+            <a:lumOff val="0"/>
+            <a:alphaOff val="0"/>
+          </a:schemeClr>
+        </a:solidFill>
+        <a:ln w="15875" cap="flat" cmpd="sng" algn="ctr">
+          <a:solidFill>
+            <a:schemeClr val="accent1">
+              <a:hueOff val="0"/>
+              <a:satOff val="0"/>
+              <a:lumOff val="0"/>
+              <a:alphaOff val="0"/>
+            </a:schemeClr>
+          </a:solidFill>
+          <a:prstDash val="solid"/>
+        </a:ln>
+        <a:effectLst/>
+      </dsp:spPr>
+      <dsp:style>
+        <a:lnRef idx="2">
+          <a:scrgbClr r="0" g="0" b="0"/>
+        </a:lnRef>
+        <a:fillRef idx="1">
+          <a:scrgbClr r="0" g="0" b="0"/>
+        </a:fillRef>
+        <a:effectRef idx="0">
+          <a:scrgbClr r="0" g="0" b="0"/>
+        </a:effectRef>
+        <a:fontRef idx="minor"/>
+      </dsp:style>
+      <dsp:txBody>
+        <a:bodyPr spcFirstLastPara="0" vert="horz" wrap="square" lIns="34290" tIns="34290" rIns="34290" bIns="34290" numCol="1" spcCol="1270" anchor="ctr" anchorCtr="0">
+          <a:noAutofit/>
+        </a:bodyPr>
+        <a:lstStyle/>
+        <a:p>
+          <a:pPr marL="0" lvl="0" indent="0" algn="ctr" defTabSz="400050">
+            <a:lnSpc>
+              <a:spcPct val="90000"/>
+            </a:lnSpc>
+            <a:spcBef>
+              <a:spcPct val="0"/>
+            </a:spcBef>
+            <a:spcAft>
+              <a:spcPct val="35000"/>
+            </a:spcAft>
+            <a:buNone/>
+          </a:pPr>
+          <a:r>
+            <a:rPr lang="en-US" sz="900" kern="1200" dirty="0"/>
+            <a:t>Random Forest</a:t>
+          </a:r>
+        </a:p>
+        <a:p>
+          <a:pPr marL="0" lvl="0" indent="0" algn="ctr" defTabSz="400050">
+            <a:lnSpc>
+              <a:spcPct val="90000"/>
+            </a:lnSpc>
+            <a:spcBef>
+              <a:spcPct val="0"/>
+            </a:spcBef>
+            <a:spcAft>
+              <a:spcPct val="35000"/>
+            </a:spcAft>
+            <a:buNone/>
+          </a:pPr>
+          <a:r>
+            <a:rPr lang="en-US" sz="900" kern="1200" dirty="0"/>
+            <a:t>Best CV Tuned Score: 0.86</a:t>
+          </a:r>
+        </a:p>
+      </dsp:txBody>
+      <dsp:txXfrm>
+        <a:off x="3761344" y="2778037"/>
+        <a:ext cx="996078" cy="618463"/>
+      </dsp:txXfrm>
+    </dsp:sp>
+    <dsp:sp modelId="{34D44816-F0E0-8941-BF1A-92FCB9328EA8}">
+      <dsp:nvSpPr>
+        <dsp:cNvPr id="0" name=""/>
+        <dsp:cNvSpPr/>
+      </dsp:nvSpPr>
+      <dsp:spPr>
+        <a:xfrm>
+          <a:off x="4784340" y="2660229"/>
+          <a:ext cx="1034560" cy="656945"/>
+        </a:xfrm>
+        <a:prstGeom prst="roundRect">
+          <a:avLst>
+            <a:gd name="adj" fmla="val 10000"/>
+          </a:avLst>
+        </a:prstGeom>
+        <a:solidFill>
+          <a:schemeClr val="accent1">
+            <a:hueOff val="0"/>
+            <a:satOff val="0"/>
+            <a:lumOff val="0"/>
+            <a:alphaOff val="0"/>
+          </a:schemeClr>
+        </a:solidFill>
+        <a:ln w="15875" cap="flat" cmpd="sng" algn="ctr">
+          <a:solidFill>
+            <a:schemeClr val="lt1">
+              <a:hueOff val="0"/>
+              <a:satOff val="0"/>
+              <a:lumOff val="0"/>
+              <a:alphaOff val="0"/>
+            </a:schemeClr>
+          </a:solidFill>
+          <a:prstDash val="solid"/>
+        </a:ln>
+        <a:effectLst/>
+      </dsp:spPr>
+      <dsp:style>
+        <a:lnRef idx="2">
+          <a:scrgbClr r="0" g="0" b="0"/>
+        </a:lnRef>
+        <a:fillRef idx="1">
+          <a:scrgbClr r="0" g="0" b="0"/>
+        </a:fillRef>
+        <a:effectRef idx="0">
+          <a:scrgbClr r="0" g="0" b="0"/>
+        </a:effectRef>
+        <a:fontRef idx="minor">
+          <a:schemeClr val="lt1"/>
+        </a:fontRef>
+      </dsp:style>
+    </dsp:sp>
+    <dsp:sp modelId="{0212D4A0-516E-FE46-8C07-3163A9540F60}">
+      <dsp:nvSpPr>
+        <dsp:cNvPr id="0" name=""/>
+        <dsp:cNvSpPr/>
+      </dsp:nvSpPr>
+      <dsp:spPr>
+        <a:xfrm>
+          <a:off x="4899291" y="2769432"/>
+          <a:ext cx="1034560" cy="656945"/>
+        </a:xfrm>
+        <a:prstGeom prst="roundRect">
+          <a:avLst>
+            <a:gd name="adj" fmla="val 10000"/>
+          </a:avLst>
+        </a:prstGeom>
+        <a:solidFill>
+          <a:schemeClr val="lt1">
+            <a:alpha val="90000"/>
+            <a:hueOff val="0"/>
+            <a:satOff val="0"/>
+            <a:lumOff val="0"/>
+            <a:alphaOff val="0"/>
+          </a:schemeClr>
+        </a:solidFill>
+        <a:ln w="15875" cap="flat" cmpd="sng" algn="ctr">
+          <a:solidFill>
+            <a:schemeClr val="accent1">
+              <a:hueOff val="0"/>
+              <a:satOff val="0"/>
+              <a:lumOff val="0"/>
+              <a:alphaOff val="0"/>
+            </a:schemeClr>
+          </a:solidFill>
+          <a:prstDash val="solid"/>
+        </a:ln>
+        <a:effectLst/>
+      </dsp:spPr>
+      <dsp:style>
+        <a:lnRef idx="2">
+          <a:scrgbClr r="0" g="0" b="0"/>
+        </a:lnRef>
+        <a:fillRef idx="1">
+          <a:scrgbClr r="0" g="0" b="0"/>
+        </a:fillRef>
+        <a:effectRef idx="0">
+          <a:scrgbClr r="0" g="0" b="0"/>
+        </a:effectRef>
+        <a:fontRef idx="minor"/>
+      </dsp:style>
+      <dsp:txBody>
+        <a:bodyPr spcFirstLastPara="0" vert="horz" wrap="square" lIns="34290" tIns="34290" rIns="34290" bIns="34290" numCol="1" spcCol="1270" anchor="ctr" anchorCtr="0">
+          <a:noAutofit/>
+        </a:bodyPr>
+        <a:lstStyle/>
+        <a:p>
+          <a:pPr marL="0" lvl="0" indent="0" algn="ctr" defTabSz="400050">
+            <a:lnSpc>
+              <a:spcPct val="90000"/>
+            </a:lnSpc>
+            <a:spcBef>
+              <a:spcPct val="0"/>
+            </a:spcBef>
+            <a:spcAft>
+              <a:spcPct val="35000"/>
+            </a:spcAft>
+            <a:buNone/>
+          </a:pPr>
+          <a:r>
+            <a:rPr lang="en-US" sz="900" kern="1200" dirty="0"/>
+            <a:t>KNN</a:t>
+          </a:r>
+        </a:p>
+        <a:p>
+          <a:pPr marL="0" lvl="0" indent="0" algn="ctr" defTabSz="400050">
+            <a:lnSpc>
+              <a:spcPct val="90000"/>
+            </a:lnSpc>
+            <a:spcBef>
+              <a:spcPct val="0"/>
+            </a:spcBef>
+            <a:spcAft>
+              <a:spcPct val="35000"/>
+            </a:spcAft>
+            <a:buNone/>
+          </a:pPr>
+          <a:r>
+            <a:rPr lang="en-US" sz="900" kern="1200" dirty="0"/>
+            <a:t>Best CV Tuned Score: 0.83</a:t>
+          </a:r>
+        </a:p>
+      </dsp:txBody>
+      <dsp:txXfrm>
+        <a:off x="4918532" y="2788673"/>
+        <a:ext cx="996078" cy="618463"/>
+      </dsp:txXfrm>
+    </dsp:sp>
+    <dsp:sp modelId="{5AD6FADD-2A24-284B-9FB9-D8F4970CFD62}">
+      <dsp:nvSpPr>
+        <dsp:cNvPr id="0" name=""/>
+        <dsp:cNvSpPr/>
+      </dsp:nvSpPr>
+      <dsp:spPr>
+        <a:xfrm>
+          <a:off x="6073301" y="2654126"/>
+          <a:ext cx="1034560" cy="656945"/>
+        </a:xfrm>
+        <a:prstGeom prst="roundRect">
+          <a:avLst>
+            <a:gd name="adj" fmla="val 10000"/>
+          </a:avLst>
+        </a:prstGeom>
+        <a:solidFill>
+          <a:schemeClr val="accent1">
+            <a:hueOff val="0"/>
+            <a:satOff val="0"/>
+            <a:lumOff val="0"/>
+            <a:alphaOff val="0"/>
+          </a:schemeClr>
+        </a:solidFill>
+        <a:ln w="15875" cap="flat" cmpd="sng" algn="ctr">
+          <a:solidFill>
+            <a:schemeClr val="lt1">
+              <a:hueOff val="0"/>
+              <a:satOff val="0"/>
+              <a:lumOff val="0"/>
+              <a:alphaOff val="0"/>
+            </a:schemeClr>
+          </a:solidFill>
+          <a:prstDash val="solid"/>
+        </a:ln>
+        <a:effectLst/>
+      </dsp:spPr>
+      <dsp:style>
+        <a:lnRef idx="2">
+          <a:scrgbClr r="0" g="0" b="0"/>
+        </a:lnRef>
+        <a:fillRef idx="1">
+          <a:scrgbClr r="0" g="0" b="0"/>
+        </a:fillRef>
+        <a:effectRef idx="0">
+          <a:scrgbClr r="0" g="0" b="0"/>
+        </a:effectRef>
+        <a:fontRef idx="minor">
+          <a:schemeClr val="lt1"/>
+        </a:fontRef>
+      </dsp:style>
+    </dsp:sp>
+    <dsp:sp modelId="{CC8AD274-B544-0E4A-AB16-D99D6C07316A}">
+      <dsp:nvSpPr>
+        <dsp:cNvPr id="0" name=""/>
+        <dsp:cNvSpPr/>
+      </dsp:nvSpPr>
+      <dsp:spPr>
+        <a:xfrm>
+          <a:off x="6188252" y="2763329"/>
+          <a:ext cx="1034560" cy="656945"/>
+        </a:xfrm>
+        <a:prstGeom prst="roundRect">
+          <a:avLst>
+            <a:gd name="adj" fmla="val 10000"/>
+          </a:avLst>
+        </a:prstGeom>
+        <a:solidFill>
+          <a:schemeClr val="lt1">
+            <a:alpha val="90000"/>
+            <a:hueOff val="0"/>
+            <a:satOff val="0"/>
+            <a:lumOff val="0"/>
+            <a:alphaOff val="0"/>
+          </a:schemeClr>
+        </a:solidFill>
+        <a:ln w="15875" cap="flat" cmpd="sng" algn="ctr">
+          <a:solidFill>
+            <a:schemeClr val="accent1">
+              <a:hueOff val="0"/>
+              <a:satOff val="0"/>
+              <a:lumOff val="0"/>
+              <a:alphaOff val="0"/>
+            </a:schemeClr>
+          </a:solidFill>
+          <a:prstDash val="solid"/>
+        </a:ln>
+        <a:effectLst/>
+      </dsp:spPr>
+      <dsp:style>
+        <a:lnRef idx="2">
+          <a:scrgbClr r="0" g="0" b="0"/>
+        </a:lnRef>
+        <a:fillRef idx="1">
+          <a:scrgbClr r="0" g="0" b="0"/>
+        </a:fillRef>
+        <a:effectRef idx="0">
+          <a:scrgbClr r="0" g="0" b="0"/>
+        </a:effectRef>
+        <a:fontRef idx="minor"/>
+      </dsp:style>
+      <dsp:txBody>
+        <a:bodyPr spcFirstLastPara="0" vert="horz" wrap="square" lIns="34290" tIns="34290" rIns="34290" bIns="34290" numCol="1" spcCol="1270" anchor="ctr" anchorCtr="0">
+          <a:noAutofit/>
+        </a:bodyPr>
+        <a:lstStyle/>
+        <a:p>
+          <a:pPr marL="0" lvl="0" indent="0" algn="ctr" defTabSz="400050">
+            <a:lnSpc>
+              <a:spcPct val="90000"/>
+            </a:lnSpc>
+            <a:spcBef>
+              <a:spcPct val="0"/>
+            </a:spcBef>
+            <a:spcAft>
+              <a:spcPct val="35000"/>
+            </a:spcAft>
+            <a:buNone/>
+          </a:pPr>
+          <a:r>
+            <a:rPr lang="en-US" sz="900" kern="1200" dirty="0"/>
+            <a:t>Gradient Boosting</a:t>
+          </a:r>
+        </a:p>
+        <a:p>
+          <a:pPr marL="0" lvl="0" indent="0" algn="ctr" defTabSz="400050">
+            <a:lnSpc>
+              <a:spcPct val="90000"/>
+            </a:lnSpc>
+            <a:spcBef>
+              <a:spcPct val="0"/>
+            </a:spcBef>
+            <a:spcAft>
+              <a:spcPct val="35000"/>
+            </a:spcAft>
+            <a:buNone/>
+          </a:pPr>
+          <a:r>
+            <a:rPr lang="en-US" sz="900" kern="1200" dirty="0"/>
+            <a:t>Best CV Tuned Score: 0.84</a:t>
+          </a:r>
+        </a:p>
+      </dsp:txBody>
+      <dsp:txXfrm>
+        <a:off x="6207493" y="2782570"/>
+        <a:ext cx="996078" cy="618463"/>
+      </dsp:txXfrm>
+    </dsp:sp>
+    <dsp:sp modelId="{E3FBF221-4539-D549-A633-F0256F0574CD}">
+      <dsp:nvSpPr>
+        <dsp:cNvPr id="0" name=""/>
+        <dsp:cNvSpPr/>
+      </dsp:nvSpPr>
+      <dsp:spPr>
+        <a:xfrm>
+          <a:off x="8897944" y="1464867"/>
+          <a:ext cx="1034560" cy="656945"/>
+        </a:xfrm>
+        <a:prstGeom prst="roundRect">
+          <a:avLst>
+            <a:gd name="adj" fmla="val 10000"/>
+          </a:avLst>
+        </a:prstGeom>
+        <a:solidFill>
+          <a:schemeClr val="accent1">
+            <a:hueOff val="0"/>
+            <a:satOff val="0"/>
+            <a:lumOff val="0"/>
+            <a:alphaOff val="0"/>
+          </a:schemeClr>
+        </a:solidFill>
+        <a:ln w="15875" cap="flat" cmpd="sng" algn="ctr">
+          <a:solidFill>
+            <a:schemeClr val="lt1">
+              <a:hueOff val="0"/>
+              <a:satOff val="0"/>
+              <a:lumOff val="0"/>
+              <a:alphaOff val="0"/>
+            </a:schemeClr>
+          </a:solidFill>
+          <a:prstDash val="solid"/>
+        </a:ln>
+        <a:effectLst/>
+      </dsp:spPr>
+      <dsp:style>
+        <a:lnRef idx="2">
+          <a:scrgbClr r="0" g="0" b="0"/>
+        </a:lnRef>
+        <a:fillRef idx="1">
+          <a:scrgbClr r="0" g="0" b="0"/>
+        </a:fillRef>
+        <a:effectRef idx="0">
+          <a:scrgbClr r="0" g="0" b="0"/>
+        </a:effectRef>
+        <a:fontRef idx="minor">
+          <a:schemeClr val="lt1"/>
+        </a:fontRef>
+      </dsp:style>
+    </dsp:sp>
+    <dsp:sp modelId="{FA440118-0D7C-174C-BC31-6E19B68F917D}">
+      <dsp:nvSpPr>
+        <dsp:cNvPr id="0" name=""/>
+        <dsp:cNvSpPr/>
+      </dsp:nvSpPr>
+      <dsp:spPr>
+        <a:xfrm>
+          <a:off x="9012895" y="1574070"/>
+          <a:ext cx="1034560" cy="656945"/>
+        </a:xfrm>
+        <a:prstGeom prst="roundRect">
+          <a:avLst>
+            <a:gd name="adj" fmla="val 10000"/>
+          </a:avLst>
+        </a:prstGeom>
+        <a:solidFill>
+          <a:schemeClr val="lt1">
+            <a:alpha val="90000"/>
+            <a:hueOff val="0"/>
+            <a:satOff val="0"/>
+            <a:lumOff val="0"/>
+            <a:alphaOff val="0"/>
+          </a:schemeClr>
+        </a:solidFill>
+        <a:ln w="15875" cap="flat" cmpd="sng" algn="ctr">
+          <a:solidFill>
+            <a:schemeClr val="accent1">
+              <a:hueOff val="0"/>
+              <a:satOff val="0"/>
+              <a:lumOff val="0"/>
+              <a:alphaOff val="0"/>
+            </a:schemeClr>
+          </a:solidFill>
+          <a:prstDash val="solid"/>
+        </a:ln>
+        <a:effectLst/>
+      </dsp:spPr>
+      <dsp:style>
+        <a:lnRef idx="2">
+          <a:scrgbClr r="0" g="0" b="0"/>
+        </a:lnRef>
+        <a:fillRef idx="1">
+          <a:scrgbClr r="0" g="0" b="0"/>
+        </a:fillRef>
+        <a:effectRef idx="0">
+          <a:scrgbClr r="0" g="0" b="0"/>
+        </a:effectRef>
+        <a:fontRef idx="minor"/>
+      </dsp:style>
+      <dsp:txBody>
+        <a:bodyPr spcFirstLastPara="0" vert="horz" wrap="square" lIns="34290" tIns="34290" rIns="34290" bIns="34290" numCol="1" spcCol="1270" anchor="ctr" anchorCtr="0">
+          <a:noAutofit/>
+        </a:bodyPr>
+        <a:lstStyle/>
+        <a:p>
+          <a:pPr marL="0" lvl="0" indent="0" algn="ctr" defTabSz="400050">
+            <a:lnSpc>
+              <a:spcPct val="90000"/>
+            </a:lnSpc>
+            <a:spcBef>
+              <a:spcPct val="0"/>
+            </a:spcBef>
+            <a:spcAft>
+              <a:spcPct val="35000"/>
+            </a:spcAft>
+            <a:buNone/>
+          </a:pPr>
+          <a:r>
+            <a:rPr lang="en-US" sz="900" kern="1200" dirty="0"/>
+            <a:t>Functional with Repair Probabilities</a:t>
+          </a:r>
+        </a:p>
+      </dsp:txBody>
+      <dsp:txXfrm>
+        <a:off x="9032136" y="1593311"/>
+        <a:ext cx="996078" cy="618463"/>
+      </dsp:txXfrm>
+    </dsp:sp>
+    <dsp:sp modelId="{3EAA42E1-6A37-1C43-A32D-17541C65A781}">
+      <dsp:nvSpPr>
+        <dsp:cNvPr id="0" name=""/>
+        <dsp:cNvSpPr/>
+      </dsp:nvSpPr>
+      <dsp:spPr>
+        <a:xfrm>
+          <a:off x="7592969" y="2660229"/>
+          <a:ext cx="1034560" cy="656945"/>
+        </a:xfrm>
+        <a:prstGeom prst="roundRect">
+          <a:avLst>
+            <a:gd name="adj" fmla="val 10000"/>
+          </a:avLst>
+        </a:prstGeom>
+        <a:solidFill>
+          <a:schemeClr val="accent1">
+            <a:hueOff val="0"/>
+            <a:satOff val="0"/>
+            <a:lumOff val="0"/>
+            <a:alphaOff val="0"/>
+          </a:schemeClr>
+        </a:solidFill>
+        <a:ln w="15875" cap="flat" cmpd="sng" algn="ctr">
+          <a:solidFill>
+            <a:schemeClr val="lt1">
+              <a:hueOff val="0"/>
+              <a:satOff val="0"/>
+              <a:lumOff val="0"/>
+              <a:alphaOff val="0"/>
+            </a:schemeClr>
+          </a:solidFill>
+          <a:prstDash val="solid"/>
+        </a:ln>
+        <a:effectLst/>
+      </dsp:spPr>
+      <dsp:style>
+        <a:lnRef idx="2">
+          <a:scrgbClr r="0" g="0" b="0"/>
+        </a:lnRef>
+        <a:fillRef idx="1">
+          <a:scrgbClr r="0" g="0" b="0"/>
+        </a:fillRef>
+        <a:effectRef idx="0">
+          <a:scrgbClr r="0" g="0" b="0"/>
+        </a:effectRef>
+        <a:fontRef idx="minor">
+          <a:schemeClr val="lt1"/>
+        </a:fontRef>
+      </dsp:style>
+    </dsp:sp>
+    <dsp:sp modelId="{BD436B64-5CDB-B040-972E-038C36AA763C}">
+      <dsp:nvSpPr>
+        <dsp:cNvPr id="0" name=""/>
+        <dsp:cNvSpPr/>
+      </dsp:nvSpPr>
+      <dsp:spPr>
+        <a:xfrm>
+          <a:off x="7707920" y="2769432"/>
+          <a:ext cx="1034560" cy="656945"/>
+        </a:xfrm>
+        <a:prstGeom prst="roundRect">
+          <a:avLst>
+            <a:gd name="adj" fmla="val 10000"/>
+          </a:avLst>
+        </a:prstGeom>
+        <a:solidFill>
+          <a:schemeClr val="lt1">
+            <a:alpha val="90000"/>
+            <a:hueOff val="0"/>
+            <a:satOff val="0"/>
+            <a:lumOff val="0"/>
+            <a:alphaOff val="0"/>
+          </a:schemeClr>
+        </a:solidFill>
+        <a:ln w="15875" cap="flat" cmpd="sng" algn="ctr">
+          <a:solidFill>
+            <a:schemeClr val="accent1">
+              <a:hueOff val="0"/>
+              <a:satOff val="0"/>
+              <a:lumOff val="0"/>
+              <a:alphaOff val="0"/>
+            </a:schemeClr>
+          </a:solidFill>
+          <a:prstDash val="solid"/>
+        </a:ln>
+        <a:effectLst/>
+      </dsp:spPr>
+      <dsp:style>
+        <a:lnRef idx="2">
+          <a:scrgbClr r="0" g="0" b="0"/>
+        </a:lnRef>
+        <a:fillRef idx="1">
+          <a:scrgbClr r="0" g="0" b="0"/>
+        </a:fillRef>
+        <a:effectRef idx="0">
+          <a:scrgbClr r="0" g="0" b="0"/>
+        </a:effectRef>
+        <a:fontRef idx="minor"/>
+      </dsp:style>
+      <dsp:txBody>
+        <a:bodyPr spcFirstLastPara="0" vert="horz" wrap="square" lIns="34290" tIns="34290" rIns="34290" bIns="34290" numCol="1" spcCol="1270" anchor="ctr" anchorCtr="0">
+          <a:noAutofit/>
+        </a:bodyPr>
+        <a:lstStyle/>
+        <a:p>
+          <a:pPr marL="0" lvl="0" indent="0" algn="ctr" defTabSz="400050">
+            <a:lnSpc>
+              <a:spcPct val="90000"/>
+            </a:lnSpc>
+            <a:spcBef>
+              <a:spcPct val="0"/>
+            </a:spcBef>
+            <a:spcAft>
+              <a:spcPct val="35000"/>
+            </a:spcAft>
+            <a:buNone/>
+          </a:pPr>
+          <a:r>
+            <a:rPr lang="en-US" sz="900" kern="1200" dirty="0"/>
+            <a:t>Random Forest</a:t>
+          </a:r>
+        </a:p>
+        <a:p>
+          <a:pPr marL="0" lvl="0" indent="0" algn="ctr" defTabSz="400050">
+            <a:lnSpc>
+              <a:spcPct val="90000"/>
+            </a:lnSpc>
+            <a:spcBef>
+              <a:spcPct val="0"/>
+            </a:spcBef>
+            <a:spcAft>
+              <a:spcPct val="35000"/>
+            </a:spcAft>
+            <a:buNone/>
+          </a:pPr>
+          <a:r>
+            <a:rPr lang="en-US" sz="900" kern="1200" dirty="0"/>
+            <a:t>Best CV Tuned Score: 0.93</a:t>
+          </a:r>
+        </a:p>
+      </dsp:txBody>
+      <dsp:txXfrm>
+        <a:off x="7727161" y="2788673"/>
+        <a:ext cx="996078" cy="618463"/>
+      </dsp:txXfrm>
+    </dsp:sp>
+    <dsp:sp modelId="{F108ADC7-99C0-A545-9C0D-BAB25462C50F}">
+      <dsp:nvSpPr>
+        <dsp:cNvPr id="0" name=""/>
+        <dsp:cNvSpPr/>
+      </dsp:nvSpPr>
+      <dsp:spPr>
+        <a:xfrm>
+          <a:off x="8875691" y="2660229"/>
+          <a:ext cx="1034560" cy="656945"/>
+        </a:xfrm>
+        <a:prstGeom prst="roundRect">
+          <a:avLst>
+            <a:gd name="adj" fmla="val 10000"/>
+          </a:avLst>
+        </a:prstGeom>
+        <a:solidFill>
+          <a:schemeClr val="accent1">
+            <a:hueOff val="0"/>
+            <a:satOff val="0"/>
+            <a:lumOff val="0"/>
+            <a:alphaOff val="0"/>
+          </a:schemeClr>
+        </a:solidFill>
+        <a:ln w="15875" cap="flat" cmpd="sng" algn="ctr">
+          <a:solidFill>
+            <a:schemeClr val="lt1">
+              <a:hueOff val="0"/>
+              <a:satOff val="0"/>
+              <a:lumOff val="0"/>
+              <a:alphaOff val="0"/>
+            </a:schemeClr>
+          </a:solidFill>
+          <a:prstDash val="solid"/>
+        </a:ln>
+        <a:effectLst/>
+      </dsp:spPr>
+      <dsp:style>
+        <a:lnRef idx="2">
+          <a:scrgbClr r="0" g="0" b="0"/>
+        </a:lnRef>
+        <a:fillRef idx="1">
+          <a:scrgbClr r="0" g="0" b="0"/>
+        </a:fillRef>
+        <a:effectRef idx="0">
+          <a:scrgbClr r="0" g="0" b="0"/>
+        </a:effectRef>
+        <a:fontRef idx="minor">
+          <a:schemeClr val="lt1"/>
+        </a:fontRef>
+      </dsp:style>
+    </dsp:sp>
+    <dsp:sp modelId="{F4AA22A8-18C4-FA40-A05B-0B1A3E87A24A}">
+      <dsp:nvSpPr>
+        <dsp:cNvPr id="0" name=""/>
+        <dsp:cNvSpPr/>
+      </dsp:nvSpPr>
+      <dsp:spPr>
+        <a:xfrm>
+          <a:off x="8990642" y="2769432"/>
+          <a:ext cx="1034560" cy="656945"/>
+        </a:xfrm>
+        <a:prstGeom prst="roundRect">
+          <a:avLst>
+            <a:gd name="adj" fmla="val 10000"/>
+          </a:avLst>
+        </a:prstGeom>
+        <a:solidFill>
+          <a:schemeClr val="lt1">
+            <a:alpha val="90000"/>
+            <a:hueOff val="0"/>
+            <a:satOff val="0"/>
+            <a:lumOff val="0"/>
+            <a:alphaOff val="0"/>
+          </a:schemeClr>
+        </a:solidFill>
+        <a:ln w="15875" cap="flat" cmpd="sng" algn="ctr">
+          <a:solidFill>
+            <a:schemeClr val="accent1">
+              <a:hueOff val="0"/>
+              <a:satOff val="0"/>
+              <a:lumOff val="0"/>
+              <a:alphaOff val="0"/>
+            </a:schemeClr>
+          </a:solidFill>
+          <a:prstDash val="solid"/>
+        </a:ln>
+        <a:effectLst/>
+      </dsp:spPr>
+      <dsp:style>
+        <a:lnRef idx="2">
+          <a:scrgbClr r="0" g="0" b="0"/>
+        </a:lnRef>
+        <a:fillRef idx="1">
+          <a:scrgbClr r="0" g="0" b="0"/>
+        </a:fillRef>
+        <a:effectRef idx="0">
+          <a:scrgbClr r="0" g="0" b="0"/>
+        </a:effectRef>
+        <a:fontRef idx="minor"/>
+      </dsp:style>
+      <dsp:txBody>
+        <a:bodyPr spcFirstLastPara="0" vert="horz" wrap="square" lIns="34290" tIns="34290" rIns="34290" bIns="34290" numCol="1" spcCol="1270" anchor="ctr" anchorCtr="0">
+          <a:noAutofit/>
+        </a:bodyPr>
+        <a:lstStyle/>
+        <a:p>
+          <a:pPr marL="0" lvl="0" indent="0" algn="ctr" defTabSz="400050">
+            <a:lnSpc>
+              <a:spcPct val="90000"/>
+            </a:lnSpc>
+            <a:spcBef>
+              <a:spcPct val="0"/>
+            </a:spcBef>
+            <a:spcAft>
+              <a:spcPct val="35000"/>
+            </a:spcAft>
+            <a:buNone/>
+          </a:pPr>
+          <a:r>
+            <a:rPr lang="en-US" sz="900" kern="1200" dirty="0"/>
+            <a:t>KNN</a:t>
+          </a:r>
+        </a:p>
+        <a:p>
+          <a:pPr marL="0" lvl="0" indent="0" algn="ctr" defTabSz="400050">
+            <a:lnSpc>
+              <a:spcPct val="90000"/>
+            </a:lnSpc>
+            <a:spcBef>
+              <a:spcPct val="0"/>
+            </a:spcBef>
+            <a:spcAft>
+              <a:spcPct val="35000"/>
+            </a:spcAft>
+            <a:buNone/>
+          </a:pPr>
+          <a:r>
+            <a:rPr lang="en-US" sz="900" kern="1200" dirty="0"/>
+            <a:t>Best CV Tuned Score: 0.93</a:t>
+          </a:r>
+        </a:p>
+      </dsp:txBody>
+      <dsp:txXfrm>
+        <a:off x="9009883" y="2788673"/>
+        <a:ext cx="996078" cy="618463"/>
+      </dsp:txXfrm>
+    </dsp:sp>
+    <dsp:sp modelId="{3CD5120D-56CC-B846-9157-FFDB7E6507E9}">
+      <dsp:nvSpPr>
+        <dsp:cNvPr id="0" name=""/>
+        <dsp:cNvSpPr/>
+      </dsp:nvSpPr>
+      <dsp:spPr>
+        <a:xfrm>
+          <a:off x="10121893" y="2660229"/>
+          <a:ext cx="1034560" cy="656945"/>
+        </a:xfrm>
+        <a:prstGeom prst="roundRect">
+          <a:avLst>
+            <a:gd name="adj" fmla="val 10000"/>
+          </a:avLst>
+        </a:prstGeom>
+        <a:solidFill>
+          <a:schemeClr val="accent1">
+            <a:hueOff val="0"/>
+            <a:satOff val="0"/>
+            <a:lumOff val="0"/>
+            <a:alphaOff val="0"/>
+          </a:schemeClr>
+        </a:solidFill>
+        <a:ln w="15875" cap="flat" cmpd="sng" algn="ctr">
+          <a:solidFill>
+            <a:schemeClr val="lt1">
+              <a:hueOff val="0"/>
+              <a:satOff val="0"/>
+              <a:lumOff val="0"/>
+              <a:alphaOff val="0"/>
+            </a:schemeClr>
+          </a:solidFill>
+          <a:prstDash val="solid"/>
+        </a:ln>
+        <a:effectLst/>
+      </dsp:spPr>
+      <dsp:style>
+        <a:lnRef idx="2">
+          <a:scrgbClr r="0" g="0" b="0"/>
+        </a:lnRef>
+        <a:fillRef idx="1">
+          <a:scrgbClr r="0" g="0" b="0"/>
+        </a:fillRef>
+        <a:effectRef idx="0">
+          <a:scrgbClr r="0" g="0" b="0"/>
+        </a:effectRef>
+        <a:fontRef idx="minor">
+          <a:schemeClr val="lt1"/>
+        </a:fontRef>
+      </dsp:style>
+    </dsp:sp>
+    <dsp:sp modelId="{0CBC4522-F01E-4D45-B06F-8BC40646D449}">
+      <dsp:nvSpPr>
+        <dsp:cNvPr id="0" name=""/>
+        <dsp:cNvSpPr/>
+      </dsp:nvSpPr>
+      <dsp:spPr>
+        <a:xfrm>
+          <a:off x="10236844" y="2769432"/>
+          <a:ext cx="1034560" cy="656945"/>
+        </a:xfrm>
+        <a:prstGeom prst="roundRect">
+          <a:avLst>
+            <a:gd name="adj" fmla="val 10000"/>
+          </a:avLst>
+        </a:prstGeom>
+        <a:solidFill>
+          <a:schemeClr val="lt1">
+            <a:alpha val="90000"/>
+            <a:hueOff val="0"/>
+            <a:satOff val="0"/>
+            <a:lumOff val="0"/>
+            <a:alphaOff val="0"/>
+          </a:schemeClr>
+        </a:solidFill>
+        <a:ln w="15875" cap="flat" cmpd="sng" algn="ctr">
+          <a:solidFill>
+            <a:schemeClr val="accent1">
+              <a:hueOff val="0"/>
+              <a:satOff val="0"/>
+              <a:lumOff val="0"/>
+              <a:alphaOff val="0"/>
+            </a:schemeClr>
+          </a:solidFill>
+          <a:prstDash val="solid"/>
+        </a:ln>
+        <a:effectLst/>
+      </dsp:spPr>
+      <dsp:style>
+        <a:lnRef idx="2">
+          <a:scrgbClr r="0" g="0" b="0"/>
+        </a:lnRef>
+        <a:fillRef idx="1">
+          <a:scrgbClr r="0" g="0" b="0"/>
+        </a:fillRef>
+        <a:effectRef idx="0">
+          <a:scrgbClr r="0" g="0" b="0"/>
+        </a:effectRef>
+        <a:fontRef idx="minor"/>
+      </dsp:style>
+      <dsp:txBody>
+        <a:bodyPr spcFirstLastPara="0" vert="horz" wrap="square" lIns="34290" tIns="34290" rIns="34290" bIns="34290" numCol="1" spcCol="1270" anchor="ctr" anchorCtr="0">
+          <a:noAutofit/>
+        </a:bodyPr>
+        <a:lstStyle/>
+        <a:p>
+          <a:pPr marL="0" lvl="0" indent="0" algn="ctr" defTabSz="400050">
+            <a:lnSpc>
+              <a:spcPct val="90000"/>
+            </a:lnSpc>
+            <a:spcBef>
+              <a:spcPct val="0"/>
+            </a:spcBef>
+            <a:spcAft>
+              <a:spcPct val="35000"/>
+            </a:spcAft>
+            <a:buNone/>
+          </a:pPr>
+          <a:r>
+            <a:rPr lang="en-US" sz="900" kern="1200" dirty="0"/>
+            <a:t>Gradient Boosting Trees</a:t>
+          </a:r>
+        </a:p>
+        <a:p>
+          <a:pPr marL="0" lvl="0" indent="0" algn="ctr" defTabSz="400050">
+            <a:lnSpc>
+              <a:spcPct val="90000"/>
+            </a:lnSpc>
+            <a:spcBef>
+              <a:spcPct val="0"/>
+            </a:spcBef>
+            <a:spcAft>
+              <a:spcPct val="35000"/>
+            </a:spcAft>
+            <a:buNone/>
+          </a:pPr>
+          <a:r>
+            <a:rPr lang="en-US" sz="900" kern="1200" dirty="0"/>
+            <a:t>Best CV Tuned Score: 0.94</a:t>
+          </a:r>
+        </a:p>
+      </dsp:txBody>
+      <dsp:txXfrm>
+        <a:off x="10256085" y="2788673"/>
+        <a:ext cx="996078" cy="618463"/>
+      </dsp:txXfrm>
+    </dsp:sp>
+  </dsp:spTree>
+</dsp:drawing>
+</file>
+
 <file path=ppt/diagrams/layout1.xml><?xml version="1.0" encoding="utf-8"?>
 <dgm:layoutDef xmlns:dgm="http://schemas.openxmlformats.org/drawingml/2006/diagram" xmlns:a="http://schemas.openxmlformats.org/drawingml/2006/main" uniqueId="urn:microsoft.com/office/officeart/2005/8/layout/list1">
   <dgm:title val=""/>
@@ -8577,6 +12963,569 @@
 </dgm:layoutDef>
 </file>
 
+<file path=ppt/diagrams/layout5.xml><?xml version="1.0" encoding="utf-8"?>
+<dgm:layoutDef xmlns:dgm="http://schemas.openxmlformats.org/drawingml/2006/diagram" xmlns:a="http://schemas.openxmlformats.org/drawingml/2006/main" uniqueId="urn:microsoft.com/office/officeart/2005/8/layout/hierarchy1">
+  <dgm:title val=""/>
+  <dgm:desc val=""/>
+  <dgm:catLst>
+    <dgm:cat type="hierarchy" pri="2000"/>
+  </dgm:catLst>
+  <dgm:sampData>
+    <dgm:dataModel>
+      <dgm:ptLst>
+        <dgm:pt modelId="0" type="doc"/>
+        <dgm:pt modelId="1">
+          <dgm:prSet phldr="1"/>
+        </dgm:pt>
+        <dgm:pt modelId="2">
+          <dgm:prSet phldr="1"/>
+        </dgm:pt>
+        <dgm:pt modelId="21">
+          <dgm:prSet phldr="1"/>
+        </dgm:pt>
+        <dgm:pt modelId="22">
+          <dgm:prSet phldr="1"/>
+        </dgm:pt>
+        <dgm:pt modelId="3">
+          <dgm:prSet phldr="1"/>
+        </dgm:pt>
+        <dgm:pt modelId="31">
+          <dgm:prSet phldr="1"/>
+        </dgm:pt>
+      </dgm:ptLst>
+      <dgm:cxnLst>
+        <dgm:cxn modelId="4" srcId="0" destId="1" srcOrd="0" destOrd="0"/>
+        <dgm:cxn modelId="5" srcId="1" destId="2" srcOrd="0" destOrd="0"/>
+        <dgm:cxn modelId="6" srcId="1" destId="3" srcOrd="1" destOrd="0"/>
+        <dgm:cxn modelId="23" srcId="2" destId="21" srcOrd="0" destOrd="0"/>
+        <dgm:cxn modelId="24" srcId="2" destId="22" srcOrd="1" destOrd="0"/>
+        <dgm:cxn modelId="33" srcId="3" destId="31" srcOrd="0" destOrd="0"/>
+      </dgm:cxnLst>
+      <dgm:bg/>
+      <dgm:whole/>
+    </dgm:dataModel>
+  </dgm:sampData>
+  <dgm:styleData>
+    <dgm:dataModel>
+      <dgm:ptLst>
+        <dgm:pt modelId="0" type="doc"/>
+        <dgm:pt modelId="1"/>
+        <dgm:pt modelId="11"/>
+        <dgm:pt modelId="12"/>
+      </dgm:ptLst>
+      <dgm:cxnLst>
+        <dgm:cxn modelId="2" srcId="0" destId="1" srcOrd="0" destOrd="0"/>
+        <dgm:cxn modelId="13" srcId="1" destId="11" srcOrd="0" destOrd="0"/>
+        <dgm:cxn modelId="14" srcId="1" destId="12" srcOrd="1" destOrd="0"/>
+      </dgm:cxnLst>
+      <dgm:bg/>
+      <dgm:whole/>
+    </dgm:dataModel>
+  </dgm:styleData>
+  <dgm:clrData>
+    <dgm:dataModel>
+      <dgm:ptLst>
+        <dgm:pt modelId="0" type="doc"/>
+        <dgm:pt modelId="1"/>
+        <dgm:pt modelId="2"/>
+        <dgm:pt modelId="21"/>
+        <dgm:pt modelId="211"/>
+        <dgm:pt modelId="3"/>
+        <dgm:pt modelId="31"/>
+        <dgm:pt modelId="311"/>
+      </dgm:ptLst>
+      <dgm:cxnLst>
+        <dgm:cxn modelId="4" srcId="0" destId="1" srcOrd="0" destOrd="0"/>
+        <dgm:cxn modelId="5" srcId="1" destId="2" srcOrd="0" destOrd="0"/>
+        <dgm:cxn modelId="6" srcId="1" destId="3" srcOrd="1" destOrd="0"/>
+        <dgm:cxn modelId="23" srcId="2" destId="21" srcOrd="0" destOrd="0"/>
+        <dgm:cxn modelId="24" srcId="21" destId="211" srcOrd="0" destOrd="0"/>
+        <dgm:cxn modelId="33" srcId="3" destId="31" srcOrd="0" destOrd="0"/>
+        <dgm:cxn modelId="34" srcId="31" destId="311" srcOrd="0" destOrd="0"/>
+      </dgm:cxnLst>
+      <dgm:bg/>
+      <dgm:whole/>
+    </dgm:dataModel>
+  </dgm:clrData>
+  <dgm:layoutNode name="hierChild1">
+    <dgm:varLst>
+      <dgm:chPref val="1"/>
+      <dgm:dir/>
+      <dgm:animOne val="branch"/>
+      <dgm:animLvl val="lvl"/>
+      <dgm:resizeHandles/>
+    </dgm:varLst>
+    <dgm:choose name="Name0">
+      <dgm:if name="Name1" func="var" arg="dir" op="equ" val="norm">
+        <dgm:alg type="hierChild">
+          <dgm:param type="linDir" val="fromL"/>
+        </dgm:alg>
+      </dgm:if>
+      <dgm:else name="Name2">
+        <dgm:alg type="hierChild">
+          <dgm:param type="linDir" val="fromR"/>
+        </dgm:alg>
+      </dgm:else>
+    </dgm:choose>
+    <dgm:shape xmlns:r="http://schemas.openxmlformats.org/officeDocument/2006/relationships" r:blip="">
+      <dgm:adjLst/>
+    </dgm:shape>
+    <dgm:presOf/>
+    <dgm:constrLst>
+      <dgm:constr type="primFontSz" for="des" ptType="node" op="equ" val="65"/>
+      <dgm:constr type="w" for="des" forName="composite" refType="w"/>
+      <dgm:constr type="h" for="des" forName="composite" refType="w" refFor="des" refForName="composite" fact="0.667"/>
+      <dgm:constr type="w" for="des" forName="composite2" refType="w" refFor="des" refForName="composite"/>
+      <dgm:constr type="h" for="des" forName="composite2" refType="h" refFor="des" refForName="composite"/>
+      <dgm:constr type="w" for="des" forName="composite3" refType="w" refFor="des" refForName="composite"/>
+      <dgm:constr type="h" for="des" forName="composite3" refType="h" refFor="des" refForName="composite"/>
+      <dgm:constr type="w" for="des" forName="composite4" refType="w" refFor="des" refForName="composite"/>
+      <dgm:constr type="h" for="des" forName="composite4" refType="h" refFor="des" refForName="composite"/>
+      <dgm:constr type="w" for="des" forName="composite5" refType="w" refFor="des" refForName="composite"/>
+      <dgm:constr type="h" for="des" forName="composite5" refType="h" refFor="des" refForName="composite"/>
+      <dgm:constr type="sibSp" refType="w" refFor="des" refForName="composite" fact="0.1"/>
+      <dgm:constr type="sibSp" for="des" forName="hierChild2" refType="sibSp"/>
+      <dgm:constr type="sibSp" for="des" forName="hierChild3" refType="sibSp"/>
+      <dgm:constr type="sibSp" for="des" forName="hierChild4" refType="sibSp"/>
+      <dgm:constr type="sibSp" for="des" forName="hierChild5" refType="sibSp"/>
+      <dgm:constr type="sibSp" for="des" forName="hierChild6" refType="sibSp"/>
+      <dgm:constr type="sp" for="des" forName="hierRoot1" refType="h" refFor="des" refForName="composite" fact="0.25"/>
+      <dgm:constr type="sp" for="des" forName="hierRoot2" refType="sp" refFor="des" refForName="hierRoot1"/>
+      <dgm:constr type="sp" for="des" forName="hierRoot3" refType="sp" refFor="des" refForName="hierRoot1"/>
+      <dgm:constr type="sp" for="des" forName="hierRoot4" refType="sp" refFor="des" refForName="hierRoot1"/>
+      <dgm:constr type="sp" for="des" forName="hierRoot5" refType="sp" refFor="des" refForName="hierRoot1"/>
+    </dgm:constrLst>
+    <dgm:ruleLst/>
+    <dgm:forEach name="Name3" axis="ch">
+      <dgm:forEach name="Name4" axis="self" ptType="node">
+        <dgm:layoutNode name="hierRoot1">
+          <dgm:alg type="hierRoot"/>
+          <dgm:shape xmlns:r="http://schemas.openxmlformats.org/officeDocument/2006/relationships" r:blip="">
+            <dgm:adjLst/>
+          </dgm:shape>
+          <dgm:presOf/>
+          <dgm:constrLst>
+            <dgm:constr type="bendDist" for="des" ptType="parTrans" refType="sp" fact="0.5"/>
+          </dgm:constrLst>
+          <dgm:ruleLst/>
+          <dgm:layoutNode name="composite">
+            <dgm:alg type="composite"/>
+            <dgm:shape xmlns:r="http://schemas.openxmlformats.org/officeDocument/2006/relationships" r:blip="">
+              <dgm:adjLst/>
+            </dgm:shape>
+            <dgm:presOf/>
+            <dgm:constrLst>
+              <dgm:constr type="w" for="ch" forName="background" refType="w" fact="0.9"/>
+              <dgm:constr type="h" for="ch" forName="background" refType="w" refFor="ch" refForName="background" fact="0.635"/>
+              <dgm:constr type="t" for="ch" forName="background"/>
+              <dgm:constr type="l" for="ch" forName="background"/>
+              <dgm:constr type="w" for="ch" forName="text" refType="w" fact="0.9"/>
+              <dgm:constr type="h" for="ch" forName="text" refType="w" refFor="ch" refForName="text" fact="0.635"/>
+              <dgm:constr type="t" for="ch" forName="text" refType="w" fact="0.095"/>
+              <dgm:constr type="l" for="ch" forName="text" refType="w" fact="0.1"/>
+            </dgm:constrLst>
+            <dgm:ruleLst/>
+            <dgm:layoutNode name="background" styleLbl="node0" moveWith="text">
+              <dgm:alg type="sp"/>
+              <dgm:shape xmlns:r="http://schemas.openxmlformats.org/officeDocument/2006/relationships" type="roundRect" r:blip="">
+                <dgm:adjLst>
+                  <dgm:adj idx="1" val="0.1"/>
+                </dgm:adjLst>
+              </dgm:shape>
+              <dgm:presOf/>
+              <dgm:constrLst/>
+              <dgm:ruleLst/>
+            </dgm:layoutNode>
+            <dgm:layoutNode name="text" styleLbl="fgAcc0">
+              <dgm:varLst>
+                <dgm:chPref val="3"/>
+              </dgm:varLst>
+              <dgm:alg type="tx"/>
+              <dgm:shape xmlns:r="http://schemas.openxmlformats.org/officeDocument/2006/relationships" type="roundRect" r:blip="">
+                <dgm:adjLst>
+                  <dgm:adj idx="1" val="0.1"/>
+                </dgm:adjLst>
+              </dgm:shape>
+              <dgm:presOf axis="self"/>
+              <dgm:constrLst>
+                <dgm:constr type="tMarg" refType="primFontSz" fact="0.3"/>
+                <dgm:constr type="bMarg" refType="primFontSz" fact="0.3"/>
+                <dgm:constr type="lMarg" refType="primFontSz" fact="0.3"/>
+                <dgm:constr type="rMarg" refType="primFontSz" fact="0.3"/>
+              </dgm:constrLst>
+              <dgm:ruleLst>
+                <dgm:rule type="primFontSz" val="5" fact="NaN" max="NaN"/>
+              </dgm:ruleLst>
+            </dgm:layoutNode>
+          </dgm:layoutNode>
+          <dgm:layoutNode name="hierChild2">
+            <dgm:choose name="Name5">
+              <dgm:if name="Name6" func="var" arg="dir" op="equ" val="norm">
+                <dgm:alg type="hierChild">
+                  <dgm:param type="linDir" val="fromL"/>
+                </dgm:alg>
+              </dgm:if>
+              <dgm:else name="Name7">
+                <dgm:alg type="hierChild">
+                  <dgm:param type="linDir" val="fromR"/>
+                </dgm:alg>
+              </dgm:else>
+            </dgm:choose>
+            <dgm:shape xmlns:r="http://schemas.openxmlformats.org/officeDocument/2006/relationships" r:blip="">
+              <dgm:adjLst/>
+            </dgm:shape>
+            <dgm:presOf/>
+            <dgm:constrLst/>
+            <dgm:ruleLst/>
+            <dgm:forEach name="Name8" axis="ch">
+              <dgm:forEach name="Name9" axis="self" ptType="parTrans" cnt="1">
+                <dgm:layoutNode name="Name10">
+                  <dgm:alg type="conn">
+                    <dgm:param type="dim" val="1D"/>
+                    <dgm:param type="endSty" val="noArr"/>
+                    <dgm:param type="connRout" val="bend"/>
+                    <dgm:param type="bendPt" val="end"/>
+                    <dgm:param type="begPts" val="bCtr"/>
+                    <dgm:param type="endPts" val="tCtr"/>
+                    <dgm:param type="srcNode" val="background"/>
+                    <dgm:param type="dstNode" val="background2"/>
+                  </dgm:alg>
+                  <dgm:shape xmlns:r="http://schemas.openxmlformats.org/officeDocument/2006/relationships" type="conn" r:blip="" zOrderOff="-999">
+                    <dgm:adjLst/>
+                  </dgm:shape>
+                  <dgm:presOf axis="self"/>
+                  <dgm:constrLst>
+                    <dgm:constr type="begPad"/>
+                    <dgm:constr type="endPad"/>
+                  </dgm:constrLst>
+                  <dgm:ruleLst/>
+                </dgm:layoutNode>
+              </dgm:forEach>
+              <dgm:forEach name="Name11" axis="self" ptType="node">
+                <dgm:layoutNode name="hierRoot2">
+                  <dgm:alg type="hierRoot"/>
+                  <dgm:shape xmlns:r="http://schemas.openxmlformats.org/officeDocument/2006/relationships" r:blip="">
+                    <dgm:adjLst/>
+                  </dgm:shape>
+                  <dgm:presOf/>
+                  <dgm:constrLst>
+                    <dgm:constr type="bendDist" for="des" ptType="parTrans" refType="sp" fact="0.5"/>
+                  </dgm:constrLst>
+                  <dgm:ruleLst/>
+                  <dgm:layoutNode name="composite2">
+                    <dgm:alg type="composite"/>
+                    <dgm:shape xmlns:r="http://schemas.openxmlformats.org/officeDocument/2006/relationships" r:blip="">
+                      <dgm:adjLst/>
+                    </dgm:shape>
+                    <dgm:presOf/>
+                    <dgm:constrLst>
+                      <dgm:constr type="w" for="ch" forName="background2" refType="w" fact="0.9"/>
+                      <dgm:constr type="h" for="ch" forName="background2" refType="w" refFor="ch" refForName="background2" fact="0.635"/>
+                      <dgm:constr type="t" for="ch" forName="background2"/>
+                      <dgm:constr type="l" for="ch" forName="background2"/>
+                      <dgm:constr type="w" for="ch" forName="text2" refType="w" fact="0.9"/>
+                      <dgm:constr type="h" for="ch" forName="text2" refType="w" refFor="ch" refForName="text2" fact="0.635"/>
+                      <dgm:constr type="t" for="ch" forName="text2" refType="w" fact="0.095"/>
+                      <dgm:constr type="l" for="ch" forName="text2" refType="w" fact="0.1"/>
+                    </dgm:constrLst>
+                    <dgm:ruleLst/>
+                    <dgm:layoutNode name="background2" moveWith="text2">
+                      <dgm:alg type="sp"/>
+                      <dgm:shape xmlns:r="http://schemas.openxmlformats.org/officeDocument/2006/relationships" type="roundRect" r:blip="">
+                        <dgm:adjLst>
+                          <dgm:adj idx="1" val="0.1"/>
+                        </dgm:adjLst>
+                      </dgm:shape>
+                      <dgm:presOf/>
+                      <dgm:constrLst/>
+                      <dgm:ruleLst/>
+                    </dgm:layoutNode>
+                    <dgm:layoutNode name="text2" styleLbl="fgAcc2">
+                      <dgm:varLst>
+                        <dgm:chPref val="3"/>
+                      </dgm:varLst>
+                      <dgm:alg type="tx"/>
+                      <dgm:shape xmlns:r="http://schemas.openxmlformats.org/officeDocument/2006/relationships" type="roundRect" r:blip="">
+                        <dgm:adjLst>
+                          <dgm:adj idx="1" val="0.1"/>
+                        </dgm:adjLst>
+                      </dgm:shape>
+                      <dgm:presOf axis="self"/>
+                      <dgm:constrLst>
+                        <dgm:constr type="tMarg" refType="primFontSz" fact="0.3"/>
+                        <dgm:constr type="bMarg" refType="primFontSz" fact="0.3"/>
+                        <dgm:constr type="lMarg" refType="primFontSz" fact="0.3"/>
+                        <dgm:constr type="rMarg" refType="primFontSz" fact="0.3"/>
+                      </dgm:constrLst>
+                      <dgm:ruleLst>
+                        <dgm:rule type="primFontSz" val="5" fact="NaN" max="NaN"/>
+                      </dgm:ruleLst>
+                    </dgm:layoutNode>
+                  </dgm:layoutNode>
+                  <dgm:layoutNode name="hierChild3">
+                    <dgm:choose name="Name12">
+                      <dgm:if name="Name13" func="var" arg="dir" op="equ" val="norm">
+                        <dgm:alg type="hierChild">
+                          <dgm:param type="linDir" val="fromL"/>
+                        </dgm:alg>
+                      </dgm:if>
+                      <dgm:else name="Name14">
+                        <dgm:alg type="hierChild">
+                          <dgm:param type="linDir" val="fromR"/>
+                        </dgm:alg>
+                      </dgm:else>
+                    </dgm:choose>
+                    <dgm:shape xmlns:r="http://schemas.openxmlformats.org/officeDocument/2006/relationships" r:blip="">
+                      <dgm:adjLst/>
+                    </dgm:shape>
+                    <dgm:presOf/>
+                    <dgm:constrLst/>
+                    <dgm:ruleLst/>
+                    <dgm:forEach name="Name15" axis="ch">
+                      <dgm:forEach name="Name16" axis="self" ptType="parTrans" cnt="1">
+                        <dgm:layoutNode name="Name17">
+                          <dgm:alg type="conn">
+                            <dgm:param type="dim" val="1D"/>
+                            <dgm:param type="endSty" val="noArr"/>
+                            <dgm:param type="connRout" val="bend"/>
+                            <dgm:param type="bendPt" val="end"/>
+                            <dgm:param type="begPts" val="bCtr"/>
+                            <dgm:param type="endPts" val="tCtr"/>
+                            <dgm:param type="srcNode" val="background2"/>
+                            <dgm:param type="dstNode" val="background3"/>
+                          </dgm:alg>
+                          <dgm:shape xmlns:r="http://schemas.openxmlformats.org/officeDocument/2006/relationships" type="conn" r:blip="" zOrderOff="-999">
+                            <dgm:adjLst/>
+                          </dgm:shape>
+                          <dgm:presOf axis="self"/>
+                          <dgm:constrLst>
+                            <dgm:constr type="begPad"/>
+                            <dgm:constr type="endPad"/>
+                          </dgm:constrLst>
+                          <dgm:ruleLst/>
+                        </dgm:layoutNode>
+                      </dgm:forEach>
+                      <dgm:forEach name="Name18" axis="self" ptType="node">
+                        <dgm:layoutNode name="hierRoot3">
+                          <dgm:alg type="hierRoot"/>
+                          <dgm:shape xmlns:r="http://schemas.openxmlformats.org/officeDocument/2006/relationships" r:blip="">
+                            <dgm:adjLst/>
+                          </dgm:shape>
+                          <dgm:presOf/>
+                          <dgm:constrLst>
+                            <dgm:constr type="bendDist" for="des" ptType="parTrans" refType="sp" fact="0.5"/>
+                          </dgm:constrLst>
+                          <dgm:ruleLst/>
+                          <dgm:layoutNode name="composite3">
+                            <dgm:alg type="composite"/>
+                            <dgm:shape xmlns:r="http://schemas.openxmlformats.org/officeDocument/2006/relationships" r:blip="">
+                              <dgm:adjLst/>
+                            </dgm:shape>
+                            <dgm:presOf/>
+                            <dgm:constrLst>
+                              <dgm:constr type="w" for="ch" forName="background3" refType="w" fact="0.9"/>
+                              <dgm:constr type="h" for="ch" forName="background3" refType="w" refFor="ch" refForName="background3" fact="0.635"/>
+                              <dgm:constr type="t" for="ch" forName="background3"/>
+                              <dgm:constr type="l" for="ch" forName="background3"/>
+                              <dgm:constr type="w" for="ch" forName="text3" refType="w" fact="0.9"/>
+                              <dgm:constr type="h" for="ch" forName="text3" refType="w" refFor="ch" refForName="text3" fact="0.635"/>
+                              <dgm:constr type="t" for="ch" forName="text3" refType="w" fact="0.095"/>
+                              <dgm:constr type="l" for="ch" forName="text3" refType="w" fact="0.1"/>
+                            </dgm:constrLst>
+                            <dgm:ruleLst/>
+                            <dgm:layoutNode name="background3" moveWith="text3">
+                              <dgm:alg type="sp"/>
+                              <dgm:shape xmlns:r="http://schemas.openxmlformats.org/officeDocument/2006/relationships" type="roundRect" r:blip="">
+                                <dgm:adjLst>
+                                  <dgm:adj idx="1" val="0.1"/>
+                                </dgm:adjLst>
+                              </dgm:shape>
+                              <dgm:presOf/>
+                              <dgm:constrLst/>
+                              <dgm:ruleLst/>
+                            </dgm:layoutNode>
+                            <dgm:layoutNode name="text3" styleLbl="fgAcc3">
+                              <dgm:varLst>
+                                <dgm:chPref val="3"/>
+                              </dgm:varLst>
+                              <dgm:alg type="tx"/>
+                              <dgm:shape xmlns:r="http://schemas.openxmlformats.org/officeDocument/2006/relationships" type="roundRect" r:blip="">
+                                <dgm:adjLst>
+                                  <dgm:adj idx="1" val="0.1"/>
+                                </dgm:adjLst>
+                              </dgm:shape>
+                              <dgm:presOf axis="self"/>
+                              <dgm:constrLst>
+                                <dgm:constr type="tMarg" refType="primFontSz" fact="0.3"/>
+                                <dgm:constr type="bMarg" refType="primFontSz" fact="0.3"/>
+                                <dgm:constr type="lMarg" refType="primFontSz" fact="0.3"/>
+                                <dgm:constr type="rMarg" refType="primFontSz" fact="0.3"/>
+                              </dgm:constrLst>
+                              <dgm:ruleLst>
+                                <dgm:rule type="primFontSz" val="5" fact="NaN" max="NaN"/>
+                              </dgm:ruleLst>
+                            </dgm:layoutNode>
+                          </dgm:layoutNode>
+                          <dgm:layoutNode name="hierChild4">
+                            <dgm:choose name="Name19">
+                              <dgm:if name="Name20" func="var" arg="dir" op="equ" val="norm">
+                                <dgm:alg type="hierChild">
+                                  <dgm:param type="linDir" val="fromL"/>
+                                </dgm:alg>
+                              </dgm:if>
+                              <dgm:else name="Name21">
+                                <dgm:alg type="hierChild">
+                                  <dgm:param type="linDir" val="fromR"/>
+                                </dgm:alg>
+                              </dgm:else>
+                            </dgm:choose>
+                            <dgm:shape xmlns:r="http://schemas.openxmlformats.org/officeDocument/2006/relationships" r:blip="">
+                              <dgm:adjLst/>
+                            </dgm:shape>
+                            <dgm:presOf/>
+                            <dgm:constrLst/>
+                            <dgm:ruleLst/>
+                            <dgm:forEach name="repeat" axis="ch">
+                              <dgm:forEach name="Name22" axis="self" ptType="parTrans" cnt="1">
+                                <dgm:layoutNode name="Name23">
+                                  <dgm:choose name="Name24">
+                                    <dgm:if name="Name25" axis="self" func="depth" op="lte" val="4">
+                                      <dgm:alg type="conn">
+                                        <dgm:param type="dim" val="1D"/>
+                                        <dgm:param type="endSty" val="noArr"/>
+                                        <dgm:param type="connRout" val="bend"/>
+                                        <dgm:param type="bendPt" val="end"/>
+                                        <dgm:param type="begPts" val="bCtr"/>
+                                        <dgm:param type="endPts" val="tCtr"/>
+                                        <dgm:param type="srcNode" val="background3"/>
+                                        <dgm:param type="dstNode" val="background4"/>
+                                      </dgm:alg>
+                                    </dgm:if>
+                                    <dgm:else name="Name26">
+                                      <dgm:alg type="conn">
+                                        <dgm:param type="dim" val="1D"/>
+                                        <dgm:param type="endSty" val="noArr"/>
+                                        <dgm:param type="connRout" val="bend"/>
+                                        <dgm:param type="bendPt" val="end"/>
+                                        <dgm:param type="begPts" val="bCtr"/>
+                                        <dgm:param type="endPts" val="tCtr"/>
+                                        <dgm:param type="srcNode" val="background4"/>
+                                        <dgm:param type="dstNode" val="background4"/>
+                                      </dgm:alg>
+                                    </dgm:else>
+                                  </dgm:choose>
+                                  <dgm:shape xmlns:r="http://schemas.openxmlformats.org/officeDocument/2006/relationships" type="conn" r:blip="" zOrderOff="-999">
+                                    <dgm:adjLst/>
+                                  </dgm:shape>
+                                  <dgm:presOf axis="self"/>
+                                  <dgm:constrLst>
+                                    <dgm:constr type="begPad"/>
+                                    <dgm:constr type="endPad"/>
+                                  </dgm:constrLst>
+                                  <dgm:ruleLst/>
+                                </dgm:layoutNode>
+                              </dgm:forEach>
+                              <dgm:forEach name="Name27" axis="self" ptType="node">
+                                <dgm:layoutNode name="hierRoot4">
+                                  <dgm:alg type="hierRoot"/>
+                                  <dgm:shape xmlns:r="http://schemas.openxmlformats.org/officeDocument/2006/relationships" r:blip="">
+                                    <dgm:adjLst/>
+                                  </dgm:shape>
+                                  <dgm:presOf/>
+                                  <dgm:constrLst>
+                                    <dgm:constr type="bendDist" for="des" ptType="parTrans" refType="sp" fact="0.5"/>
+                                  </dgm:constrLst>
+                                  <dgm:ruleLst/>
+                                  <dgm:layoutNode name="composite4">
+                                    <dgm:alg type="composite"/>
+                                    <dgm:shape xmlns:r="http://schemas.openxmlformats.org/officeDocument/2006/relationships" r:blip="">
+                                      <dgm:adjLst/>
+                                    </dgm:shape>
+                                    <dgm:presOf/>
+                                    <dgm:constrLst>
+                                      <dgm:constr type="w" for="ch" forName="background4" refType="w" fact="0.9"/>
+                                      <dgm:constr type="h" for="ch" forName="background4" refType="w" refFor="ch" refForName="background4" fact="0.635"/>
+                                      <dgm:constr type="t" for="ch" forName="background4"/>
+                                      <dgm:constr type="l" for="ch" forName="background4"/>
+                                      <dgm:constr type="w" for="ch" forName="text4" refType="w" fact="0.9"/>
+                                      <dgm:constr type="h" for="ch" forName="text4" refType="w" refFor="ch" refForName="text4" fact="0.635"/>
+                                      <dgm:constr type="t" for="ch" forName="text4" refType="w" fact="0.095"/>
+                                      <dgm:constr type="l" for="ch" forName="text4" refType="w" fact="0.1"/>
+                                    </dgm:constrLst>
+                                    <dgm:ruleLst/>
+                                    <dgm:layoutNode name="background4" moveWith="text4">
+                                      <dgm:alg type="sp"/>
+                                      <dgm:shape xmlns:r="http://schemas.openxmlformats.org/officeDocument/2006/relationships" type="roundRect" r:blip="">
+                                        <dgm:adjLst>
+                                          <dgm:adj idx="1" val="0.1"/>
+                                        </dgm:adjLst>
+                                      </dgm:shape>
+                                      <dgm:presOf/>
+                                      <dgm:constrLst/>
+                                      <dgm:ruleLst/>
+                                    </dgm:layoutNode>
+                                    <dgm:layoutNode name="text4" styleLbl="fgAcc4">
+                                      <dgm:varLst>
+                                        <dgm:chPref val="3"/>
+                                      </dgm:varLst>
+                                      <dgm:alg type="tx"/>
+                                      <dgm:shape xmlns:r="http://schemas.openxmlformats.org/officeDocument/2006/relationships" type="roundRect" r:blip="">
+                                        <dgm:adjLst>
+                                          <dgm:adj idx="1" val="0.1"/>
+                                        </dgm:adjLst>
+                                      </dgm:shape>
+                                      <dgm:presOf axis="self"/>
+                                      <dgm:constrLst>
+                                        <dgm:constr type="tMarg" refType="primFontSz" fact="0.3"/>
+                                        <dgm:constr type="bMarg" refType="primFontSz" fact="0.3"/>
+                                        <dgm:constr type="lMarg" refType="primFontSz" fact="0.3"/>
+                                        <dgm:constr type="rMarg" refType="primFontSz" fact="0.3"/>
+                                      </dgm:constrLst>
+                                      <dgm:ruleLst>
+                                        <dgm:rule type="primFontSz" val="5" fact="NaN" max="NaN"/>
+                                      </dgm:ruleLst>
+                                    </dgm:layoutNode>
+                                  </dgm:layoutNode>
+                                  <dgm:layoutNode name="hierChild5">
+                                    <dgm:choose name="Name28">
+                                      <dgm:if name="Name29" func="var" arg="dir" op="equ" val="norm">
+                                        <dgm:alg type="hierChild">
+                                          <dgm:param type="linDir" val="fromL"/>
+                                        </dgm:alg>
+                                      </dgm:if>
+                                      <dgm:else name="Name30">
+                                        <dgm:alg type="hierChild">
+                                          <dgm:param type="linDir" val="fromR"/>
+                                        </dgm:alg>
+                                      </dgm:else>
+                                    </dgm:choose>
+                                    <dgm:shape xmlns:r="http://schemas.openxmlformats.org/officeDocument/2006/relationships" r:blip="">
+                                      <dgm:adjLst/>
+                                    </dgm:shape>
+                                    <dgm:presOf/>
+                                    <dgm:constrLst/>
+                                    <dgm:ruleLst/>
+                                    <dgm:forEach name="Name31" ref="repeat"/>
+                                  </dgm:layoutNode>
+                                </dgm:layoutNode>
+                              </dgm:forEach>
+                            </dgm:forEach>
+                          </dgm:layoutNode>
+                        </dgm:layoutNode>
+                      </dgm:forEach>
+                    </dgm:forEach>
+                  </dgm:layoutNode>
+                </dgm:layoutNode>
+              </dgm:forEach>
+            </dgm:forEach>
+          </dgm:layoutNode>
+        </dgm:layoutNode>
+      </dgm:forEach>
+    </dgm:forEach>
+  </dgm:layoutNode>
+</dgm:layoutDef>
+</file>
+
 <file path=ppt/diagrams/quickStyle1.xml><?xml version="1.0" encoding="utf-8"?>
 <dgm:styleDef xmlns:dgm="http://schemas.openxmlformats.org/drawingml/2006/diagram" xmlns:a="http://schemas.openxmlformats.org/drawingml/2006/main" uniqueId="urn:microsoft.com/office/officeart/2005/8/quickstyle/simple1">
   <dgm:title val=""/>
@@ -12685,6 +17634,1040 @@
         <a:scrgbClr r="0" g="0" b="0"/>
       </a:fillRef>
       <a:effectRef idx="2">
+        <a:scrgbClr r="0" g="0" b="0"/>
+      </a:effectRef>
+      <a:fontRef idx="minor"/>
+    </dgm:style>
+  </dgm:styleLbl>
+  <dgm:styleLbl name="revTx">
+    <dgm:scene3d>
+      <a:camera prst="orthographicFront"/>
+      <a:lightRig rig="threePt" dir="t"/>
+    </dgm:scene3d>
+    <dgm:sp3d/>
+    <dgm:txPr/>
+    <dgm:style>
+      <a:lnRef idx="0">
+        <a:scrgbClr r="0" g="0" b="0"/>
+      </a:lnRef>
+      <a:fillRef idx="0">
+        <a:scrgbClr r="0" g="0" b="0"/>
+      </a:fillRef>
+      <a:effectRef idx="0">
+        <a:scrgbClr r="0" g="0" b="0"/>
+      </a:effectRef>
+      <a:fontRef idx="minor"/>
+    </dgm:style>
+  </dgm:styleLbl>
+</dgm:styleDef>
+</file>
+
+<file path=ppt/diagrams/quickStyle5.xml><?xml version="1.0" encoding="utf-8"?>
+<dgm:styleDef xmlns:dgm="http://schemas.openxmlformats.org/drawingml/2006/diagram" xmlns:a="http://schemas.openxmlformats.org/drawingml/2006/main" uniqueId="urn:microsoft.com/office/officeart/2005/8/quickstyle/simple1">
+  <dgm:title val=""/>
+  <dgm:desc val=""/>
+  <dgm:catLst>
+    <dgm:cat type="simple" pri="10100"/>
+  </dgm:catLst>
+  <dgm:scene3d>
+    <a:camera prst="orthographicFront"/>
+    <a:lightRig rig="threePt" dir="t"/>
+  </dgm:scene3d>
+  <dgm:styleLbl name="node0">
+    <dgm:scene3d>
+      <a:camera prst="orthographicFront"/>
+      <a:lightRig rig="threePt" dir="t"/>
+    </dgm:scene3d>
+    <dgm:sp3d/>
+    <dgm:txPr/>
+    <dgm:style>
+      <a:lnRef idx="2">
+        <a:scrgbClr r="0" g="0" b="0"/>
+      </a:lnRef>
+      <a:fillRef idx="1">
+        <a:scrgbClr r="0" g="0" b="0"/>
+      </a:fillRef>
+      <a:effectRef idx="0">
+        <a:scrgbClr r="0" g="0" b="0"/>
+      </a:effectRef>
+      <a:fontRef idx="minor">
+        <a:schemeClr val="lt1"/>
+      </a:fontRef>
+    </dgm:style>
+  </dgm:styleLbl>
+  <dgm:styleLbl name="lnNode1">
+    <dgm:scene3d>
+      <a:camera prst="orthographicFront"/>
+      <a:lightRig rig="threePt" dir="t"/>
+    </dgm:scene3d>
+    <dgm:sp3d/>
+    <dgm:txPr/>
+    <dgm:style>
+      <a:lnRef idx="2">
+        <a:scrgbClr r="0" g="0" b="0"/>
+      </a:lnRef>
+      <a:fillRef idx="1">
+        <a:scrgbClr r="0" g="0" b="0"/>
+      </a:fillRef>
+      <a:effectRef idx="0">
+        <a:scrgbClr r="0" g="0" b="0"/>
+      </a:effectRef>
+      <a:fontRef idx="minor">
+        <a:schemeClr val="lt1"/>
+      </a:fontRef>
+    </dgm:style>
+  </dgm:styleLbl>
+  <dgm:styleLbl name="vennNode1">
+    <dgm:scene3d>
+      <a:camera prst="orthographicFront"/>
+      <a:lightRig rig="threePt" dir="t"/>
+    </dgm:scene3d>
+    <dgm:sp3d/>
+    <dgm:txPr/>
+    <dgm:style>
+      <a:lnRef idx="2">
+        <a:scrgbClr r="0" g="0" b="0"/>
+      </a:lnRef>
+      <a:fillRef idx="1">
+        <a:scrgbClr r="0" g="0" b="0"/>
+      </a:fillRef>
+      <a:effectRef idx="0">
+        <a:scrgbClr r="0" g="0" b="0"/>
+      </a:effectRef>
+      <a:fontRef idx="minor">
+        <a:schemeClr val="tx1"/>
+      </a:fontRef>
+    </dgm:style>
+  </dgm:styleLbl>
+  <dgm:styleLbl name="alignNode1">
+    <dgm:scene3d>
+      <a:camera prst="orthographicFront"/>
+      <a:lightRig rig="threePt" dir="t"/>
+    </dgm:scene3d>
+    <dgm:sp3d/>
+    <dgm:txPr/>
+    <dgm:style>
+      <a:lnRef idx="2">
+        <a:scrgbClr r="0" g="0" b="0"/>
+      </a:lnRef>
+      <a:fillRef idx="1">
+        <a:scrgbClr r="0" g="0" b="0"/>
+      </a:fillRef>
+      <a:effectRef idx="0">
+        <a:scrgbClr r="0" g="0" b="0"/>
+      </a:effectRef>
+      <a:fontRef idx="minor">
+        <a:schemeClr val="lt1"/>
+      </a:fontRef>
+    </dgm:style>
+  </dgm:styleLbl>
+  <dgm:styleLbl name="node1">
+    <dgm:scene3d>
+      <a:camera prst="orthographicFront"/>
+      <a:lightRig rig="threePt" dir="t"/>
+    </dgm:scene3d>
+    <dgm:sp3d/>
+    <dgm:txPr/>
+    <dgm:style>
+      <a:lnRef idx="2">
+        <a:scrgbClr r="0" g="0" b="0"/>
+      </a:lnRef>
+      <a:fillRef idx="1">
+        <a:scrgbClr r="0" g="0" b="0"/>
+      </a:fillRef>
+      <a:effectRef idx="0">
+        <a:scrgbClr r="0" g="0" b="0"/>
+      </a:effectRef>
+      <a:fontRef idx="minor">
+        <a:schemeClr val="lt1"/>
+      </a:fontRef>
+    </dgm:style>
+  </dgm:styleLbl>
+  <dgm:styleLbl name="node2">
+    <dgm:scene3d>
+      <a:camera prst="orthographicFront"/>
+      <a:lightRig rig="threePt" dir="t"/>
+    </dgm:scene3d>
+    <dgm:sp3d/>
+    <dgm:txPr/>
+    <dgm:style>
+      <a:lnRef idx="2">
+        <a:scrgbClr r="0" g="0" b="0"/>
+      </a:lnRef>
+      <a:fillRef idx="1">
+        <a:scrgbClr r="0" g="0" b="0"/>
+      </a:fillRef>
+      <a:effectRef idx="0">
+        <a:scrgbClr r="0" g="0" b="0"/>
+      </a:effectRef>
+      <a:fontRef idx="minor">
+        <a:schemeClr val="lt1"/>
+      </a:fontRef>
+    </dgm:style>
+  </dgm:styleLbl>
+  <dgm:styleLbl name="node3">
+    <dgm:scene3d>
+      <a:camera prst="orthographicFront"/>
+      <a:lightRig rig="threePt" dir="t"/>
+    </dgm:scene3d>
+    <dgm:sp3d/>
+    <dgm:txPr/>
+    <dgm:style>
+      <a:lnRef idx="2">
+        <a:scrgbClr r="0" g="0" b="0"/>
+      </a:lnRef>
+      <a:fillRef idx="1">
+        <a:scrgbClr r="0" g="0" b="0"/>
+      </a:fillRef>
+      <a:effectRef idx="0">
+        <a:scrgbClr r="0" g="0" b="0"/>
+      </a:effectRef>
+      <a:fontRef idx="minor">
+        <a:schemeClr val="lt1"/>
+      </a:fontRef>
+    </dgm:style>
+  </dgm:styleLbl>
+  <dgm:styleLbl name="node4">
+    <dgm:scene3d>
+      <a:camera prst="orthographicFront"/>
+      <a:lightRig rig="threePt" dir="t"/>
+    </dgm:scene3d>
+    <dgm:sp3d/>
+    <dgm:txPr/>
+    <dgm:style>
+      <a:lnRef idx="2">
+        <a:scrgbClr r="0" g="0" b="0"/>
+      </a:lnRef>
+      <a:fillRef idx="1">
+        <a:scrgbClr r="0" g="0" b="0"/>
+      </a:fillRef>
+      <a:effectRef idx="0">
+        <a:scrgbClr r="0" g="0" b="0"/>
+      </a:effectRef>
+      <a:fontRef idx="minor">
+        <a:schemeClr val="lt1"/>
+      </a:fontRef>
+    </dgm:style>
+  </dgm:styleLbl>
+  <dgm:styleLbl name="fgImgPlace1">
+    <dgm:scene3d>
+      <a:camera prst="orthographicFront"/>
+      <a:lightRig rig="threePt" dir="t"/>
+    </dgm:scene3d>
+    <dgm:sp3d/>
+    <dgm:txPr/>
+    <dgm:style>
+      <a:lnRef idx="2">
+        <a:scrgbClr r="0" g="0" b="0"/>
+      </a:lnRef>
+      <a:fillRef idx="1">
+        <a:scrgbClr r="0" g="0" b="0"/>
+      </a:fillRef>
+      <a:effectRef idx="0">
+        <a:scrgbClr r="0" g="0" b="0"/>
+      </a:effectRef>
+      <a:fontRef idx="minor"/>
+    </dgm:style>
+  </dgm:styleLbl>
+  <dgm:styleLbl name="alignImgPlace1">
+    <dgm:scene3d>
+      <a:camera prst="orthographicFront"/>
+      <a:lightRig rig="threePt" dir="t"/>
+    </dgm:scene3d>
+    <dgm:sp3d/>
+    <dgm:txPr/>
+    <dgm:style>
+      <a:lnRef idx="2">
+        <a:scrgbClr r="0" g="0" b="0"/>
+      </a:lnRef>
+      <a:fillRef idx="1">
+        <a:scrgbClr r="0" g="0" b="0"/>
+      </a:fillRef>
+      <a:effectRef idx="0">
+        <a:scrgbClr r="0" g="0" b="0"/>
+      </a:effectRef>
+      <a:fontRef idx="minor"/>
+    </dgm:style>
+  </dgm:styleLbl>
+  <dgm:styleLbl name="bgImgPlace1">
+    <dgm:scene3d>
+      <a:camera prst="orthographicFront"/>
+      <a:lightRig rig="threePt" dir="t"/>
+    </dgm:scene3d>
+    <dgm:sp3d/>
+    <dgm:txPr/>
+    <dgm:style>
+      <a:lnRef idx="2">
+        <a:scrgbClr r="0" g="0" b="0"/>
+      </a:lnRef>
+      <a:fillRef idx="1">
+        <a:scrgbClr r="0" g="0" b="0"/>
+      </a:fillRef>
+      <a:effectRef idx="0">
+        <a:scrgbClr r="0" g="0" b="0"/>
+      </a:effectRef>
+      <a:fontRef idx="minor"/>
+    </dgm:style>
+  </dgm:styleLbl>
+  <dgm:styleLbl name="sibTrans2D1">
+    <dgm:scene3d>
+      <a:camera prst="orthographicFront"/>
+      <a:lightRig rig="threePt" dir="t"/>
+    </dgm:scene3d>
+    <dgm:sp3d/>
+    <dgm:txPr/>
+    <dgm:style>
+      <a:lnRef idx="0">
+        <a:scrgbClr r="0" g="0" b="0"/>
+      </a:lnRef>
+      <a:fillRef idx="1">
+        <a:scrgbClr r="0" g="0" b="0"/>
+      </a:fillRef>
+      <a:effectRef idx="0">
+        <a:scrgbClr r="0" g="0" b="0"/>
+      </a:effectRef>
+      <a:fontRef idx="minor">
+        <a:schemeClr val="lt1"/>
+      </a:fontRef>
+    </dgm:style>
+  </dgm:styleLbl>
+  <dgm:styleLbl name="fgSibTrans2D1">
+    <dgm:scene3d>
+      <a:camera prst="orthographicFront"/>
+      <a:lightRig rig="threePt" dir="t"/>
+    </dgm:scene3d>
+    <dgm:sp3d/>
+    <dgm:txPr/>
+    <dgm:style>
+      <a:lnRef idx="0">
+        <a:scrgbClr r="0" g="0" b="0"/>
+      </a:lnRef>
+      <a:fillRef idx="1">
+        <a:scrgbClr r="0" g="0" b="0"/>
+      </a:fillRef>
+      <a:effectRef idx="0">
+        <a:scrgbClr r="0" g="0" b="0"/>
+      </a:effectRef>
+      <a:fontRef idx="minor">
+        <a:schemeClr val="lt1"/>
+      </a:fontRef>
+    </dgm:style>
+  </dgm:styleLbl>
+  <dgm:styleLbl name="bgSibTrans2D1">
+    <dgm:scene3d>
+      <a:camera prst="orthographicFront"/>
+      <a:lightRig rig="threePt" dir="t"/>
+    </dgm:scene3d>
+    <dgm:sp3d/>
+    <dgm:txPr/>
+    <dgm:style>
+      <a:lnRef idx="0">
+        <a:scrgbClr r="0" g="0" b="0"/>
+      </a:lnRef>
+      <a:fillRef idx="1">
+        <a:scrgbClr r="0" g="0" b="0"/>
+      </a:fillRef>
+      <a:effectRef idx="0">
+        <a:scrgbClr r="0" g="0" b="0"/>
+      </a:effectRef>
+      <a:fontRef idx="minor">
+        <a:schemeClr val="lt1"/>
+      </a:fontRef>
+    </dgm:style>
+  </dgm:styleLbl>
+  <dgm:styleLbl name="sibTrans1D1">
+    <dgm:scene3d>
+      <a:camera prst="orthographicFront"/>
+      <a:lightRig rig="threePt" dir="t"/>
+    </dgm:scene3d>
+    <dgm:sp3d/>
+    <dgm:txPr/>
+    <dgm:style>
+      <a:lnRef idx="1">
+        <a:scrgbClr r="0" g="0" b="0"/>
+      </a:lnRef>
+      <a:fillRef idx="0">
+        <a:scrgbClr r="0" g="0" b="0"/>
+      </a:fillRef>
+      <a:effectRef idx="0">
+        <a:scrgbClr r="0" g="0" b="0"/>
+      </a:effectRef>
+      <a:fontRef idx="minor"/>
+    </dgm:style>
+  </dgm:styleLbl>
+  <dgm:styleLbl name="callout">
+    <dgm:scene3d>
+      <a:camera prst="orthographicFront"/>
+      <a:lightRig rig="threePt" dir="t"/>
+    </dgm:scene3d>
+    <dgm:sp3d/>
+    <dgm:txPr/>
+    <dgm:style>
+      <a:lnRef idx="2">
+        <a:scrgbClr r="0" g="0" b="0"/>
+      </a:lnRef>
+      <a:fillRef idx="1">
+        <a:scrgbClr r="0" g="0" b="0"/>
+      </a:fillRef>
+      <a:effectRef idx="0">
+        <a:scrgbClr r="0" g="0" b="0"/>
+      </a:effectRef>
+      <a:fontRef idx="minor"/>
+    </dgm:style>
+  </dgm:styleLbl>
+  <dgm:styleLbl name="asst0">
+    <dgm:scene3d>
+      <a:camera prst="orthographicFront"/>
+      <a:lightRig rig="threePt" dir="t"/>
+    </dgm:scene3d>
+    <dgm:sp3d/>
+    <dgm:txPr/>
+    <dgm:style>
+      <a:lnRef idx="2">
+        <a:scrgbClr r="0" g="0" b="0"/>
+      </a:lnRef>
+      <a:fillRef idx="1">
+        <a:scrgbClr r="0" g="0" b="0"/>
+      </a:fillRef>
+      <a:effectRef idx="0">
+        <a:scrgbClr r="0" g="0" b="0"/>
+      </a:effectRef>
+      <a:fontRef idx="minor">
+        <a:schemeClr val="lt1"/>
+      </a:fontRef>
+    </dgm:style>
+  </dgm:styleLbl>
+  <dgm:styleLbl name="asst1">
+    <dgm:scene3d>
+      <a:camera prst="orthographicFront"/>
+      <a:lightRig rig="threePt" dir="t"/>
+    </dgm:scene3d>
+    <dgm:sp3d/>
+    <dgm:txPr/>
+    <dgm:style>
+      <a:lnRef idx="2">
+        <a:scrgbClr r="0" g="0" b="0"/>
+      </a:lnRef>
+      <a:fillRef idx="1">
+        <a:scrgbClr r="0" g="0" b="0"/>
+      </a:fillRef>
+      <a:effectRef idx="0">
+        <a:scrgbClr r="0" g="0" b="0"/>
+      </a:effectRef>
+      <a:fontRef idx="minor">
+        <a:schemeClr val="lt1"/>
+      </a:fontRef>
+    </dgm:style>
+  </dgm:styleLbl>
+  <dgm:styleLbl name="asst2">
+    <dgm:scene3d>
+      <a:camera prst="orthographicFront"/>
+      <a:lightRig rig="threePt" dir="t"/>
+    </dgm:scene3d>
+    <dgm:sp3d/>
+    <dgm:txPr/>
+    <dgm:style>
+      <a:lnRef idx="2">
+        <a:scrgbClr r="0" g="0" b="0"/>
+      </a:lnRef>
+      <a:fillRef idx="1">
+        <a:scrgbClr r="0" g="0" b="0"/>
+      </a:fillRef>
+      <a:effectRef idx="0">
+        <a:scrgbClr r="0" g="0" b="0"/>
+      </a:effectRef>
+      <a:fontRef idx="minor">
+        <a:schemeClr val="lt1"/>
+      </a:fontRef>
+    </dgm:style>
+  </dgm:styleLbl>
+  <dgm:styleLbl name="asst3">
+    <dgm:scene3d>
+      <a:camera prst="orthographicFront"/>
+      <a:lightRig rig="threePt" dir="t"/>
+    </dgm:scene3d>
+    <dgm:sp3d/>
+    <dgm:txPr/>
+    <dgm:style>
+      <a:lnRef idx="2">
+        <a:scrgbClr r="0" g="0" b="0"/>
+      </a:lnRef>
+      <a:fillRef idx="1">
+        <a:scrgbClr r="0" g="0" b="0"/>
+      </a:fillRef>
+      <a:effectRef idx="0">
+        <a:scrgbClr r="0" g="0" b="0"/>
+      </a:effectRef>
+      <a:fontRef idx="minor">
+        <a:schemeClr val="lt1"/>
+      </a:fontRef>
+    </dgm:style>
+  </dgm:styleLbl>
+  <dgm:styleLbl name="asst4">
+    <dgm:scene3d>
+      <a:camera prst="orthographicFront"/>
+      <a:lightRig rig="threePt" dir="t"/>
+    </dgm:scene3d>
+    <dgm:sp3d/>
+    <dgm:txPr/>
+    <dgm:style>
+      <a:lnRef idx="2">
+        <a:scrgbClr r="0" g="0" b="0"/>
+      </a:lnRef>
+      <a:fillRef idx="1">
+        <a:scrgbClr r="0" g="0" b="0"/>
+      </a:fillRef>
+      <a:effectRef idx="0">
+        <a:scrgbClr r="0" g="0" b="0"/>
+      </a:effectRef>
+      <a:fontRef idx="minor">
+        <a:schemeClr val="lt1"/>
+      </a:fontRef>
+    </dgm:style>
+  </dgm:styleLbl>
+  <dgm:styleLbl name="parChTrans2D1">
+    <dgm:scene3d>
+      <a:camera prst="orthographicFront"/>
+      <a:lightRig rig="threePt" dir="t"/>
+    </dgm:scene3d>
+    <dgm:sp3d/>
+    <dgm:txPr/>
+    <dgm:style>
+      <a:lnRef idx="2">
+        <a:scrgbClr r="0" g="0" b="0"/>
+      </a:lnRef>
+      <a:fillRef idx="1">
+        <a:scrgbClr r="0" g="0" b="0"/>
+      </a:fillRef>
+      <a:effectRef idx="0">
+        <a:scrgbClr r="0" g="0" b="0"/>
+      </a:effectRef>
+      <a:fontRef idx="minor">
+        <a:schemeClr val="lt1"/>
+      </a:fontRef>
+    </dgm:style>
+  </dgm:styleLbl>
+  <dgm:styleLbl name="parChTrans2D2">
+    <dgm:scene3d>
+      <a:camera prst="orthographicFront"/>
+      <a:lightRig rig="threePt" dir="t"/>
+    </dgm:scene3d>
+    <dgm:sp3d/>
+    <dgm:txPr/>
+    <dgm:style>
+      <a:lnRef idx="2">
+        <a:scrgbClr r="0" g="0" b="0"/>
+      </a:lnRef>
+      <a:fillRef idx="1">
+        <a:scrgbClr r="0" g="0" b="0"/>
+      </a:fillRef>
+      <a:effectRef idx="0">
+        <a:scrgbClr r="0" g="0" b="0"/>
+      </a:effectRef>
+      <a:fontRef idx="minor">
+        <a:schemeClr val="lt1"/>
+      </a:fontRef>
+    </dgm:style>
+  </dgm:styleLbl>
+  <dgm:styleLbl name="parChTrans2D3">
+    <dgm:scene3d>
+      <a:camera prst="orthographicFront"/>
+      <a:lightRig rig="threePt" dir="t"/>
+    </dgm:scene3d>
+    <dgm:sp3d/>
+    <dgm:txPr/>
+    <dgm:style>
+      <a:lnRef idx="2">
+        <a:scrgbClr r="0" g="0" b="0"/>
+      </a:lnRef>
+      <a:fillRef idx="1">
+        <a:scrgbClr r="0" g="0" b="0"/>
+      </a:fillRef>
+      <a:effectRef idx="0">
+        <a:scrgbClr r="0" g="0" b="0"/>
+      </a:effectRef>
+      <a:fontRef idx="minor">
+        <a:schemeClr val="lt1"/>
+      </a:fontRef>
+    </dgm:style>
+  </dgm:styleLbl>
+  <dgm:styleLbl name="parChTrans2D4">
+    <dgm:scene3d>
+      <a:camera prst="orthographicFront"/>
+      <a:lightRig rig="threePt" dir="t"/>
+    </dgm:scene3d>
+    <dgm:sp3d/>
+    <dgm:txPr/>
+    <dgm:style>
+      <a:lnRef idx="2">
+        <a:scrgbClr r="0" g="0" b="0"/>
+      </a:lnRef>
+      <a:fillRef idx="1">
+        <a:scrgbClr r="0" g="0" b="0"/>
+      </a:fillRef>
+      <a:effectRef idx="0">
+        <a:scrgbClr r="0" g="0" b="0"/>
+      </a:effectRef>
+      <a:fontRef idx="minor">
+        <a:schemeClr val="lt1"/>
+      </a:fontRef>
+    </dgm:style>
+  </dgm:styleLbl>
+  <dgm:styleLbl name="parChTrans1D1">
+    <dgm:scene3d>
+      <a:camera prst="orthographicFront"/>
+      <a:lightRig rig="threePt" dir="t"/>
+    </dgm:scene3d>
+    <dgm:sp3d/>
+    <dgm:txPr/>
+    <dgm:style>
+      <a:lnRef idx="2">
+        <a:scrgbClr r="0" g="0" b="0"/>
+      </a:lnRef>
+      <a:fillRef idx="0">
+        <a:scrgbClr r="0" g="0" b="0"/>
+      </a:fillRef>
+      <a:effectRef idx="0">
+        <a:scrgbClr r="0" g="0" b="0"/>
+      </a:effectRef>
+      <a:fontRef idx="minor"/>
+    </dgm:style>
+  </dgm:styleLbl>
+  <dgm:styleLbl name="parChTrans1D2">
+    <dgm:scene3d>
+      <a:camera prst="orthographicFront"/>
+      <a:lightRig rig="threePt" dir="t"/>
+    </dgm:scene3d>
+    <dgm:sp3d/>
+    <dgm:txPr/>
+    <dgm:style>
+      <a:lnRef idx="2">
+        <a:scrgbClr r="0" g="0" b="0"/>
+      </a:lnRef>
+      <a:fillRef idx="0">
+        <a:scrgbClr r="0" g="0" b="0"/>
+      </a:fillRef>
+      <a:effectRef idx="0">
+        <a:scrgbClr r="0" g="0" b="0"/>
+      </a:effectRef>
+      <a:fontRef idx="minor"/>
+    </dgm:style>
+  </dgm:styleLbl>
+  <dgm:styleLbl name="parChTrans1D3">
+    <dgm:scene3d>
+      <a:camera prst="orthographicFront"/>
+      <a:lightRig rig="threePt" dir="t"/>
+    </dgm:scene3d>
+    <dgm:sp3d/>
+    <dgm:txPr/>
+    <dgm:style>
+      <a:lnRef idx="2">
+        <a:scrgbClr r="0" g="0" b="0"/>
+      </a:lnRef>
+      <a:fillRef idx="0">
+        <a:scrgbClr r="0" g="0" b="0"/>
+      </a:fillRef>
+      <a:effectRef idx="0">
+        <a:scrgbClr r="0" g="0" b="0"/>
+      </a:effectRef>
+      <a:fontRef idx="minor"/>
+    </dgm:style>
+  </dgm:styleLbl>
+  <dgm:styleLbl name="parChTrans1D4">
+    <dgm:scene3d>
+      <a:camera prst="orthographicFront"/>
+      <a:lightRig rig="threePt" dir="t"/>
+    </dgm:scene3d>
+    <dgm:sp3d/>
+    <dgm:txPr/>
+    <dgm:style>
+      <a:lnRef idx="2">
+        <a:scrgbClr r="0" g="0" b="0"/>
+      </a:lnRef>
+      <a:fillRef idx="0">
+        <a:scrgbClr r="0" g="0" b="0"/>
+      </a:fillRef>
+      <a:effectRef idx="0">
+        <a:scrgbClr r="0" g="0" b="0"/>
+      </a:effectRef>
+      <a:fontRef idx="minor"/>
+    </dgm:style>
+  </dgm:styleLbl>
+  <dgm:styleLbl name="fgAcc1">
+    <dgm:scene3d>
+      <a:camera prst="orthographicFront"/>
+      <a:lightRig rig="threePt" dir="t"/>
+    </dgm:scene3d>
+    <dgm:sp3d/>
+    <dgm:txPr/>
+    <dgm:style>
+      <a:lnRef idx="2">
+        <a:scrgbClr r="0" g="0" b="0"/>
+      </a:lnRef>
+      <a:fillRef idx="1">
+        <a:scrgbClr r="0" g="0" b="0"/>
+      </a:fillRef>
+      <a:effectRef idx="0">
+        <a:scrgbClr r="0" g="0" b="0"/>
+      </a:effectRef>
+      <a:fontRef idx="minor"/>
+    </dgm:style>
+  </dgm:styleLbl>
+  <dgm:styleLbl name="conFgAcc1">
+    <dgm:scene3d>
+      <a:camera prst="orthographicFront"/>
+      <a:lightRig rig="threePt" dir="t"/>
+    </dgm:scene3d>
+    <dgm:sp3d/>
+    <dgm:txPr/>
+    <dgm:style>
+      <a:lnRef idx="2">
+        <a:scrgbClr r="0" g="0" b="0"/>
+      </a:lnRef>
+      <a:fillRef idx="1">
+        <a:scrgbClr r="0" g="0" b="0"/>
+      </a:fillRef>
+      <a:effectRef idx="0">
+        <a:scrgbClr r="0" g="0" b="0"/>
+      </a:effectRef>
+      <a:fontRef idx="minor"/>
+    </dgm:style>
+  </dgm:styleLbl>
+  <dgm:styleLbl name="alignAcc1">
+    <dgm:scene3d>
+      <a:camera prst="orthographicFront"/>
+      <a:lightRig rig="threePt" dir="t"/>
+    </dgm:scene3d>
+    <dgm:sp3d/>
+    <dgm:txPr/>
+    <dgm:style>
+      <a:lnRef idx="2">
+        <a:scrgbClr r="0" g="0" b="0"/>
+      </a:lnRef>
+      <a:fillRef idx="1">
+        <a:scrgbClr r="0" g="0" b="0"/>
+      </a:fillRef>
+      <a:effectRef idx="0">
+        <a:scrgbClr r="0" g="0" b="0"/>
+      </a:effectRef>
+      <a:fontRef idx="minor"/>
+    </dgm:style>
+  </dgm:styleLbl>
+  <dgm:styleLbl name="trAlignAcc1">
+    <dgm:scene3d>
+      <a:camera prst="orthographicFront"/>
+      <a:lightRig rig="threePt" dir="t"/>
+    </dgm:scene3d>
+    <dgm:sp3d/>
+    <dgm:txPr/>
+    <dgm:style>
+      <a:lnRef idx="1">
+        <a:scrgbClr r="0" g="0" b="0"/>
+      </a:lnRef>
+      <a:fillRef idx="1">
+        <a:scrgbClr r="0" g="0" b="0"/>
+      </a:fillRef>
+      <a:effectRef idx="0">
+        <a:scrgbClr r="0" g="0" b="0"/>
+      </a:effectRef>
+      <a:fontRef idx="minor"/>
+    </dgm:style>
+  </dgm:styleLbl>
+  <dgm:styleLbl name="bgAcc1">
+    <dgm:scene3d>
+      <a:camera prst="orthographicFront"/>
+      <a:lightRig rig="threePt" dir="t"/>
+    </dgm:scene3d>
+    <dgm:sp3d/>
+    <dgm:txPr/>
+    <dgm:style>
+      <a:lnRef idx="2">
+        <a:scrgbClr r="0" g="0" b="0"/>
+      </a:lnRef>
+      <a:fillRef idx="1">
+        <a:scrgbClr r="0" g="0" b="0"/>
+      </a:fillRef>
+      <a:effectRef idx="0">
+        <a:scrgbClr r="0" g="0" b="0"/>
+      </a:effectRef>
+      <a:fontRef idx="minor"/>
+    </dgm:style>
+  </dgm:styleLbl>
+  <dgm:styleLbl name="solidFgAcc1">
+    <dgm:scene3d>
+      <a:camera prst="orthographicFront"/>
+      <a:lightRig rig="threePt" dir="t"/>
+    </dgm:scene3d>
+    <dgm:sp3d/>
+    <dgm:txPr/>
+    <dgm:style>
+      <a:lnRef idx="2">
+        <a:scrgbClr r="0" g="0" b="0"/>
+      </a:lnRef>
+      <a:fillRef idx="1">
+        <a:scrgbClr r="0" g="0" b="0"/>
+      </a:fillRef>
+      <a:effectRef idx="0">
+        <a:scrgbClr r="0" g="0" b="0"/>
+      </a:effectRef>
+      <a:fontRef idx="minor"/>
+    </dgm:style>
+  </dgm:styleLbl>
+  <dgm:styleLbl name="solidAlignAcc1">
+    <dgm:scene3d>
+      <a:camera prst="orthographicFront"/>
+      <a:lightRig rig="threePt" dir="t"/>
+    </dgm:scene3d>
+    <dgm:sp3d/>
+    <dgm:txPr/>
+    <dgm:style>
+      <a:lnRef idx="2">
+        <a:scrgbClr r="0" g="0" b="0"/>
+      </a:lnRef>
+      <a:fillRef idx="1">
+        <a:scrgbClr r="0" g="0" b="0"/>
+      </a:fillRef>
+      <a:effectRef idx="0">
+        <a:scrgbClr r="0" g="0" b="0"/>
+      </a:effectRef>
+      <a:fontRef idx="minor"/>
+    </dgm:style>
+  </dgm:styleLbl>
+  <dgm:styleLbl name="solidBgAcc1">
+    <dgm:scene3d>
+      <a:camera prst="orthographicFront"/>
+      <a:lightRig rig="threePt" dir="t"/>
+    </dgm:scene3d>
+    <dgm:sp3d/>
+    <dgm:txPr/>
+    <dgm:style>
+      <a:lnRef idx="2">
+        <a:scrgbClr r="0" g="0" b="0"/>
+      </a:lnRef>
+      <a:fillRef idx="1">
+        <a:scrgbClr r="0" g="0" b="0"/>
+      </a:fillRef>
+      <a:effectRef idx="0">
+        <a:scrgbClr r="0" g="0" b="0"/>
+      </a:effectRef>
+      <a:fontRef idx="minor"/>
+    </dgm:style>
+  </dgm:styleLbl>
+  <dgm:styleLbl name="fgAccFollowNode1">
+    <dgm:scene3d>
+      <a:camera prst="orthographicFront"/>
+      <a:lightRig rig="threePt" dir="t"/>
+    </dgm:scene3d>
+    <dgm:sp3d/>
+    <dgm:txPr/>
+    <dgm:style>
+      <a:lnRef idx="2">
+        <a:scrgbClr r="0" g="0" b="0"/>
+      </a:lnRef>
+      <a:fillRef idx="1">
+        <a:scrgbClr r="0" g="0" b="0"/>
+      </a:fillRef>
+      <a:effectRef idx="0">
+        <a:scrgbClr r="0" g="0" b="0"/>
+      </a:effectRef>
+      <a:fontRef idx="minor"/>
+    </dgm:style>
+  </dgm:styleLbl>
+  <dgm:styleLbl name="alignAccFollowNode1">
+    <dgm:scene3d>
+      <a:camera prst="orthographicFront"/>
+      <a:lightRig rig="threePt" dir="t"/>
+    </dgm:scene3d>
+    <dgm:sp3d/>
+    <dgm:txPr/>
+    <dgm:style>
+      <a:lnRef idx="2">
+        <a:scrgbClr r="0" g="0" b="0"/>
+      </a:lnRef>
+      <a:fillRef idx="1">
+        <a:scrgbClr r="0" g="0" b="0"/>
+      </a:fillRef>
+      <a:effectRef idx="0">
+        <a:scrgbClr r="0" g="0" b="0"/>
+      </a:effectRef>
+      <a:fontRef idx="minor"/>
+    </dgm:style>
+  </dgm:styleLbl>
+  <dgm:styleLbl name="bgAccFollowNode1">
+    <dgm:scene3d>
+      <a:camera prst="orthographicFront"/>
+      <a:lightRig rig="threePt" dir="t"/>
+    </dgm:scene3d>
+    <dgm:sp3d/>
+    <dgm:txPr/>
+    <dgm:style>
+      <a:lnRef idx="2">
+        <a:scrgbClr r="0" g="0" b="0"/>
+      </a:lnRef>
+      <a:fillRef idx="1">
+        <a:scrgbClr r="0" g="0" b="0"/>
+      </a:fillRef>
+      <a:effectRef idx="0">
+        <a:scrgbClr r="0" g="0" b="0"/>
+      </a:effectRef>
+      <a:fontRef idx="minor"/>
+    </dgm:style>
+  </dgm:styleLbl>
+  <dgm:styleLbl name="fgAcc0">
+    <dgm:scene3d>
+      <a:camera prst="orthographicFront"/>
+      <a:lightRig rig="threePt" dir="t"/>
+    </dgm:scene3d>
+    <dgm:sp3d/>
+    <dgm:txPr/>
+    <dgm:style>
+      <a:lnRef idx="2">
+        <a:scrgbClr r="0" g="0" b="0"/>
+      </a:lnRef>
+      <a:fillRef idx="1">
+        <a:scrgbClr r="0" g="0" b="0"/>
+      </a:fillRef>
+      <a:effectRef idx="0">
+        <a:scrgbClr r="0" g="0" b="0"/>
+      </a:effectRef>
+      <a:fontRef idx="minor"/>
+    </dgm:style>
+  </dgm:styleLbl>
+  <dgm:styleLbl name="fgAcc2">
+    <dgm:scene3d>
+      <a:camera prst="orthographicFront"/>
+      <a:lightRig rig="threePt" dir="t"/>
+    </dgm:scene3d>
+    <dgm:sp3d/>
+    <dgm:txPr/>
+    <dgm:style>
+      <a:lnRef idx="2">
+        <a:scrgbClr r="0" g="0" b="0"/>
+      </a:lnRef>
+      <a:fillRef idx="1">
+        <a:scrgbClr r="0" g="0" b="0"/>
+      </a:fillRef>
+      <a:effectRef idx="0">
+        <a:scrgbClr r="0" g="0" b="0"/>
+      </a:effectRef>
+      <a:fontRef idx="minor"/>
+    </dgm:style>
+  </dgm:styleLbl>
+  <dgm:styleLbl name="fgAcc3">
+    <dgm:scene3d>
+      <a:camera prst="orthographicFront"/>
+      <a:lightRig rig="threePt" dir="t"/>
+    </dgm:scene3d>
+    <dgm:sp3d/>
+    <dgm:txPr/>
+    <dgm:style>
+      <a:lnRef idx="2">
+        <a:scrgbClr r="0" g="0" b="0"/>
+      </a:lnRef>
+      <a:fillRef idx="1">
+        <a:scrgbClr r="0" g="0" b="0"/>
+      </a:fillRef>
+      <a:effectRef idx="0">
+        <a:scrgbClr r="0" g="0" b="0"/>
+      </a:effectRef>
+      <a:fontRef idx="minor"/>
+    </dgm:style>
+  </dgm:styleLbl>
+  <dgm:styleLbl name="fgAcc4">
+    <dgm:scene3d>
+      <a:camera prst="orthographicFront"/>
+      <a:lightRig rig="threePt" dir="t"/>
+    </dgm:scene3d>
+    <dgm:sp3d/>
+    <dgm:txPr/>
+    <dgm:style>
+      <a:lnRef idx="2">
+        <a:scrgbClr r="0" g="0" b="0"/>
+      </a:lnRef>
+      <a:fillRef idx="1">
+        <a:scrgbClr r="0" g="0" b="0"/>
+      </a:fillRef>
+      <a:effectRef idx="0">
+        <a:scrgbClr r="0" g="0" b="0"/>
+      </a:effectRef>
+      <a:fontRef idx="minor"/>
+    </dgm:style>
+  </dgm:styleLbl>
+  <dgm:styleLbl name="bgShp">
+    <dgm:scene3d>
+      <a:camera prst="orthographicFront"/>
+      <a:lightRig rig="threePt" dir="t"/>
+    </dgm:scene3d>
+    <dgm:sp3d/>
+    <dgm:txPr/>
+    <dgm:style>
+      <a:lnRef idx="0">
+        <a:scrgbClr r="0" g="0" b="0"/>
+      </a:lnRef>
+      <a:fillRef idx="1">
+        <a:scrgbClr r="0" g="0" b="0"/>
+      </a:fillRef>
+      <a:effectRef idx="0">
+        <a:scrgbClr r="0" g="0" b="0"/>
+      </a:effectRef>
+      <a:fontRef idx="minor"/>
+    </dgm:style>
+  </dgm:styleLbl>
+  <dgm:styleLbl name="dkBgShp">
+    <dgm:scene3d>
+      <a:camera prst="orthographicFront"/>
+      <a:lightRig rig="threePt" dir="t"/>
+    </dgm:scene3d>
+    <dgm:sp3d/>
+    <dgm:txPr/>
+    <dgm:style>
+      <a:lnRef idx="0">
+        <a:scrgbClr r="0" g="0" b="0"/>
+      </a:lnRef>
+      <a:fillRef idx="1">
+        <a:scrgbClr r="0" g="0" b="0"/>
+      </a:fillRef>
+      <a:effectRef idx="0">
+        <a:scrgbClr r="0" g="0" b="0"/>
+      </a:effectRef>
+      <a:fontRef idx="minor"/>
+    </dgm:style>
+  </dgm:styleLbl>
+  <dgm:styleLbl name="trBgShp">
+    <dgm:scene3d>
+      <a:camera prst="orthographicFront"/>
+      <a:lightRig rig="threePt" dir="t"/>
+    </dgm:scene3d>
+    <dgm:sp3d/>
+    <dgm:txPr/>
+    <dgm:style>
+      <a:lnRef idx="0">
+        <a:scrgbClr r="0" g="0" b="0"/>
+      </a:lnRef>
+      <a:fillRef idx="1">
+        <a:scrgbClr r="0" g="0" b="0"/>
+      </a:fillRef>
+      <a:effectRef idx="0">
+        <a:scrgbClr r="0" g="0" b="0"/>
+      </a:effectRef>
+      <a:fontRef idx="minor"/>
+    </dgm:style>
+  </dgm:styleLbl>
+  <dgm:styleLbl name="fgShp">
+    <dgm:scene3d>
+      <a:camera prst="orthographicFront"/>
+      <a:lightRig rig="threePt" dir="t"/>
+    </dgm:scene3d>
+    <dgm:sp3d/>
+    <dgm:txPr/>
+    <dgm:style>
+      <a:lnRef idx="2">
+        <a:scrgbClr r="0" g="0" b="0"/>
+      </a:lnRef>
+      <a:fillRef idx="1">
+        <a:scrgbClr r="0" g="0" b="0"/>
+      </a:fillRef>
+      <a:effectRef idx="0">
         <a:scrgbClr r="0" g="0" b="0"/>
       </a:effectRef>
       <a:fontRef idx="minor"/>
@@ -31635,7 +37618,7 @@
             <p:ph idx="1"/>
             <p:extLst>
               <p:ext uri="{D42A27DB-BD31-4B8C-83A1-F6EECF244321}">
-                <p14:modId xmlns:p14="http://schemas.microsoft.com/office/powerpoint/2010/main" val="3064000556"/>
+                <p14:modId xmlns:p14="http://schemas.microsoft.com/office/powerpoint/2010/main" val="3905021870"/>
               </p:ext>
             </p:extLst>
           </p:nvPr>
@@ -34798,6 +40781,95 @@
 <file path=ppt/slides/slide8.xml><?xml version="1.0" encoding="utf-8"?>
 <p:sld xmlns:a="http://schemas.openxmlformats.org/drawingml/2006/main" xmlns:r="http://schemas.openxmlformats.org/officeDocument/2006/relationships" xmlns:p="http://schemas.openxmlformats.org/presentationml/2006/main">
   <p:cSld>
+    <p:spTree>
+      <p:nvGrpSpPr>
+        <p:cNvPr id="1" name=""/>
+        <p:cNvGrpSpPr/>
+        <p:nvPr/>
+      </p:nvGrpSpPr>
+      <p:grpSpPr>
+        <a:xfrm>
+          <a:off x="0" y="0"/>
+          <a:ext cx="0" cy="0"/>
+          <a:chOff x="0" y="0"/>
+          <a:chExt cx="0" cy="0"/>
+        </a:xfrm>
+      </p:grpSpPr>
+      <p:sp>
+        <p:nvSpPr>
+          <p:cNvPr id="2" name="Title 1">
+            <a:extLst>
+              <a:ext uri="{FF2B5EF4-FFF2-40B4-BE49-F238E27FC236}">
+                <a16:creationId xmlns:a16="http://schemas.microsoft.com/office/drawing/2014/main" id="{8DF13991-90BC-6B41-8BA3-21EE150AFC54}"/>
+              </a:ext>
+            </a:extLst>
+          </p:cNvPr>
+          <p:cNvSpPr>
+            <a:spLocks noGrp="1"/>
+          </p:cNvSpPr>
+          <p:nvPr>
+            <p:ph type="title"/>
+          </p:nvPr>
+        </p:nvSpPr>
+        <p:spPr/>
+        <p:txBody>
+          <a:bodyPr/>
+          <a:lstStyle/>
+          <a:p>
+            <a:r>
+              <a:rPr lang="en-US" dirty="0"/>
+              <a:t>Ensemble diagram</a:t>
+            </a:r>
+          </a:p>
+        </p:txBody>
+      </p:sp>
+      <p:graphicFrame>
+        <p:nvGraphicFramePr>
+          <p:cNvPr id="4" name="Content Placeholder 3">
+            <a:extLst>
+              <a:ext uri="{FF2B5EF4-FFF2-40B4-BE49-F238E27FC236}">
+                <a16:creationId xmlns:a16="http://schemas.microsoft.com/office/drawing/2014/main" id="{B4D3C92F-DC44-464B-8695-92126F10266B}"/>
+              </a:ext>
+            </a:extLst>
+          </p:cNvPr>
+          <p:cNvGraphicFramePr>
+            <a:graphicFrameLocks noGrp="1"/>
+          </p:cNvGraphicFramePr>
+          <p:nvPr>
+            <p:ph idx="1"/>
+            <p:extLst>
+              <p:ext uri="{D42A27DB-BD31-4B8C-83A1-F6EECF244321}">
+                <p14:modId xmlns:p14="http://schemas.microsoft.com/office/powerpoint/2010/main" val="1026454666"/>
+              </p:ext>
+            </p:extLst>
+          </p:nvPr>
+        </p:nvGraphicFramePr>
+        <p:xfrm>
+          <a:off x="609600" y="1909011"/>
+          <a:ext cx="11277600" cy="4170947"/>
+        </p:xfrm>
+        <a:graphic>
+          <a:graphicData uri="http://schemas.openxmlformats.org/drawingml/2006/diagram">
+            <dgm:relIds xmlns:dgm="http://schemas.openxmlformats.org/drawingml/2006/diagram" xmlns:r="http://schemas.openxmlformats.org/officeDocument/2006/relationships" r:dm="rId2" r:lo="rId3" r:qs="rId4" r:cs="rId5"/>
+          </a:graphicData>
+        </a:graphic>
+      </p:graphicFrame>
+    </p:spTree>
+    <p:extLst>
+      <p:ext uri="{BB962C8B-B14F-4D97-AF65-F5344CB8AC3E}">
+        <p14:creationId xmlns:p14="http://schemas.microsoft.com/office/powerpoint/2010/main" val="3250131227"/>
+      </p:ext>
+    </p:extLst>
+  </p:cSld>
+  <p:clrMapOvr>
+    <a:masterClrMapping/>
+  </p:clrMapOvr>
+</p:sld>
+</file>
+
+<file path=ppt/slides/slide9.xml><?xml version="1.0" encoding="utf-8"?>
+<p:sld xmlns:a="http://schemas.openxmlformats.org/drawingml/2006/main" xmlns:r="http://schemas.openxmlformats.org/officeDocument/2006/relationships" xmlns:p="http://schemas.openxmlformats.org/presentationml/2006/main">
+  <p:cSld>
     <p:bg>
       <p:bgPr>
         <a:solidFill>
@@ -38567,6 +44639,53 @@
           </a:p>
         </p:txBody>
       </p:sp>
+      <p:sp>
+        <p:nvSpPr>
+          <p:cNvPr id="5" name="TextBox 4">
+            <a:extLst>
+              <a:ext uri="{FF2B5EF4-FFF2-40B4-BE49-F238E27FC236}">
+                <a16:creationId xmlns:a16="http://schemas.microsoft.com/office/drawing/2014/main" id="{06B600A1-13F2-1D49-B5D3-9D715C431304}"/>
+              </a:ext>
+            </a:extLst>
+          </p:cNvPr>
+          <p:cNvSpPr txBox="1"/>
+          <p:nvPr/>
+        </p:nvSpPr>
+        <p:spPr>
+          <a:xfrm>
+            <a:off x="4143291" y="5137318"/>
+            <a:ext cx="1524000" cy="954107"/>
+          </a:xfrm>
+          <a:prstGeom prst="rect">
+            <a:avLst/>
+          </a:prstGeom>
+          <a:noFill/>
+        </p:spPr>
+        <p:txBody>
+          <a:bodyPr wrap="square" rtlCol="0">
+            <a:spAutoFit/>
+          </a:bodyPr>
+          <a:lstStyle/>
+          <a:p>
+            <a:r>
+              <a:rPr lang="en-US" sz="1400" dirty="0"/>
+              <a:t>Functional: 2</a:t>
+            </a:r>
+          </a:p>
+          <a:p>
+            <a:r>
+              <a:rPr lang="en-US" sz="1400" dirty="0"/>
+              <a:t>Functional with Repair: 1</a:t>
+            </a:r>
+          </a:p>
+          <a:p>
+            <a:r>
+              <a:rPr lang="en-US" sz="1400" dirty="0"/>
+              <a:t>Nonfunctional: 0</a:t>
+            </a:r>
+          </a:p>
+        </p:txBody>
+      </p:sp>
     </p:spTree>
     <p:extLst>
       <p:ext uri="{BB962C8B-B14F-4D97-AF65-F5344CB8AC3E}">
